--- a/QEigenMarking/EigenmarkingV4_8min.pptx
+++ b/QEigenMarking/EigenmarkingV4_8min.pptx
@@ -5,47 +5,46 @@
     <p:sldMasterId id="2147483648" r:id="rId1"/>
   </p:sldMasterIdLst>
   <p:notesMasterIdLst>
-    <p:notesMasterId r:id="rId40"/>
+    <p:notesMasterId r:id="rId39"/>
   </p:notesMasterIdLst>
   <p:sldIdLst>
     <p:sldId id="297" r:id="rId2"/>
-    <p:sldId id="289" r:id="rId3"/>
-    <p:sldId id="325" r:id="rId4"/>
-    <p:sldId id="300" r:id="rId5"/>
-    <p:sldId id="282" r:id="rId6"/>
-    <p:sldId id="281" r:id="rId7"/>
-    <p:sldId id="309" r:id="rId8"/>
-    <p:sldId id="291" r:id="rId9"/>
-    <p:sldId id="322" r:id="rId10"/>
-    <p:sldId id="323" r:id="rId11"/>
-    <p:sldId id="324" r:id="rId12"/>
-    <p:sldId id="277" r:id="rId13"/>
-    <p:sldId id="258" r:id="rId14"/>
-    <p:sldId id="260" r:id="rId15"/>
-    <p:sldId id="287" r:id="rId16"/>
-    <p:sldId id="290" r:id="rId17"/>
-    <p:sldId id="284" r:id="rId18"/>
-    <p:sldId id="292" r:id="rId19"/>
-    <p:sldId id="310" r:id="rId20"/>
-    <p:sldId id="317" r:id="rId21"/>
-    <p:sldId id="313" r:id="rId22"/>
-    <p:sldId id="318" r:id="rId23"/>
-    <p:sldId id="319" r:id="rId24"/>
-    <p:sldId id="316" r:id="rId25"/>
-    <p:sldId id="314" r:id="rId26"/>
-    <p:sldId id="321" r:id="rId27"/>
-    <p:sldId id="301" r:id="rId28"/>
-    <p:sldId id="279" r:id="rId29"/>
-    <p:sldId id="280" r:id="rId30"/>
-    <p:sldId id="286" r:id="rId31"/>
-    <p:sldId id="288" r:id="rId32"/>
-    <p:sldId id="302" r:id="rId33"/>
-    <p:sldId id="303" r:id="rId34"/>
-    <p:sldId id="304" r:id="rId35"/>
-    <p:sldId id="307" r:id="rId36"/>
-    <p:sldId id="294" r:id="rId37"/>
-    <p:sldId id="296" r:id="rId38"/>
-    <p:sldId id="308" r:id="rId39"/>
+    <p:sldId id="325" r:id="rId3"/>
+    <p:sldId id="300" r:id="rId4"/>
+    <p:sldId id="282" r:id="rId5"/>
+    <p:sldId id="281" r:id="rId6"/>
+    <p:sldId id="309" r:id="rId7"/>
+    <p:sldId id="291" r:id="rId8"/>
+    <p:sldId id="322" r:id="rId9"/>
+    <p:sldId id="323" r:id="rId10"/>
+    <p:sldId id="324" r:id="rId11"/>
+    <p:sldId id="277" r:id="rId12"/>
+    <p:sldId id="258" r:id="rId13"/>
+    <p:sldId id="260" r:id="rId14"/>
+    <p:sldId id="287" r:id="rId15"/>
+    <p:sldId id="290" r:id="rId16"/>
+    <p:sldId id="284" r:id="rId17"/>
+    <p:sldId id="292" r:id="rId18"/>
+    <p:sldId id="310" r:id="rId19"/>
+    <p:sldId id="317" r:id="rId20"/>
+    <p:sldId id="313" r:id="rId21"/>
+    <p:sldId id="318" r:id="rId22"/>
+    <p:sldId id="319" r:id="rId23"/>
+    <p:sldId id="316" r:id="rId24"/>
+    <p:sldId id="314" r:id="rId25"/>
+    <p:sldId id="321" r:id="rId26"/>
+    <p:sldId id="301" r:id="rId27"/>
+    <p:sldId id="279" r:id="rId28"/>
+    <p:sldId id="280" r:id="rId29"/>
+    <p:sldId id="286" r:id="rId30"/>
+    <p:sldId id="288" r:id="rId31"/>
+    <p:sldId id="302" r:id="rId32"/>
+    <p:sldId id="303" r:id="rId33"/>
+    <p:sldId id="304" r:id="rId34"/>
+    <p:sldId id="307" r:id="rId35"/>
+    <p:sldId id="294" r:id="rId36"/>
+    <p:sldId id="296" r:id="rId37"/>
+    <p:sldId id="308" r:id="rId38"/>
   </p:sldIdLst>
   <p:sldSz cx="12192000" cy="6858000"/>
   <p:notesSz cx="6858000" cy="9144000"/>
@@ -9474,503 +9473,6 @@
         </p:nvSpPr>
         <p:spPr>
           <a:xfrm>
-            <a:off x="6096000" y="136525"/>
-            <a:ext cx="5969149" cy="628631"/>
-          </a:xfrm>
-        </p:spPr>
-        <p:txBody>
-          <a:bodyPr/>
-          <a:lstStyle/>
-          <a:p>
-            <a:pPr algn="r"/>
-            <a:r>
-              <a:rPr lang="en-US" dirty="0"/>
-              <a:t>Null </a:t>
-            </a:r>
-            <a:r>
-              <a:rPr lang="en-US" dirty="0" err="1"/>
-              <a:t>Eigenmarking</a:t>
-            </a:r>
-            <a:endParaRPr lang="th-TH" dirty="0"/>
-          </a:p>
-        </p:txBody>
-      </p:sp>
-      <p:pic>
-        <p:nvPicPr>
-          <p:cNvPr id="5" name="Picture 4">
-            <a:extLst>
-              <a:ext uri="{FF2B5EF4-FFF2-40B4-BE49-F238E27FC236}">
-                <a16:creationId xmlns:a16="http://schemas.microsoft.com/office/drawing/2014/main" id="{EF55F6F4-3A46-4AEB-95E8-56A3128B06BD}"/>
-              </a:ext>
-            </a:extLst>
-          </p:cNvPr>
-          <p:cNvPicPr>
-            <a:picLocks noChangeAspect="1"/>
-          </p:cNvPicPr>
-          <p:nvPr/>
-        </p:nvPicPr>
-        <p:blipFill>
-          <a:blip r:embed="rId2">
-            <a:extLst>
-              <a:ext uri="{28A0092B-C50C-407E-A947-70E740481C1C}">
-                <a14:useLocalDpi xmlns:a14="http://schemas.microsoft.com/office/drawing/2010/main" val="0"/>
-              </a:ext>
-            </a:extLst>
-          </a:blip>
-          <a:stretch>
-            <a:fillRect/>
-          </a:stretch>
-        </p:blipFill>
-        <p:spPr>
-          <a:xfrm>
-            <a:off x="220878" y="2387452"/>
-            <a:ext cx="6748314" cy="2067729"/>
-          </a:xfrm>
-          <a:prstGeom prst="rect">
-            <a:avLst/>
-          </a:prstGeom>
-        </p:spPr>
-      </p:pic>
-      <p:pic>
-        <p:nvPicPr>
-          <p:cNvPr id="9" name="Picture 8">
-            <a:extLst>
-              <a:ext uri="{FF2B5EF4-FFF2-40B4-BE49-F238E27FC236}">
-                <a16:creationId xmlns:a16="http://schemas.microsoft.com/office/drawing/2014/main" id="{3CC19E9F-DB9B-48A0-A637-4A16C320CE37}"/>
-              </a:ext>
-            </a:extLst>
-          </p:cNvPr>
-          <p:cNvPicPr>
-            <a:picLocks noChangeAspect="1"/>
-          </p:cNvPicPr>
-          <p:nvPr/>
-        </p:nvPicPr>
-        <p:blipFill rotWithShape="1">
-          <a:blip r:embed="rId3">
-            <a:extLst>
-              <a:ext uri="{28A0092B-C50C-407E-A947-70E740481C1C}">
-                <a14:useLocalDpi xmlns:a14="http://schemas.microsoft.com/office/drawing/2010/main" val="0"/>
-              </a:ext>
-            </a:extLst>
-          </a:blip>
-          <a:srcRect r="49678"/>
-          <a:stretch/>
-        </p:blipFill>
-        <p:spPr>
-          <a:xfrm>
-            <a:off x="220879" y="4575753"/>
-            <a:ext cx="3413444" cy="2067730"/>
-          </a:xfrm>
-          <a:prstGeom prst="rect">
-            <a:avLst/>
-          </a:prstGeom>
-        </p:spPr>
-      </p:pic>
-      <p:pic>
-        <p:nvPicPr>
-          <p:cNvPr id="13" name="Picture 12">
-            <a:extLst>
-              <a:ext uri="{FF2B5EF4-FFF2-40B4-BE49-F238E27FC236}">
-                <a16:creationId xmlns:a16="http://schemas.microsoft.com/office/drawing/2014/main" id="{13D8B19A-3643-4629-AC19-6449D154F5A2}"/>
-              </a:ext>
-            </a:extLst>
-          </p:cNvPr>
-          <p:cNvPicPr>
-            <a:picLocks noChangeAspect="1"/>
-          </p:cNvPicPr>
-          <p:nvPr/>
-        </p:nvPicPr>
-        <p:blipFill rotWithShape="1">
-          <a:blip r:embed="rId4">
-            <a:extLst>
-              <a:ext uri="{28A0092B-C50C-407E-A947-70E740481C1C}">
-                <a14:useLocalDpi xmlns:a14="http://schemas.microsoft.com/office/drawing/2010/main" val="0"/>
-              </a:ext>
-            </a:extLst>
-          </a:blip>
-          <a:srcRect l="-420" r="-1"/>
-          <a:stretch/>
-        </p:blipFill>
-        <p:spPr>
-          <a:xfrm>
-            <a:off x="3595035" y="4575754"/>
-            <a:ext cx="6832619" cy="2067729"/>
-          </a:xfrm>
-          <a:prstGeom prst="rect">
-            <a:avLst/>
-          </a:prstGeom>
-        </p:spPr>
-      </p:pic>
-      <p:pic>
-        <p:nvPicPr>
-          <p:cNvPr id="15" name="Picture 14">
-            <a:extLst>
-              <a:ext uri="{FF2B5EF4-FFF2-40B4-BE49-F238E27FC236}">
-                <a16:creationId xmlns:a16="http://schemas.microsoft.com/office/drawing/2014/main" id="{A116AB4F-1693-47E3-9181-125D0BB5DD72}"/>
-              </a:ext>
-            </a:extLst>
-          </p:cNvPr>
-          <p:cNvPicPr>
-            <a:picLocks noChangeAspect="1"/>
-          </p:cNvPicPr>
-          <p:nvPr/>
-        </p:nvPicPr>
-        <p:blipFill rotWithShape="1">
-          <a:blip r:embed="rId5">
-            <a:extLst>
-              <a:ext uri="{28A0092B-C50C-407E-A947-70E740481C1C}">
-                <a14:useLocalDpi xmlns:a14="http://schemas.microsoft.com/office/drawing/2010/main" val="0"/>
-              </a:ext>
-            </a:extLst>
-          </a:blip>
-          <a:srcRect l="50560" t="-304" b="304"/>
-          <a:stretch/>
-        </p:blipFill>
-        <p:spPr>
-          <a:xfrm>
-            <a:off x="6963955" y="2384753"/>
-            <a:ext cx="3336384" cy="2061463"/>
-          </a:xfrm>
-          <a:prstGeom prst="rect">
-            <a:avLst/>
-          </a:prstGeom>
-        </p:spPr>
-      </p:pic>
-      <p:sp>
-        <p:nvSpPr>
-          <p:cNvPr id="16" name="Left Brace 15">
-            <a:extLst>
-              <a:ext uri="{FF2B5EF4-FFF2-40B4-BE49-F238E27FC236}">
-                <a16:creationId xmlns:a16="http://schemas.microsoft.com/office/drawing/2014/main" id="{C2BA904F-4002-467C-8462-AF1730D5F04A}"/>
-              </a:ext>
-            </a:extLst>
-          </p:cNvPr>
-          <p:cNvSpPr/>
-          <p:nvPr/>
-        </p:nvSpPr>
-        <p:spPr>
-          <a:xfrm rot="5400000">
-            <a:off x="1815744" y="2870487"/>
-            <a:ext cx="87129" cy="573742"/>
-          </a:xfrm>
-          <a:prstGeom prst="leftBrace">
-            <a:avLst/>
-          </a:prstGeom>
-          <a:ln w="19050">
-            <a:solidFill>
-              <a:srgbClr val="FF0000"/>
-            </a:solidFill>
-          </a:ln>
-        </p:spPr>
-        <p:style>
-          <a:lnRef idx="1">
-            <a:schemeClr val="accent1"/>
-          </a:lnRef>
-          <a:fillRef idx="0">
-            <a:schemeClr val="accent1"/>
-          </a:fillRef>
-          <a:effectRef idx="0">
-            <a:schemeClr val="accent1"/>
-          </a:effectRef>
-          <a:fontRef idx="minor">
-            <a:schemeClr val="tx1"/>
-          </a:fontRef>
-        </p:style>
-        <p:txBody>
-          <a:bodyPr rtlCol="0" anchor="ctr"/>
-          <a:lstStyle/>
-          <a:p>
-            <a:pPr algn="ctr"/>
-            <a:endParaRPr lang="th-TH"/>
-          </a:p>
-        </p:txBody>
-      </p:sp>
-      <p:sp>
-        <p:nvSpPr>
-          <p:cNvPr id="17" name="TextBox 16">
-            <a:extLst>
-              <a:ext uri="{FF2B5EF4-FFF2-40B4-BE49-F238E27FC236}">
-                <a16:creationId xmlns:a16="http://schemas.microsoft.com/office/drawing/2014/main" id="{32D06E06-1E7E-444C-B019-15D14B5033D8}"/>
-              </a:ext>
-            </a:extLst>
-          </p:cNvPr>
-          <p:cNvSpPr txBox="1"/>
-          <p:nvPr/>
-        </p:nvSpPr>
-        <p:spPr>
-          <a:xfrm rot="18937247">
-            <a:off x="1202366" y="1609552"/>
-            <a:ext cx="1654877" cy="338554"/>
-          </a:xfrm>
-          <a:prstGeom prst="rect">
-            <a:avLst/>
-          </a:prstGeom>
-          <a:noFill/>
-        </p:spPr>
-        <p:txBody>
-          <a:bodyPr wrap="none" rtlCol="0">
-            <a:spAutoFit/>
-          </a:bodyPr>
-          <a:lstStyle/>
-          <a:p>
-            <a:r>
-              <a:rPr lang="en-US" sz="1600" dirty="0">
-                <a:solidFill>
-                  <a:srgbClr val="FF0000"/>
-                </a:solidFill>
-              </a:rPr>
-              <a:t>Answer group: 01</a:t>
-            </a:r>
-            <a:endParaRPr lang="th-TH" sz="1600" dirty="0">
-              <a:solidFill>
-                <a:srgbClr val="FF0000"/>
-              </a:solidFill>
-            </a:endParaRPr>
-          </a:p>
-        </p:txBody>
-      </p:sp>
-      <p:cxnSp>
-        <p:nvCxnSpPr>
-          <p:cNvPr id="19" name="Straight Arrow Connector 18">
-            <a:extLst>
-              <a:ext uri="{FF2B5EF4-FFF2-40B4-BE49-F238E27FC236}">
-                <a16:creationId xmlns:a16="http://schemas.microsoft.com/office/drawing/2014/main" id="{622AD5A3-C07F-4712-9C06-5BA76EDB8C03}"/>
-              </a:ext>
-            </a:extLst>
-          </p:cNvPr>
-          <p:cNvCxnSpPr>
-            <a:cxnSpLocks/>
-          </p:cNvCxnSpPr>
-          <p:nvPr/>
-        </p:nvCxnSpPr>
-        <p:spPr>
-          <a:xfrm>
-            <a:off x="1859309" y="2100292"/>
-            <a:ext cx="0" cy="822976"/>
-          </a:xfrm>
-          <a:prstGeom prst="straightConnector1">
-            <a:avLst/>
-          </a:prstGeom>
-          <a:ln>
-            <a:solidFill>
-              <a:srgbClr val="FF0000"/>
-            </a:solidFill>
-            <a:tailEnd type="triangle"/>
-          </a:ln>
-        </p:spPr>
-        <p:style>
-          <a:lnRef idx="1">
-            <a:schemeClr val="accent1"/>
-          </a:lnRef>
-          <a:fillRef idx="0">
-            <a:schemeClr val="accent1"/>
-          </a:fillRef>
-          <a:effectRef idx="0">
-            <a:schemeClr val="accent1"/>
-          </a:effectRef>
-          <a:fontRef idx="minor">
-            <a:schemeClr val="tx1"/>
-          </a:fontRef>
-        </p:style>
-      </p:cxnSp>
-      <p:cxnSp>
-        <p:nvCxnSpPr>
-          <p:cNvPr id="22" name="Straight Arrow Connector 21">
-            <a:extLst>
-              <a:ext uri="{FF2B5EF4-FFF2-40B4-BE49-F238E27FC236}">
-                <a16:creationId xmlns:a16="http://schemas.microsoft.com/office/drawing/2014/main" id="{DF1D6E70-2B46-493F-8EC1-A4EA8341A528}"/>
-              </a:ext>
-            </a:extLst>
-          </p:cNvPr>
-          <p:cNvCxnSpPr>
-            <a:cxnSpLocks/>
-          </p:cNvCxnSpPr>
-          <p:nvPr/>
-        </p:nvCxnSpPr>
-        <p:spPr>
-          <a:xfrm>
-            <a:off x="2739590" y="2037539"/>
-            <a:ext cx="0" cy="347214"/>
-          </a:xfrm>
-          <a:prstGeom prst="straightConnector1">
-            <a:avLst/>
-          </a:prstGeom>
-          <a:ln w="28575">
-            <a:tailEnd type="triangle"/>
-          </a:ln>
-        </p:spPr>
-        <p:style>
-          <a:lnRef idx="1">
-            <a:schemeClr val="accent1"/>
-          </a:lnRef>
-          <a:fillRef idx="0">
-            <a:schemeClr val="accent1"/>
-          </a:fillRef>
-          <a:effectRef idx="0">
-            <a:schemeClr val="accent1"/>
-          </a:effectRef>
-          <a:fontRef idx="minor">
-            <a:schemeClr val="tx1"/>
-          </a:fontRef>
-        </p:style>
-      </p:cxnSp>
-      <p:sp>
-        <p:nvSpPr>
-          <p:cNvPr id="23" name="TextBox 22">
-            <a:extLst>
-              <a:ext uri="{FF2B5EF4-FFF2-40B4-BE49-F238E27FC236}">
-                <a16:creationId xmlns:a16="http://schemas.microsoft.com/office/drawing/2014/main" id="{8D912A88-B79F-48AE-93A0-D32A3E5FC969}"/>
-              </a:ext>
-            </a:extLst>
-          </p:cNvPr>
-          <p:cNvSpPr txBox="1"/>
-          <p:nvPr/>
-        </p:nvSpPr>
-        <p:spPr>
-          <a:xfrm rot="19153175">
-            <a:off x="1981691" y="1409968"/>
-            <a:ext cx="2265861" cy="338554"/>
-          </a:xfrm>
-          <a:prstGeom prst="rect">
-            <a:avLst/>
-          </a:prstGeom>
-          <a:noFill/>
-        </p:spPr>
-        <p:txBody>
-          <a:bodyPr wrap="square" rtlCol="0">
-            <a:spAutoFit/>
-          </a:bodyPr>
-          <a:lstStyle/>
-          <a:p>
-            <a:r>
-              <a:rPr lang="en-US" sz="1600" dirty="0">
-                <a:solidFill>
-                  <a:srgbClr val="0070C0"/>
-                </a:solidFill>
-              </a:rPr>
-              <a:t>Null marking state 10 11</a:t>
-            </a:r>
-            <a:endParaRPr lang="th-TH" dirty="0">
-              <a:solidFill>
-                <a:srgbClr val="0070C0"/>
-              </a:solidFill>
-            </a:endParaRPr>
-          </a:p>
-        </p:txBody>
-      </p:sp>
-      <p:pic>
-        <p:nvPicPr>
-          <p:cNvPr id="14" name="Picture 13">
-            <a:extLst>
-              <a:ext uri="{FF2B5EF4-FFF2-40B4-BE49-F238E27FC236}">
-                <a16:creationId xmlns:a16="http://schemas.microsoft.com/office/drawing/2014/main" id="{61CC2C25-A722-41EE-87D0-DB031653A7D3}"/>
-              </a:ext>
-            </a:extLst>
-          </p:cNvPr>
-          <p:cNvPicPr>
-            <a:picLocks noChangeAspect="1"/>
-          </p:cNvPicPr>
-          <p:nvPr/>
-        </p:nvPicPr>
-        <p:blipFill>
-          <a:blip r:embed="rId6">
-            <a:extLst>
-              <a:ext uri="{28A0092B-C50C-407E-A947-70E740481C1C}">
-                <a14:useLocalDpi xmlns:a14="http://schemas.microsoft.com/office/drawing/2010/main" val="0"/>
-              </a:ext>
-            </a:extLst>
-          </a:blip>
-          <a:stretch>
-            <a:fillRect/>
-          </a:stretch>
-        </p:blipFill>
-        <p:spPr>
-          <a:xfrm>
-            <a:off x="3925232" y="411847"/>
-            <a:ext cx="4685368" cy="1829326"/>
-          </a:xfrm>
-          <a:prstGeom prst="rect">
-            <a:avLst/>
-          </a:prstGeom>
-        </p:spPr>
-      </p:pic>
-    </p:spTree>
-    <p:extLst>
-      <p:ext uri="{BB962C8B-B14F-4D97-AF65-F5344CB8AC3E}">
-        <p14:creationId xmlns:p14="http://schemas.microsoft.com/office/powerpoint/2010/main" val="908264813"/>
-      </p:ext>
-    </p:extLst>
-  </p:cSld>
-  <p:clrMapOvr>
-    <a:masterClrMapping/>
-  </p:clrMapOvr>
-</p:sld>
-</file>
-
-<file path=ppt/slides/slide11.xml><?xml version="1.0" encoding="utf-8"?>
-<p:sld xmlns:a="http://schemas.openxmlformats.org/drawingml/2006/main" xmlns:r="http://schemas.openxmlformats.org/officeDocument/2006/relationships" xmlns:p="http://schemas.openxmlformats.org/presentationml/2006/main">
-  <p:cSld>
-    <p:spTree>
-      <p:nvGrpSpPr>
-        <p:cNvPr id="1" name=""/>
-        <p:cNvGrpSpPr/>
-        <p:nvPr/>
-      </p:nvGrpSpPr>
-      <p:grpSpPr>
-        <a:xfrm>
-          <a:off x="0" y="0"/>
-          <a:ext cx="0" cy="0"/>
-          <a:chOff x="0" y="0"/>
-          <a:chExt cx="0" cy="0"/>
-        </a:xfrm>
-      </p:grpSpPr>
-      <p:sp>
-        <p:nvSpPr>
-          <p:cNvPr id="2" name="Slide Number Placeholder 1">
-            <a:extLst>
-              <a:ext uri="{FF2B5EF4-FFF2-40B4-BE49-F238E27FC236}">
-                <a16:creationId xmlns:a16="http://schemas.microsoft.com/office/drawing/2014/main" id="{6B5B872E-8491-48FA-9097-DF6563F5F41D}"/>
-              </a:ext>
-            </a:extLst>
-          </p:cNvPr>
-          <p:cNvSpPr>
-            <a:spLocks noGrp="1"/>
-          </p:cNvSpPr>
-          <p:nvPr>
-            <p:ph type="sldNum" sz="quarter" idx="12"/>
-          </p:nvPr>
-        </p:nvSpPr>
-        <p:spPr/>
-        <p:txBody>
-          <a:bodyPr/>
-          <a:lstStyle/>
-          <a:p>
-            <a:fld id="{3BDBD433-A3C6-4DFF-8587-7568F60AEA6A}" type="slidenum">
-              <a:rPr lang="th-TH" smtClean="0"/>
-              <a:t>11</a:t>
-            </a:fld>
-            <a:endParaRPr lang="th-TH"/>
-          </a:p>
-        </p:txBody>
-      </p:sp>
-      <p:sp>
-        <p:nvSpPr>
-          <p:cNvPr id="3" name="Text Placeholder 2">
-            <a:extLst>
-              <a:ext uri="{FF2B5EF4-FFF2-40B4-BE49-F238E27FC236}">
-                <a16:creationId xmlns:a16="http://schemas.microsoft.com/office/drawing/2014/main" id="{196B0332-258A-4679-A40D-48260D325D0B}"/>
-              </a:ext>
-            </a:extLst>
-          </p:cNvPr>
-          <p:cNvSpPr>
-            <a:spLocks noGrp="1"/>
-          </p:cNvSpPr>
-          <p:nvPr>
-            <p:ph type="body" sz="quarter" idx="28"/>
-          </p:nvPr>
-        </p:nvSpPr>
-        <p:spPr>
-          <a:xfrm>
             <a:off x="6096000" y="180482"/>
             <a:ext cx="5958841" cy="628631"/>
           </a:xfrm>
@@ -10406,7 +9908,7 @@
 </p:sld>
 </file>
 
-<file path=ppt/slides/slide12.xml><?xml version="1.0" encoding="utf-8"?>
+<file path=ppt/slides/slide11.xml><?xml version="1.0" encoding="utf-8"?>
 <p:sld xmlns:a="http://schemas.openxmlformats.org/drawingml/2006/main" xmlns:r="http://schemas.openxmlformats.org/officeDocument/2006/relationships" xmlns:p="http://schemas.openxmlformats.org/presentationml/2006/main">
   <p:cSld>
     <p:spTree>
@@ -10480,7 +9982,7 @@
           <a:p>
             <a:fld id="{3BDBD433-A3C6-4DFF-8587-7568F60AEA6A}" type="slidenum">
               <a:rPr lang="th-TH" smtClean="0"/>
-              <a:t>12</a:t>
+              <a:t>11</a:t>
             </a:fld>
             <a:endParaRPr lang="th-TH"/>
           </a:p>
@@ -10720,7 +10222,7 @@
 </p:sld>
 </file>
 
-<file path=ppt/slides/slide13.xml><?xml version="1.0" encoding="utf-8"?>
+<file path=ppt/slides/slide12.xml><?xml version="1.0" encoding="utf-8"?>
 <p:sld xmlns:a="http://schemas.openxmlformats.org/drawingml/2006/main" xmlns:r="http://schemas.openxmlformats.org/officeDocument/2006/relationships" xmlns:p="http://schemas.openxmlformats.org/presentationml/2006/main">
   <p:cSld>
     <p:spTree>
@@ -10920,7 +10422,7 @@
           <a:p>
             <a:fld id="{3BDBD433-A3C6-4DFF-8587-7568F60AEA6A}" type="slidenum">
               <a:rPr lang="th-TH" smtClean="0"/>
-              <a:t>13</a:t>
+              <a:t>12</a:t>
             </a:fld>
             <a:endParaRPr lang="th-TH"/>
           </a:p>
@@ -11099,7 +10601,7 @@
 </p:sld>
 </file>
 
-<file path=ppt/slides/slide14.xml><?xml version="1.0" encoding="utf-8"?>
+<file path=ppt/slides/slide13.xml><?xml version="1.0" encoding="utf-8"?>
 <p:sld xmlns:a="http://schemas.openxmlformats.org/drawingml/2006/main" xmlns:r="http://schemas.openxmlformats.org/officeDocument/2006/relationships" xmlns:p="http://schemas.openxmlformats.org/presentationml/2006/main">
   <p:cSld>
     <p:spTree>
@@ -11215,7 +10717,7 @@
           <a:p>
             <a:fld id="{3BDBD433-A3C6-4DFF-8587-7568F60AEA6A}" type="slidenum">
               <a:rPr lang="th-TH" smtClean="0"/>
-              <a:t>14</a:t>
+              <a:t>13</a:t>
             </a:fld>
             <a:endParaRPr lang="th-TH"/>
           </a:p>
@@ -12411,7 +11913,7 @@
 </p:sld>
 </file>
 
-<file path=ppt/slides/slide15.xml><?xml version="1.0" encoding="utf-8"?>
+<file path=ppt/slides/slide14.xml><?xml version="1.0" encoding="utf-8"?>
 <p:sld xmlns:a="http://schemas.openxmlformats.org/drawingml/2006/main" xmlns:r="http://schemas.openxmlformats.org/officeDocument/2006/relationships" xmlns:p="http://schemas.openxmlformats.org/presentationml/2006/main">
   <p:cSld>
     <p:spTree>
@@ -13190,7 +12692,7 @@
           <a:p>
             <a:fld id="{3BDBD433-A3C6-4DFF-8587-7568F60AEA6A}" type="slidenum">
               <a:rPr lang="th-TH" smtClean="0"/>
-              <a:t>15</a:t>
+              <a:t>14</a:t>
             </a:fld>
             <a:endParaRPr lang="th-TH"/>
           </a:p>
@@ -13209,7 +12711,7 @@
 </p:sld>
 </file>
 
-<file path=ppt/slides/slide16.xml><?xml version="1.0" encoding="utf-8"?>
+<file path=ppt/slides/slide15.xml><?xml version="1.0" encoding="utf-8"?>
 <p:sld xmlns:a="http://schemas.openxmlformats.org/drawingml/2006/main" xmlns:r="http://schemas.openxmlformats.org/officeDocument/2006/relationships" xmlns:p="http://schemas.openxmlformats.org/presentationml/2006/main">
   <p:cSld>
     <p:spTree>
@@ -13681,7 +13183,7 @@
           <a:p>
             <a:fld id="{3BDBD433-A3C6-4DFF-8587-7568F60AEA6A}" type="slidenum">
               <a:rPr lang="th-TH" smtClean="0"/>
-              <a:t>16</a:t>
+              <a:t>15</a:t>
             </a:fld>
             <a:endParaRPr lang="th-TH"/>
           </a:p>
@@ -13700,7 +13202,7 @@
 </p:sld>
 </file>
 
-<file path=ppt/slides/slide17.xml><?xml version="1.0" encoding="utf-8"?>
+<file path=ppt/slides/slide16.xml><?xml version="1.0" encoding="utf-8"?>
 <p:sld xmlns:a="http://schemas.openxmlformats.org/drawingml/2006/main" xmlns:r="http://schemas.openxmlformats.org/officeDocument/2006/relationships" xmlns:p="http://schemas.openxmlformats.org/presentationml/2006/main">
   <p:cSld>
     <p:spTree>
@@ -13895,7 +13397,7 @@
           <a:p>
             <a:fld id="{3BDBD433-A3C6-4DFF-8587-7568F60AEA6A}" type="slidenum">
               <a:rPr lang="th-TH" smtClean="0"/>
-              <a:t>17</a:t>
+              <a:t>16</a:t>
             </a:fld>
             <a:endParaRPr lang="th-TH"/>
           </a:p>
@@ -13914,7 +13416,7 @@
 </p:sld>
 </file>
 
-<file path=ppt/slides/slide18.xml><?xml version="1.0" encoding="utf-8"?>
+<file path=ppt/slides/slide17.xml><?xml version="1.0" encoding="utf-8"?>
 <p:sld xmlns:a="http://schemas.openxmlformats.org/drawingml/2006/main" xmlns:r="http://schemas.openxmlformats.org/officeDocument/2006/relationships" xmlns:p="http://schemas.openxmlformats.org/presentationml/2006/main">
   <p:cSld>
     <p:spTree>
@@ -13988,7 +13490,7 @@
           <a:p>
             <a:fld id="{3BDBD433-A3C6-4DFF-8587-7568F60AEA6A}" type="slidenum">
               <a:rPr lang="th-TH" smtClean="0"/>
-              <a:t>18</a:t>
+              <a:t>17</a:t>
             </a:fld>
             <a:endParaRPr lang="th-TH"/>
           </a:p>
@@ -15125,7 +14627,7 @@
 </p:sld>
 </file>
 
-<file path=ppt/slides/slide19.xml><?xml version="1.0" encoding="utf-8"?>
+<file path=ppt/slides/slide18.xml><?xml version="1.0" encoding="utf-8"?>
 <p:sld xmlns:a="http://schemas.openxmlformats.org/drawingml/2006/main" xmlns:r="http://schemas.openxmlformats.org/officeDocument/2006/relationships" xmlns:p="http://schemas.openxmlformats.org/presentationml/2006/main">
   <p:cSld>
     <p:spTree>
@@ -15203,7 +14705,7 @@
           <a:p>
             <a:fld id="{3BDBD433-A3C6-4DFF-8587-7568F60AEA6A}" type="slidenum">
               <a:rPr lang="th-TH" smtClean="0"/>
-              <a:t>19</a:t>
+              <a:t>18</a:t>
             </a:fld>
             <a:endParaRPr lang="th-TH"/>
           </a:p>
@@ -17593,317 +17095,7 @@
 </p:sld>
 </file>
 
-<file path=ppt/slides/slide2.xml><?xml version="1.0" encoding="utf-8"?>
-<p:sld xmlns:a="http://schemas.openxmlformats.org/drawingml/2006/main" xmlns:r="http://schemas.openxmlformats.org/officeDocument/2006/relationships" xmlns:p="http://schemas.openxmlformats.org/presentationml/2006/main">
-  <p:cSld>
-    <p:spTree>
-      <p:nvGrpSpPr>
-        <p:cNvPr id="1" name=""/>
-        <p:cNvGrpSpPr/>
-        <p:nvPr/>
-      </p:nvGrpSpPr>
-      <p:grpSpPr>
-        <a:xfrm>
-          <a:off x="0" y="0"/>
-          <a:ext cx="0" cy="0"/>
-          <a:chOff x="0" y="0"/>
-          <a:chExt cx="0" cy="0"/>
-        </a:xfrm>
-      </p:grpSpPr>
-      <p:sp>
-        <p:nvSpPr>
-          <p:cNvPr id="2" name="Text Placeholder 1">
-            <a:extLst>
-              <a:ext uri="{FF2B5EF4-FFF2-40B4-BE49-F238E27FC236}">
-                <a16:creationId xmlns:a16="http://schemas.microsoft.com/office/drawing/2014/main" id="{1B1DD09B-E2EC-42F9-9C22-0DAF743C0399}"/>
-              </a:ext>
-            </a:extLst>
-          </p:cNvPr>
-          <p:cNvSpPr>
-            <a:spLocks noGrp="1"/>
-          </p:cNvSpPr>
-          <p:nvPr>
-            <p:ph type="body" sz="quarter" idx="28"/>
-          </p:nvPr>
-        </p:nvSpPr>
-        <p:spPr/>
-        <p:txBody>
-          <a:bodyPr/>
-          <a:lstStyle/>
-          <a:p>
-            <a:r>
-              <a:rPr lang="en-US" dirty="0"/>
-              <a:t>Big Picture</a:t>
-            </a:r>
-            <a:endParaRPr lang="th-TH" dirty="0"/>
-          </a:p>
-        </p:txBody>
-      </p:sp>
-      <mc:AlternateContent xmlns:mc="http://schemas.openxmlformats.org/markup-compatibility/2006">
-        <mc:Choice xmlns:a14="http://schemas.microsoft.com/office/drawing/2010/main" Requires="a14">
-          <p:sp>
-            <p:nvSpPr>
-              <p:cNvPr id="7" name="TextBox 6">
-                <a:extLst>
-                  <a:ext uri="{FF2B5EF4-FFF2-40B4-BE49-F238E27FC236}">
-                    <a16:creationId xmlns:a16="http://schemas.microsoft.com/office/drawing/2014/main" id="{03FE030A-B317-44F4-909A-BFA3D05D1B33}"/>
-                  </a:ext>
-                </a:extLst>
-              </p:cNvPr>
-              <p:cNvSpPr txBox="1"/>
-              <p:nvPr/>
-            </p:nvSpPr>
-            <p:spPr>
-              <a:xfrm>
-                <a:off x="1326776" y="2178423"/>
-                <a:ext cx="10345271" cy="4031873"/>
-              </a:xfrm>
-              <a:prstGeom prst="rect">
-                <a:avLst/>
-              </a:prstGeom>
-              <a:noFill/>
-            </p:spPr>
-            <p:txBody>
-              <a:bodyPr wrap="square" rtlCol="0">
-                <a:spAutoFit/>
-              </a:bodyPr>
-              <a:lstStyle/>
-              <a:p>
-                <a:pPr marL="457200" indent="-457200">
-                  <a:buFont typeface="Arial" panose="020B0604020202020204" pitchFamily="34" charset="0"/>
-                  <a:buChar char="•"/>
-                </a:pPr>
-                <a:r>
-                  <a:rPr lang="en-US" sz="3200" dirty="0">
-                    <a:solidFill>
-                      <a:srgbClr val="0070C0"/>
-                    </a:solidFill>
-                  </a:rPr>
-                  <a:t>Entailment is central to logic reasoning.</a:t>
-                </a:r>
-              </a:p>
-              <a:p>
-                <a:pPr marL="457200" indent="-457200">
-                  <a:buFont typeface="Arial" panose="020B0604020202020204" pitchFamily="34" charset="0"/>
-                  <a:buChar char="•"/>
-                </a:pPr>
-                <a:endParaRPr lang="en-US" sz="3200" dirty="0">
-                  <a:solidFill>
-                    <a:srgbClr val="5A1B12"/>
-                  </a:solidFill>
-                </a:endParaRPr>
-              </a:p>
-              <a:p>
-                <a:pPr marL="457200" indent="-457200">
-                  <a:buFont typeface="Arial" panose="020B0604020202020204" pitchFamily="34" charset="0"/>
-                  <a:buChar char="•"/>
-                </a:pPr>
-                <a:r>
-                  <a:rPr lang="en-US" sz="3200" dirty="0">
-                    <a:solidFill>
-                      <a:srgbClr val="0070C0"/>
-                    </a:solidFill>
-                  </a:rPr>
-                  <a:t>Model checking goes through all combinations of logical symbols for validation of entailment: </a:t>
-                </a:r>
-                <a14:m>
-                  <m:oMath xmlns:m="http://schemas.openxmlformats.org/officeDocument/2006/math">
-                    <m:r>
-                      <a:rPr lang="en-US" sz="3200" b="0" i="1" smtClean="0">
-                        <a:solidFill>
-                          <a:srgbClr val="0070C0"/>
-                        </a:solidFill>
-                        <a:latin typeface="Cambria Math" panose="02040503050406030204" pitchFamily="18" charset="0"/>
-                      </a:rPr>
-                      <m:t>𝑂</m:t>
-                    </m:r>
-                    <m:r>
-                      <a:rPr lang="en-US" sz="3200" b="0" i="1" smtClean="0">
-                        <a:solidFill>
-                          <a:srgbClr val="0070C0"/>
-                        </a:solidFill>
-                        <a:latin typeface="Cambria Math" panose="02040503050406030204" pitchFamily="18" charset="0"/>
-                      </a:rPr>
-                      <m:t>(</m:t>
-                    </m:r>
-                    <m:sSup>
-                      <m:sSupPr>
-                        <m:ctrlPr>
-                          <a:rPr lang="en-US" sz="3200" b="0" i="1" smtClean="0">
-                            <a:solidFill>
-                              <a:srgbClr val="0070C0"/>
-                            </a:solidFill>
-                            <a:latin typeface="Cambria Math" panose="02040503050406030204" pitchFamily="18" charset="0"/>
-                          </a:rPr>
-                        </m:ctrlPr>
-                      </m:sSupPr>
-                      <m:e>
-                        <m:r>
-                          <a:rPr lang="en-US" sz="3200" b="0" i="1" smtClean="0">
-                            <a:solidFill>
-                              <a:srgbClr val="0070C0"/>
-                            </a:solidFill>
-                            <a:latin typeface="Cambria Math" panose="02040503050406030204" pitchFamily="18" charset="0"/>
-                          </a:rPr>
-                          <m:t>2</m:t>
-                        </m:r>
-                      </m:e>
-                      <m:sup>
-                        <m:r>
-                          <a:rPr lang="en-US" sz="3200" b="0" i="1" smtClean="0">
-                            <a:solidFill>
-                              <a:srgbClr val="0070C0"/>
-                            </a:solidFill>
-                            <a:latin typeface="Cambria Math" panose="02040503050406030204" pitchFamily="18" charset="0"/>
-                          </a:rPr>
-                          <m:t>𝑛</m:t>
-                        </m:r>
-                      </m:sup>
-                    </m:sSup>
-                    <m:r>
-                      <a:rPr lang="en-US" sz="3200" b="0" i="1" smtClean="0">
-                        <a:solidFill>
-                          <a:srgbClr val="0070C0"/>
-                        </a:solidFill>
-                        <a:latin typeface="Cambria Math" panose="02040503050406030204" pitchFamily="18" charset="0"/>
-                      </a:rPr>
-                      <m:t>)</m:t>
-                    </m:r>
-                  </m:oMath>
-                </a14:m>
-                <a:r>
-                  <a:rPr lang="en-US" sz="3200" dirty="0">
-                    <a:solidFill>
-                      <a:srgbClr val="0070C0"/>
-                    </a:solidFill>
-                  </a:rPr>
-                  <a:t>.</a:t>
-                </a:r>
-                <a:endParaRPr lang="en-US" sz="3200" dirty="0">
-                  <a:solidFill>
-                    <a:srgbClr val="5A1B12"/>
-                  </a:solidFill>
-                </a:endParaRPr>
-              </a:p>
-              <a:p>
-                <a:pPr marL="457200" indent="-457200">
-                  <a:buFont typeface="Arial" panose="020B0604020202020204" pitchFamily="34" charset="0"/>
-                  <a:buChar char="•"/>
-                </a:pPr>
-                <a:endParaRPr lang="en-US" sz="3200" dirty="0">
-                  <a:solidFill>
-                    <a:srgbClr val="5A1B12"/>
-                  </a:solidFill>
-                </a:endParaRPr>
-              </a:p>
-              <a:p>
-                <a:pPr marL="457200" indent="-457200">
-                  <a:buFont typeface="Arial" panose="020B0604020202020204" pitchFamily="34" charset="0"/>
-                  <a:buChar char="•"/>
-                </a:pPr>
-                <a:r>
-                  <a:rPr lang="en-US" sz="3200" dirty="0">
-                    <a:solidFill>
-                      <a:srgbClr val="0070C0"/>
-                    </a:solidFill>
-                  </a:rPr>
-                  <a:t>Our work is to propose improved quantum search targeting a more efficient model checking.</a:t>
-                </a:r>
-              </a:p>
-              <a:p>
-                <a:endParaRPr lang="th-TH" sz="3200" dirty="0"/>
-              </a:p>
-            </p:txBody>
-          </p:sp>
-        </mc:Choice>
-        <mc:Fallback>
-          <p:sp>
-            <p:nvSpPr>
-              <p:cNvPr id="7" name="TextBox 6">
-                <a:extLst>
-                  <a:ext uri="{FF2B5EF4-FFF2-40B4-BE49-F238E27FC236}">
-                    <a16:creationId xmlns:a16="http://schemas.microsoft.com/office/drawing/2014/main" id="{03FE030A-B317-44F4-909A-BFA3D05D1B33}"/>
-                  </a:ext>
-                </a:extLst>
-              </p:cNvPr>
-              <p:cNvSpPr txBox="1">
-                <a:spLocks noRot="1" noChangeAspect="1" noMove="1" noResize="1" noEditPoints="1" noAdjustHandles="1" noChangeArrowheads="1" noChangeShapeType="1" noTextEdit="1"/>
-              </p:cNvSpPr>
-              <p:nvPr/>
-            </p:nvSpPr>
-            <p:spPr>
-              <a:xfrm>
-                <a:off x="1326776" y="2178423"/>
-                <a:ext cx="10345271" cy="4031873"/>
-              </a:xfrm>
-              <a:prstGeom prst="rect">
-                <a:avLst/>
-              </a:prstGeom>
-              <a:blipFill>
-                <a:blip r:embed="rId2"/>
-                <a:stretch>
-                  <a:fillRect l="-1355" t="-1964"/>
-                </a:stretch>
-              </a:blipFill>
-            </p:spPr>
-            <p:txBody>
-              <a:bodyPr/>
-              <a:lstStyle/>
-              <a:p>
-                <a:r>
-                  <a:rPr lang="en-US">
-                    <a:noFill/>
-                  </a:rPr>
-                  <a:t> </a:t>
-                </a:r>
-              </a:p>
-            </p:txBody>
-          </p:sp>
-        </mc:Fallback>
-      </mc:AlternateContent>
-      <p:sp>
-        <p:nvSpPr>
-          <p:cNvPr id="3" name="Slide Number Placeholder 2">
-            <a:extLst>
-              <a:ext uri="{FF2B5EF4-FFF2-40B4-BE49-F238E27FC236}">
-                <a16:creationId xmlns:a16="http://schemas.microsoft.com/office/drawing/2014/main" id="{E2DA878C-FA4B-4EC3-947B-AD4F52F809C1}"/>
-              </a:ext>
-            </a:extLst>
-          </p:cNvPr>
-          <p:cNvSpPr>
-            <a:spLocks noGrp="1"/>
-          </p:cNvSpPr>
-          <p:nvPr>
-            <p:ph type="sldNum" sz="quarter" idx="12"/>
-          </p:nvPr>
-        </p:nvSpPr>
-        <p:spPr/>
-        <p:txBody>
-          <a:bodyPr/>
-          <a:lstStyle/>
-          <a:p>
-            <a:fld id="{3BDBD433-A3C6-4DFF-8587-7568F60AEA6A}" type="slidenum">
-              <a:rPr lang="th-TH" smtClean="0"/>
-              <a:t>2</a:t>
-            </a:fld>
-            <a:endParaRPr lang="th-TH"/>
-          </a:p>
-        </p:txBody>
-      </p:sp>
-    </p:spTree>
-    <p:extLst>
-      <p:ext uri="{BB962C8B-B14F-4D97-AF65-F5344CB8AC3E}">
-        <p14:creationId xmlns:p14="http://schemas.microsoft.com/office/powerpoint/2010/main" val="716955200"/>
-      </p:ext>
-    </p:extLst>
-  </p:cSld>
-  <p:clrMapOvr>
-    <a:masterClrMapping/>
-  </p:clrMapOvr>
-</p:sld>
-</file>
-
-<file path=ppt/slides/slide20.xml><?xml version="1.0" encoding="utf-8"?>
+<file path=ppt/slides/slide19.xml><?xml version="1.0" encoding="utf-8"?>
 <p:sld xmlns:a="http://schemas.openxmlformats.org/drawingml/2006/main" xmlns:r="http://schemas.openxmlformats.org/officeDocument/2006/relationships" xmlns:p="http://schemas.openxmlformats.org/presentationml/2006/main">
   <p:cSld>
     <p:spTree>
@@ -17943,7 +17135,7 @@
           <a:p>
             <a:fld id="{3BDBD433-A3C6-4DFF-8587-7568F60AEA6A}" type="slidenum">
               <a:rPr lang="th-TH" smtClean="0"/>
-              <a:t>20</a:t>
+              <a:t>19</a:t>
             </a:fld>
             <a:endParaRPr lang="th-TH"/>
           </a:p>
@@ -19545,7 +18737,317 @@
 </p:sld>
 </file>
 
-<file path=ppt/slides/slide21.xml><?xml version="1.0" encoding="utf-8"?>
+<file path=ppt/slides/slide2.xml><?xml version="1.0" encoding="utf-8"?>
+<p:sld xmlns:a="http://schemas.openxmlformats.org/drawingml/2006/main" xmlns:r="http://schemas.openxmlformats.org/officeDocument/2006/relationships" xmlns:p="http://schemas.openxmlformats.org/presentationml/2006/main">
+  <p:cSld>
+    <p:spTree>
+      <p:nvGrpSpPr>
+        <p:cNvPr id="1" name=""/>
+        <p:cNvGrpSpPr/>
+        <p:nvPr/>
+      </p:nvGrpSpPr>
+      <p:grpSpPr>
+        <a:xfrm>
+          <a:off x="0" y="0"/>
+          <a:ext cx="0" cy="0"/>
+          <a:chOff x="0" y="0"/>
+          <a:chExt cx="0" cy="0"/>
+        </a:xfrm>
+      </p:grpSpPr>
+      <p:sp>
+        <p:nvSpPr>
+          <p:cNvPr id="2" name="Text Placeholder 1">
+            <a:extLst>
+              <a:ext uri="{FF2B5EF4-FFF2-40B4-BE49-F238E27FC236}">
+                <a16:creationId xmlns:a16="http://schemas.microsoft.com/office/drawing/2014/main" id="{1B1DD09B-E2EC-42F9-9C22-0DAF743C0399}"/>
+              </a:ext>
+            </a:extLst>
+          </p:cNvPr>
+          <p:cNvSpPr>
+            <a:spLocks noGrp="1"/>
+          </p:cNvSpPr>
+          <p:nvPr>
+            <p:ph type="body" sz="quarter" idx="28"/>
+          </p:nvPr>
+        </p:nvSpPr>
+        <p:spPr/>
+        <p:txBody>
+          <a:bodyPr/>
+          <a:lstStyle/>
+          <a:p>
+            <a:r>
+              <a:rPr lang="en-US" dirty="0"/>
+              <a:t>Big Picture</a:t>
+            </a:r>
+            <a:endParaRPr lang="th-TH" dirty="0"/>
+          </a:p>
+        </p:txBody>
+      </p:sp>
+      <mc:AlternateContent xmlns:mc="http://schemas.openxmlformats.org/markup-compatibility/2006">
+        <mc:Choice xmlns:a14="http://schemas.microsoft.com/office/drawing/2010/main" Requires="a14">
+          <p:sp>
+            <p:nvSpPr>
+              <p:cNvPr id="7" name="TextBox 6">
+                <a:extLst>
+                  <a:ext uri="{FF2B5EF4-FFF2-40B4-BE49-F238E27FC236}">
+                    <a16:creationId xmlns:a16="http://schemas.microsoft.com/office/drawing/2014/main" id="{03FE030A-B317-44F4-909A-BFA3D05D1B33}"/>
+                  </a:ext>
+                </a:extLst>
+              </p:cNvPr>
+              <p:cNvSpPr txBox="1"/>
+              <p:nvPr/>
+            </p:nvSpPr>
+            <p:spPr>
+              <a:xfrm>
+                <a:off x="1326776" y="2178423"/>
+                <a:ext cx="10345271" cy="4031873"/>
+              </a:xfrm>
+              <a:prstGeom prst="rect">
+                <a:avLst/>
+              </a:prstGeom>
+              <a:noFill/>
+            </p:spPr>
+            <p:txBody>
+              <a:bodyPr wrap="square" rtlCol="0">
+                <a:spAutoFit/>
+              </a:bodyPr>
+              <a:lstStyle/>
+              <a:p>
+                <a:pPr marL="457200" indent="-457200">
+                  <a:buFont typeface="Arial" panose="020B0604020202020204" pitchFamily="34" charset="0"/>
+                  <a:buChar char="•"/>
+                </a:pPr>
+                <a:r>
+                  <a:rPr lang="en-US" sz="3200" dirty="0">
+                    <a:solidFill>
+                      <a:srgbClr val="0070C0"/>
+                    </a:solidFill>
+                  </a:rPr>
+                  <a:t>Entailment is central to logic reasoning.</a:t>
+                </a:r>
+              </a:p>
+              <a:p>
+                <a:pPr marL="457200" indent="-457200">
+                  <a:buFont typeface="Arial" panose="020B0604020202020204" pitchFamily="34" charset="0"/>
+                  <a:buChar char="•"/>
+                </a:pPr>
+                <a:endParaRPr lang="en-US" sz="3200" dirty="0">
+                  <a:solidFill>
+                    <a:srgbClr val="5A1B12"/>
+                  </a:solidFill>
+                </a:endParaRPr>
+              </a:p>
+              <a:p>
+                <a:pPr marL="457200" indent="-457200">
+                  <a:buFont typeface="Arial" panose="020B0604020202020204" pitchFamily="34" charset="0"/>
+                  <a:buChar char="•"/>
+                </a:pPr>
+                <a:r>
+                  <a:rPr lang="en-US" sz="3200" dirty="0">
+                    <a:solidFill>
+                      <a:srgbClr val="0070C0"/>
+                    </a:solidFill>
+                  </a:rPr>
+                  <a:t>Model checking goes through all combinations of logical symbols for validation of entailment: </a:t>
+                </a:r>
+                <a14:m>
+                  <m:oMath xmlns:m="http://schemas.openxmlformats.org/officeDocument/2006/math">
+                    <m:r>
+                      <a:rPr lang="en-US" sz="3200" b="0" i="1" smtClean="0">
+                        <a:solidFill>
+                          <a:srgbClr val="0070C0"/>
+                        </a:solidFill>
+                        <a:latin typeface="Cambria Math" panose="02040503050406030204" pitchFamily="18" charset="0"/>
+                      </a:rPr>
+                      <m:t>𝑂</m:t>
+                    </m:r>
+                    <m:r>
+                      <a:rPr lang="en-US" sz="3200" b="0" i="1" smtClean="0">
+                        <a:solidFill>
+                          <a:srgbClr val="0070C0"/>
+                        </a:solidFill>
+                        <a:latin typeface="Cambria Math" panose="02040503050406030204" pitchFamily="18" charset="0"/>
+                      </a:rPr>
+                      <m:t>(</m:t>
+                    </m:r>
+                    <m:sSup>
+                      <m:sSupPr>
+                        <m:ctrlPr>
+                          <a:rPr lang="en-US" sz="3200" b="0" i="1" smtClean="0">
+                            <a:solidFill>
+                              <a:srgbClr val="0070C0"/>
+                            </a:solidFill>
+                            <a:latin typeface="Cambria Math" panose="02040503050406030204" pitchFamily="18" charset="0"/>
+                          </a:rPr>
+                        </m:ctrlPr>
+                      </m:sSupPr>
+                      <m:e>
+                        <m:r>
+                          <a:rPr lang="en-US" sz="3200" b="0" i="1" smtClean="0">
+                            <a:solidFill>
+                              <a:srgbClr val="0070C0"/>
+                            </a:solidFill>
+                            <a:latin typeface="Cambria Math" panose="02040503050406030204" pitchFamily="18" charset="0"/>
+                          </a:rPr>
+                          <m:t>2</m:t>
+                        </m:r>
+                      </m:e>
+                      <m:sup>
+                        <m:r>
+                          <a:rPr lang="en-US" sz="3200" b="0" i="1" smtClean="0">
+                            <a:solidFill>
+                              <a:srgbClr val="0070C0"/>
+                            </a:solidFill>
+                            <a:latin typeface="Cambria Math" panose="02040503050406030204" pitchFamily="18" charset="0"/>
+                          </a:rPr>
+                          <m:t>𝑛</m:t>
+                        </m:r>
+                      </m:sup>
+                    </m:sSup>
+                    <m:r>
+                      <a:rPr lang="en-US" sz="3200" b="0" i="1" smtClean="0">
+                        <a:solidFill>
+                          <a:srgbClr val="0070C0"/>
+                        </a:solidFill>
+                        <a:latin typeface="Cambria Math" panose="02040503050406030204" pitchFamily="18" charset="0"/>
+                      </a:rPr>
+                      <m:t>)</m:t>
+                    </m:r>
+                  </m:oMath>
+                </a14:m>
+                <a:r>
+                  <a:rPr lang="en-US" sz="3200" dirty="0">
+                    <a:solidFill>
+                      <a:srgbClr val="0070C0"/>
+                    </a:solidFill>
+                  </a:rPr>
+                  <a:t>.</a:t>
+                </a:r>
+                <a:endParaRPr lang="en-US" sz="3200" dirty="0">
+                  <a:solidFill>
+                    <a:srgbClr val="5A1B12"/>
+                  </a:solidFill>
+                </a:endParaRPr>
+              </a:p>
+              <a:p>
+                <a:pPr marL="457200" indent="-457200">
+                  <a:buFont typeface="Arial" panose="020B0604020202020204" pitchFamily="34" charset="0"/>
+                  <a:buChar char="•"/>
+                </a:pPr>
+                <a:endParaRPr lang="en-US" sz="3200" dirty="0">
+                  <a:solidFill>
+                    <a:srgbClr val="5A1B12"/>
+                  </a:solidFill>
+                </a:endParaRPr>
+              </a:p>
+              <a:p>
+                <a:pPr marL="457200" indent="-457200">
+                  <a:buFont typeface="Arial" panose="020B0604020202020204" pitchFamily="34" charset="0"/>
+                  <a:buChar char="•"/>
+                </a:pPr>
+                <a:r>
+                  <a:rPr lang="en-US" sz="3200" dirty="0">
+                    <a:solidFill>
+                      <a:srgbClr val="0070C0"/>
+                    </a:solidFill>
+                  </a:rPr>
+                  <a:t>Our work is to propose improved quantum search targeting a more efficient model checking.</a:t>
+                </a:r>
+              </a:p>
+              <a:p>
+                <a:endParaRPr lang="th-TH" sz="3200" dirty="0"/>
+              </a:p>
+            </p:txBody>
+          </p:sp>
+        </mc:Choice>
+        <mc:Fallback>
+          <p:sp>
+            <p:nvSpPr>
+              <p:cNvPr id="7" name="TextBox 6">
+                <a:extLst>
+                  <a:ext uri="{FF2B5EF4-FFF2-40B4-BE49-F238E27FC236}">
+                    <a16:creationId xmlns:a16="http://schemas.microsoft.com/office/drawing/2014/main" id="{03FE030A-B317-44F4-909A-BFA3D05D1B33}"/>
+                  </a:ext>
+                </a:extLst>
+              </p:cNvPr>
+              <p:cNvSpPr txBox="1">
+                <a:spLocks noRot="1" noChangeAspect="1" noMove="1" noResize="1" noEditPoints="1" noAdjustHandles="1" noChangeArrowheads="1" noChangeShapeType="1" noTextEdit="1"/>
+              </p:cNvSpPr>
+              <p:nvPr/>
+            </p:nvSpPr>
+            <p:spPr>
+              <a:xfrm>
+                <a:off x="1326776" y="2178423"/>
+                <a:ext cx="10345271" cy="4031873"/>
+              </a:xfrm>
+              <a:prstGeom prst="rect">
+                <a:avLst/>
+              </a:prstGeom>
+              <a:blipFill>
+                <a:blip r:embed="rId2"/>
+                <a:stretch>
+                  <a:fillRect l="-1355" t="-1964"/>
+                </a:stretch>
+              </a:blipFill>
+            </p:spPr>
+            <p:txBody>
+              <a:bodyPr/>
+              <a:lstStyle/>
+              <a:p>
+                <a:r>
+                  <a:rPr lang="en-US">
+                    <a:noFill/>
+                  </a:rPr>
+                  <a:t> </a:t>
+                </a:r>
+              </a:p>
+            </p:txBody>
+          </p:sp>
+        </mc:Fallback>
+      </mc:AlternateContent>
+      <p:sp>
+        <p:nvSpPr>
+          <p:cNvPr id="3" name="Slide Number Placeholder 2">
+            <a:extLst>
+              <a:ext uri="{FF2B5EF4-FFF2-40B4-BE49-F238E27FC236}">
+                <a16:creationId xmlns:a16="http://schemas.microsoft.com/office/drawing/2014/main" id="{E2DA878C-FA4B-4EC3-947B-AD4F52F809C1}"/>
+              </a:ext>
+            </a:extLst>
+          </p:cNvPr>
+          <p:cNvSpPr>
+            <a:spLocks noGrp="1"/>
+          </p:cNvSpPr>
+          <p:nvPr>
+            <p:ph type="sldNum" sz="quarter" idx="12"/>
+          </p:nvPr>
+        </p:nvSpPr>
+        <p:spPr/>
+        <p:txBody>
+          <a:bodyPr/>
+          <a:lstStyle/>
+          <a:p>
+            <a:fld id="{3BDBD433-A3C6-4DFF-8587-7568F60AEA6A}" type="slidenum">
+              <a:rPr lang="th-TH" smtClean="0"/>
+              <a:t>2</a:t>
+            </a:fld>
+            <a:endParaRPr lang="th-TH"/>
+          </a:p>
+        </p:txBody>
+      </p:sp>
+    </p:spTree>
+    <p:extLst>
+      <p:ext uri="{BB962C8B-B14F-4D97-AF65-F5344CB8AC3E}">
+        <p14:creationId xmlns:p14="http://schemas.microsoft.com/office/powerpoint/2010/main" val="4166158403"/>
+      </p:ext>
+    </p:extLst>
+  </p:cSld>
+  <p:clrMapOvr>
+    <a:masterClrMapping/>
+  </p:clrMapOvr>
+</p:sld>
+</file>
+
+<file path=ppt/slides/slide20.xml><?xml version="1.0" encoding="utf-8"?>
 <p:sld xmlns:a="http://schemas.openxmlformats.org/drawingml/2006/main" xmlns:r="http://schemas.openxmlformats.org/officeDocument/2006/relationships" xmlns:p="http://schemas.openxmlformats.org/presentationml/2006/main">
   <p:cSld>
     <p:spTree>
@@ -19623,7 +19125,7 @@
           <a:p>
             <a:fld id="{3BDBD433-A3C6-4DFF-8587-7568F60AEA6A}" type="slidenum">
               <a:rPr lang="th-TH" smtClean="0"/>
-              <a:t>21</a:t>
+              <a:t>20</a:t>
             </a:fld>
             <a:endParaRPr lang="th-TH"/>
           </a:p>
@@ -19872,7 +19374,7 @@
 </p:sld>
 </file>
 
-<file path=ppt/slides/slide22.xml><?xml version="1.0" encoding="utf-8"?>
+<file path=ppt/slides/slide21.xml><?xml version="1.0" encoding="utf-8"?>
 <p:sld xmlns:a="http://schemas.openxmlformats.org/drawingml/2006/main" xmlns:r="http://schemas.openxmlformats.org/officeDocument/2006/relationships" xmlns:p="http://schemas.openxmlformats.org/presentationml/2006/main">
   <p:cSld>
     <p:spTree>
@@ -19912,7 +19414,7 @@
           <a:p>
             <a:fld id="{3BDBD433-A3C6-4DFF-8587-7568F60AEA6A}" type="slidenum">
               <a:rPr lang="th-TH" smtClean="0"/>
-              <a:t>22</a:t>
+              <a:t>21</a:t>
             </a:fld>
             <a:endParaRPr lang="th-TH"/>
           </a:p>
@@ -20333,7 +19835,7 @@
 </p:sld>
 </file>
 
-<file path=ppt/slides/slide23.xml><?xml version="1.0" encoding="utf-8"?>
+<file path=ppt/slides/slide22.xml><?xml version="1.0" encoding="utf-8"?>
 <p:sld xmlns:a="http://schemas.openxmlformats.org/drawingml/2006/main" xmlns:r="http://schemas.openxmlformats.org/officeDocument/2006/relationships" xmlns:p="http://schemas.openxmlformats.org/presentationml/2006/main">
   <p:cSld>
     <p:spTree>
@@ -20373,7 +19875,7 @@
           <a:p>
             <a:fld id="{3BDBD433-A3C6-4DFF-8587-7568F60AEA6A}" type="slidenum">
               <a:rPr lang="th-TH" smtClean="0"/>
-              <a:t>23</a:t>
+              <a:t>22</a:t>
             </a:fld>
             <a:endParaRPr lang="th-TH"/>
           </a:p>
@@ -20796,7 +20298,7 @@
 </p:sld>
 </file>
 
-<file path=ppt/slides/slide24.xml><?xml version="1.0" encoding="utf-8"?>
+<file path=ppt/slides/slide23.xml><?xml version="1.0" encoding="utf-8"?>
 <p:sld xmlns:a="http://schemas.openxmlformats.org/drawingml/2006/main" xmlns:r="http://schemas.openxmlformats.org/officeDocument/2006/relationships" xmlns:p="http://schemas.openxmlformats.org/presentationml/2006/main">
   <p:cSld>
     <p:spTree>
@@ -20870,7 +20372,7 @@
           <a:p>
             <a:fld id="{3BDBD433-A3C6-4DFF-8587-7568F60AEA6A}" type="slidenum">
               <a:rPr lang="th-TH" smtClean="0"/>
-              <a:t>24</a:t>
+              <a:t>23</a:t>
             </a:fld>
             <a:endParaRPr lang="th-TH"/>
           </a:p>
@@ -21389,7 +20891,7 @@
 </p:sld>
 </file>
 
-<file path=ppt/slides/slide25.xml><?xml version="1.0" encoding="utf-8"?>
+<file path=ppt/slides/slide24.xml><?xml version="1.0" encoding="utf-8"?>
 <p:sld xmlns:a="http://schemas.openxmlformats.org/drawingml/2006/main" xmlns:r="http://schemas.openxmlformats.org/officeDocument/2006/relationships" xmlns:p="http://schemas.openxmlformats.org/presentationml/2006/main">
   <p:cSld>
     <p:spTree>
@@ -21463,7 +20965,7 @@
           <a:p>
             <a:fld id="{3BDBD433-A3C6-4DFF-8587-7568F60AEA6A}" type="slidenum">
               <a:rPr lang="th-TH" smtClean="0"/>
-              <a:t>25</a:t>
+              <a:t>24</a:t>
             </a:fld>
             <a:endParaRPr lang="th-TH"/>
           </a:p>
@@ -22075,7 +21577,7 @@
 </p:sld>
 </file>
 
-<file path=ppt/slides/slide26.xml><?xml version="1.0" encoding="utf-8"?>
+<file path=ppt/slides/slide25.xml><?xml version="1.0" encoding="utf-8"?>
 <p:sld xmlns:a="http://schemas.openxmlformats.org/drawingml/2006/main" xmlns:r="http://schemas.openxmlformats.org/officeDocument/2006/relationships" xmlns:p="http://schemas.openxmlformats.org/presentationml/2006/main">
   <p:cSld>
     <p:spTree>
@@ -22115,7 +21617,7 @@
           <a:p>
             <a:fld id="{3BDBD433-A3C6-4DFF-8587-7568F60AEA6A}" type="slidenum">
               <a:rPr lang="th-TH" smtClean="0"/>
-              <a:t>26</a:t>
+              <a:t>25</a:t>
             </a:fld>
             <a:endParaRPr lang="th-TH"/>
           </a:p>
@@ -22301,7 +21803,7 @@
 </p:sld>
 </file>
 
-<file path=ppt/slides/slide27.xml><?xml version="1.0" encoding="utf-8"?>
+<file path=ppt/slides/slide26.xml><?xml version="1.0" encoding="utf-8"?>
 <p:sld xmlns:a="http://schemas.openxmlformats.org/drawingml/2006/main" xmlns:r="http://schemas.openxmlformats.org/officeDocument/2006/relationships" xmlns:p="http://schemas.openxmlformats.org/presentationml/2006/main">
   <p:cSld>
     <p:spTree>
@@ -22417,7 +21919,7 @@
           <a:p>
             <a:fld id="{3BDBD433-A3C6-4DFF-8587-7568F60AEA6A}" type="slidenum">
               <a:rPr lang="th-TH" smtClean="0"/>
-              <a:t>27</a:t>
+              <a:t>26</a:t>
             </a:fld>
             <a:endParaRPr lang="th-TH"/>
           </a:p>
@@ -23613,7 +23115,7 @@
 </p:sld>
 </file>
 
-<file path=ppt/slides/slide28.xml><?xml version="1.0" encoding="utf-8"?>
+<file path=ppt/slides/slide27.xml><?xml version="1.0" encoding="utf-8"?>
 <p:sld xmlns:a="http://schemas.openxmlformats.org/drawingml/2006/main" xmlns:r="http://schemas.openxmlformats.org/officeDocument/2006/relationships" xmlns:p="http://schemas.openxmlformats.org/presentationml/2006/main">
   <p:cSld>
     <p:spTree>
@@ -23654,7 +23156,7 @@
             <a:fld id="{3BDBD433-A3C6-4DFF-8587-7568F60AEA6A}" type="slidenum">
               <a:rPr lang="th-TH" smtClean="0"/>
               <a:pPr/>
-              <a:t>28</a:t>
+              <a:t>27</a:t>
             </a:fld>
             <a:endParaRPr lang="th-TH"/>
           </a:p>
@@ -24088,7 +23590,7 @@
 </p:sld>
 </file>
 
-<file path=ppt/slides/slide29.xml><?xml version="1.0" encoding="utf-8"?>
+<file path=ppt/slides/slide28.xml><?xml version="1.0" encoding="utf-8"?>
 <p:sld xmlns:a="http://schemas.openxmlformats.org/drawingml/2006/main" xmlns:r="http://schemas.openxmlformats.org/officeDocument/2006/relationships" xmlns:p="http://schemas.openxmlformats.org/presentationml/2006/main">
   <p:cSld>
     <p:spTree>
@@ -24129,7 +23631,7 @@
             <a:fld id="{3BDBD433-A3C6-4DFF-8587-7568F60AEA6A}" type="slidenum">
               <a:rPr lang="th-TH" smtClean="0"/>
               <a:pPr/>
-              <a:t>29</a:t>
+              <a:t>28</a:t>
             </a:fld>
             <a:endParaRPr lang="th-TH"/>
           </a:p>
@@ -24512,317 +24014,7 @@
 </p:sld>
 </file>
 
-<file path=ppt/slides/slide3.xml><?xml version="1.0" encoding="utf-8"?>
-<p:sld xmlns:a="http://schemas.openxmlformats.org/drawingml/2006/main" xmlns:r="http://schemas.openxmlformats.org/officeDocument/2006/relationships" xmlns:p="http://schemas.openxmlformats.org/presentationml/2006/main">
-  <p:cSld>
-    <p:spTree>
-      <p:nvGrpSpPr>
-        <p:cNvPr id="1" name=""/>
-        <p:cNvGrpSpPr/>
-        <p:nvPr/>
-      </p:nvGrpSpPr>
-      <p:grpSpPr>
-        <a:xfrm>
-          <a:off x="0" y="0"/>
-          <a:ext cx="0" cy="0"/>
-          <a:chOff x="0" y="0"/>
-          <a:chExt cx="0" cy="0"/>
-        </a:xfrm>
-      </p:grpSpPr>
-      <p:sp>
-        <p:nvSpPr>
-          <p:cNvPr id="2" name="Text Placeholder 1">
-            <a:extLst>
-              <a:ext uri="{FF2B5EF4-FFF2-40B4-BE49-F238E27FC236}">
-                <a16:creationId xmlns:a16="http://schemas.microsoft.com/office/drawing/2014/main" id="{1B1DD09B-E2EC-42F9-9C22-0DAF743C0399}"/>
-              </a:ext>
-            </a:extLst>
-          </p:cNvPr>
-          <p:cNvSpPr>
-            <a:spLocks noGrp="1"/>
-          </p:cNvSpPr>
-          <p:nvPr>
-            <p:ph type="body" sz="quarter" idx="28"/>
-          </p:nvPr>
-        </p:nvSpPr>
-        <p:spPr/>
-        <p:txBody>
-          <a:bodyPr/>
-          <a:lstStyle/>
-          <a:p>
-            <a:r>
-              <a:rPr lang="en-US" dirty="0"/>
-              <a:t>Big Picture</a:t>
-            </a:r>
-            <a:endParaRPr lang="th-TH" dirty="0"/>
-          </a:p>
-        </p:txBody>
-      </p:sp>
-      <mc:AlternateContent xmlns:mc="http://schemas.openxmlformats.org/markup-compatibility/2006">
-        <mc:Choice xmlns:a14="http://schemas.microsoft.com/office/drawing/2010/main" Requires="a14">
-          <p:sp>
-            <p:nvSpPr>
-              <p:cNvPr id="7" name="TextBox 6">
-                <a:extLst>
-                  <a:ext uri="{FF2B5EF4-FFF2-40B4-BE49-F238E27FC236}">
-                    <a16:creationId xmlns:a16="http://schemas.microsoft.com/office/drawing/2014/main" id="{03FE030A-B317-44F4-909A-BFA3D05D1B33}"/>
-                  </a:ext>
-                </a:extLst>
-              </p:cNvPr>
-              <p:cNvSpPr txBox="1"/>
-              <p:nvPr/>
-            </p:nvSpPr>
-            <p:spPr>
-              <a:xfrm>
-                <a:off x="1326776" y="2178423"/>
-                <a:ext cx="10345271" cy="4031873"/>
-              </a:xfrm>
-              <a:prstGeom prst="rect">
-                <a:avLst/>
-              </a:prstGeom>
-              <a:noFill/>
-            </p:spPr>
-            <p:txBody>
-              <a:bodyPr wrap="square" rtlCol="0">
-                <a:spAutoFit/>
-              </a:bodyPr>
-              <a:lstStyle/>
-              <a:p>
-                <a:pPr marL="457200" indent="-457200">
-                  <a:buFont typeface="Arial" panose="020B0604020202020204" pitchFamily="34" charset="0"/>
-                  <a:buChar char="•"/>
-                </a:pPr>
-                <a:r>
-                  <a:rPr lang="en-US" sz="3200" dirty="0">
-                    <a:solidFill>
-                      <a:srgbClr val="0070C0"/>
-                    </a:solidFill>
-                  </a:rPr>
-                  <a:t>Entailment is central to logic reasoning.</a:t>
-                </a:r>
-              </a:p>
-              <a:p>
-                <a:pPr marL="457200" indent="-457200">
-                  <a:buFont typeface="Arial" panose="020B0604020202020204" pitchFamily="34" charset="0"/>
-                  <a:buChar char="•"/>
-                </a:pPr>
-                <a:endParaRPr lang="en-US" sz="3200" dirty="0">
-                  <a:solidFill>
-                    <a:srgbClr val="5A1B12"/>
-                  </a:solidFill>
-                </a:endParaRPr>
-              </a:p>
-              <a:p>
-                <a:pPr marL="457200" indent="-457200">
-                  <a:buFont typeface="Arial" panose="020B0604020202020204" pitchFamily="34" charset="0"/>
-                  <a:buChar char="•"/>
-                </a:pPr>
-                <a:r>
-                  <a:rPr lang="en-US" sz="3200" dirty="0">
-                    <a:solidFill>
-                      <a:srgbClr val="0070C0"/>
-                    </a:solidFill>
-                  </a:rPr>
-                  <a:t>Model checking goes through all combinations of logical symbols for validation of entailment: </a:t>
-                </a:r>
-                <a14:m>
-                  <m:oMath xmlns:m="http://schemas.openxmlformats.org/officeDocument/2006/math">
-                    <m:r>
-                      <a:rPr lang="en-US" sz="3200" b="0" i="1" smtClean="0">
-                        <a:solidFill>
-                          <a:srgbClr val="0070C0"/>
-                        </a:solidFill>
-                        <a:latin typeface="Cambria Math" panose="02040503050406030204" pitchFamily="18" charset="0"/>
-                      </a:rPr>
-                      <m:t>𝑂</m:t>
-                    </m:r>
-                    <m:r>
-                      <a:rPr lang="en-US" sz="3200" b="0" i="1" smtClean="0">
-                        <a:solidFill>
-                          <a:srgbClr val="0070C0"/>
-                        </a:solidFill>
-                        <a:latin typeface="Cambria Math" panose="02040503050406030204" pitchFamily="18" charset="0"/>
-                      </a:rPr>
-                      <m:t>(</m:t>
-                    </m:r>
-                    <m:sSup>
-                      <m:sSupPr>
-                        <m:ctrlPr>
-                          <a:rPr lang="en-US" sz="3200" b="0" i="1" smtClean="0">
-                            <a:solidFill>
-                              <a:srgbClr val="0070C0"/>
-                            </a:solidFill>
-                            <a:latin typeface="Cambria Math" panose="02040503050406030204" pitchFamily="18" charset="0"/>
-                          </a:rPr>
-                        </m:ctrlPr>
-                      </m:sSupPr>
-                      <m:e>
-                        <m:r>
-                          <a:rPr lang="en-US" sz="3200" b="0" i="1" smtClean="0">
-                            <a:solidFill>
-                              <a:srgbClr val="0070C0"/>
-                            </a:solidFill>
-                            <a:latin typeface="Cambria Math" panose="02040503050406030204" pitchFamily="18" charset="0"/>
-                          </a:rPr>
-                          <m:t>2</m:t>
-                        </m:r>
-                      </m:e>
-                      <m:sup>
-                        <m:r>
-                          <a:rPr lang="en-US" sz="3200" b="0" i="1" smtClean="0">
-                            <a:solidFill>
-                              <a:srgbClr val="0070C0"/>
-                            </a:solidFill>
-                            <a:latin typeface="Cambria Math" panose="02040503050406030204" pitchFamily="18" charset="0"/>
-                          </a:rPr>
-                          <m:t>𝑛</m:t>
-                        </m:r>
-                      </m:sup>
-                    </m:sSup>
-                    <m:r>
-                      <a:rPr lang="en-US" sz="3200" b="0" i="1" smtClean="0">
-                        <a:solidFill>
-                          <a:srgbClr val="0070C0"/>
-                        </a:solidFill>
-                        <a:latin typeface="Cambria Math" panose="02040503050406030204" pitchFamily="18" charset="0"/>
-                      </a:rPr>
-                      <m:t>)</m:t>
-                    </m:r>
-                  </m:oMath>
-                </a14:m>
-                <a:r>
-                  <a:rPr lang="en-US" sz="3200" dirty="0">
-                    <a:solidFill>
-                      <a:srgbClr val="0070C0"/>
-                    </a:solidFill>
-                  </a:rPr>
-                  <a:t>.</a:t>
-                </a:r>
-                <a:endParaRPr lang="en-US" sz="3200" dirty="0">
-                  <a:solidFill>
-                    <a:srgbClr val="5A1B12"/>
-                  </a:solidFill>
-                </a:endParaRPr>
-              </a:p>
-              <a:p>
-                <a:pPr marL="457200" indent="-457200">
-                  <a:buFont typeface="Arial" panose="020B0604020202020204" pitchFamily="34" charset="0"/>
-                  <a:buChar char="•"/>
-                </a:pPr>
-                <a:endParaRPr lang="en-US" sz="3200" dirty="0">
-                  <a:solidFill>
-                    <a:srgbClr val="5A1B12"/>
-                  </a:solidFill>
-                </a:endParaRPr>
-              </a:p>
-              <a:p>
-                <a:pPr marL="457200" indent="-457200">
-                  <a:buFont typeface="Arial" panose="020B0604020202020204" pitchFamily="34" charset="0"/>
-                  <a:buChar char="•"/>
-                </a:pPr>
-                <a:r>
-                  <a:rPr lang="en-US" sz="3200" dirty="0">
-                    <a:solidFill>
-                      <a:srgbClr val="0070C0"/>
-                    </a:solidFill>
-                  </a:rPr>
-                  <a:t>Our work is to propose improved quantum search targeting a more efficient model checking.</a:t>
-                </a:r>
-              </a:p>
-              <a:p>
-                <a:endParaRPr lang="th-TH" sz="3200" dirty="0"/>
-              </a:p>
-            </p:txBody>
-          </p:sp>
-        </mc:Choice>
-        <mc:Fallback>
-          <p:sp>
-            <p:nvSpPr>
-              <p:cNvPr id="7" name="TextBox 6">
-                <a:extLst>
-                  <a:ext uri="{FF2B5EF4-FFF2-40B4-BE49-F238E27FC236}">
-                    <a16:creationId xmlns:a16="http://schemas.microsoft.com/office/drawing/2014/main" id="{03FE030A-B317-44F4-909A-BFA3D05D1B33}"/>
-                  </a:ext>
-                </a:extLst>
-              </p:cNvPr>
-              <p:cNvSpPr txBox="1">
-                <a:spLocks noRot="1" noChangeAspect="1" noMove="1" noResize="1" noEditPoints="1" noAdjustHandles="1" noChangeArrowheads="1" noChangeShapeType="1" noTextEdit="1"/>
-              </p:cNvSpPr>
-              <p:nvPr/>
-            </p:nvSpPr>
-            <p:spPr>
-              <a:xfrm>
-                <a:off x="1326776" y="2178423"/>
-                <a:ext cx="10345271" cy="4031873"/>
-              </a:xfrm>
-              <a:prstGeom prst="rect">
-                <a:avLst/>
-              </a:prstGeom>
-              <a:blipFill>
-                <a:blip r:embed="rId2"/>
-                <a:stretch>
-                  <a:fillRect l="-1355" t="-1964"/>
-                </a:stretch>
-              </a:blipFill>
-            </p:spPr>
-            <p:txBody>
-              <a:bodyPr/>
-              <a:lstStyle/>
-              <a:p>
-                <a:r>
-                  <a:rPr lang="en-US">
-                    <a:noFill/>
-                  </a:rPr>
-                  <a:t> </a:t>
-                </a:r>
-              </a:p>
-            </p:txBody>
-          </p:sp>
-        </mc:Fallback>
-      </mc:AlternateContent>
-      <p:sp>
-        <p:nvSpPr>
-          <p:cNvPr id="3" name="Slide Number Placeholder 2">
-            <a:extLst>
-              <a:ext uri="{FF2B5EF4-FFF2-40B4-BE49-F238E27FC236}">
-                <a16:creationId xmlns:a16="http://schemas.microsoft.com/office/drawing/2014/main" id="{E2DA878C-FA4B-4EC3-947B-AD4F52F809C1}"/>
-              </a:ext>
-            </a:extLst>
-          </p:cNvPr>
-          <p:cNvSpPr>
-            <a:spLocks noGrp="1"/>
-          </p:cNvSpPr>
-          <p:nvPr>
-            <p:ph type="sldNum" sz="quarter" idx="12"/>
-          </p:nvPr>
-        </p:nvSpPr>
-        <p:spPr/>
-        <p:txBody>
-          <a:bodyPr/>
-          <a:lstStyle/>
-          <a:p>
-            <a:fld id="{3BDBD433-A3C6-4DFF-8587-7568F60AEA6A}" type="slidenum">
-              <a:rPr lang="th-TH" smtClean="0"/>
-              <a:t>3</a:t>
-            </a:fld>
-            <a:endParaRPr lang="th-TH"/>
-          </a:p>
-        </p:txBody>
-      </p:sp>
-    </p:spTree>
-    <p:extLst>
-      <p:ext uri="{BB962C8B-B14F-4D97-AF65-F5344CB8AC3E}">
-        <p14:creationId xmlns:p14="http://schemas.microsoft.com/office/powerpoint/2010/main" val="4166158403"/>
-      </p:ext>
-    </p:extLst>
-  </p:cSld>
-  <p:clrMapOvr>
-    <a:masterClrMapping/>
-  </p:clrMapOvr>
-</p:sld>
-</file>
-
-<file path=ppt/slides/slide30.xml><?xml version="1.0" encoding="utf-8"?>
+<file path=ppt/slides/slide29.xml><?xml version="1.0" encoding="utf-8"?>
 <p:sld xmlns:a="http://schemas.openxmlformats.org/drawingml/2006/main" xmlns:r="http://schemas.openxmlformats.org/officeDocument/2006/relationships" xmlns:p="http://schemas.openxmlformats.org/presentationml/2006/main">
   <p:cSld>
     <p:spTree>
@@ -25532,7 +24724,7 @@
           <a:p>
             <a:fld id="{3BDBD433-A3C6-4DFF-8587-7568F60AEA6A}" type="slidenum">
               <a:rPr lang="th-TH" smtClean="0"/>
-              <a:t>30</a:t>
+              <a:t>29</a:t>
             </a:fld>
             <a:endParaRPr lang="th-TH"/>
           </a:p>
@@ -25551,7 +24743,2056 @@
 </p:sld>
 </file>
 
-<file path=ppt/slides/slide31.xml><?xml version="1.0" encoding="utf-8"?>
+<file path=ppt/slides/slide3.xml><?xml version="1.0" encoding="utf-8"?>
+<p:sld xmlns:a="http://schemas.openxmlformats.org/drawingml/2006/main" xmlns:r="http://schemas.openxmlformats.org/officeDocument/2006/relationships" xmlns:p="http://schemas.openxmlformats.org/presentationml/2006/main">
+  <p:cSld>
+    <p:spTree>
+      <p:nvGrpSpPr>
+        <p:cNvPr id="1" name=""/>
+        <p:cNvGrpSpPr/>
+        <p:nvPr/>
+      </p:nvGrpSpPr>
+      <p:grpSpPr>
+        <a:xfrm>
+          <a:off x="0" y="0"/>
+          <a:ext cx="0" cy="0"/>
+          <a:chOff x="0" y="0"/>
+          <a:chExt cx="0" cy="0"/>
+        </a:xfrm>
+      </p:grpSpPr>
+      <p:sp>
+        <p:nvSpPr>
+          <p:cNvPr id="2" name="Text Placeholder 1">
+            <a:extLst>
+              <a:ext uri="{FF2B5EF4-FFF2-40B4-BE49-F238E27FC236}">
+                <a16:creationId xmlns:a16="http://schemas.microsoft.com/office/drawing/2014/main" id="{1B1DD09B-E2EC-42F9-9C22-0DAF743C0399}"/>
+              </a:ext>
+            </a:extLst>
+          </p:cNvPr>
+          <p:cNvSpPr>
+            <a:spLocks noGrp="1"/>
+          </p:cNvSpPr>
+          <p:nvPr>
+            <p:ph type="body" sz="quarter" idx="28"/>
+          </p:nvPr>
+        </p:nvSpPr>
+        <p:spPr>
+          <a:xfrm>
+            <a:off x="2427641" y="176192"/>
+            <a:ext cx="8926159" cy="628631"/>
+          </a:xfrm>
+        </p:spPr>
+        <p:txBody>
+          <a:bodyPr/>
+          <a:lstStyle/>
+          <a:p>
+            <a:r>
+              <a:rPr lang="en-US" dirty="0"/>
+              <a:t>Logic Entailment: Model Checking</a:t>
+            </a:r>
+            <a:endParaRPr lang="th-TH" dirty="0"/>
+          </a:p>
+        </p:txBody>
+      </p:sp>
+      <p:sp>
+        <p:nvSpPr>
+          <p:cNvPr id="7" name="TextBox 6">
+            <a:extLst>
+              <a:ext uri="{FF2B5EF4-FFF2-40B4-BE49-F238E27FC236}">
+                <a16:creationId xmlns:a16="http://schemas.microsoft.com/office/drawing/2014/main" id="{03FE030A-B317-44F4-909A-BFA3D05D1B33}"/>
+              </a:ext>
+            </a:extLst>
+          </p:cNvPr>
+          <p:cNvSpPr txBox="1"/>
+          <p:nvPr/>
+        </p:nvSpPr>
+        <p:spPr>
+          <a:xfrm>
+            <a:off x="4144735" y="795543"/>
+            <a:ext cx="7401808" cy="830997"/>
+          </a:xfrm>
+          <a:prstGeom prst="rect">
+            <a:avLst/>
+          </a:prstGeom>
+          <a:noFill/>
+        </p:spPr>
+        <p:txBody>
+          <a:bodyPr wrap="square" rtlCol="0">
+            <a:spAutoFit/>
+          </a:bodyPr>
+          <a:lstStyle/>
+          <a:p>
+            <a:r>
+              <a:rPr lang="en-US" sz="2400" dirty="0"/>
+              <a:t>if and only if, in </a:t>
+            </a:r>
+            <a:r>
+              <a:rPr lang="en-US" sz="2400" b="1" dirty="0"/>
+              <a:t>every truth scenario</a:t>
+            </a:r>
+            <a:r>
+              <a:rPr lang="en-US" sz="2400" dirty="0"/>
+              <a:t> </a:t>
+            </a:r>
+            <a:br>
+              <a:rPr lang="en-US" sz="2400" dirty="0"/>
+            </a:br>
+            <a:r>
+              <a:rPr lang="en-US" sz="2400" dirty="0"/>
+              <a:t>in which KB is true, </a:t>
+            </a:r>
+            <a:r>
+              <a:rPr lang="en-US" sz="2400" dirty="0">
+                <a:sym typeface="Symbol" panose="05050102010706020507" pitchFamily="18" charset="2"/>
+              </a:rPr>
+              <a:t> is true.</a:t>
+            </a:r>
+            <a:endParaRPr lang="th-TH" sz="2400" dirty="0"/>
+          </a:p>
+        </p:txBody>
+      </p:sp>
+      <p:sp>
+        <p:nvSpPr>
+          <p:cNvPr id="3" name="Slide Number Placeholder 2">
+            <a:extLst>
+              <a:ext uri="{FF2B5EF4-FFF2-40B4-BE49-F238E27FC236}">
+                <a16:creationId xmlns:a16="http://schemas.microsoft.com/office/drawing/2014/main" id="{E2DA878C-FA4B-4EC3-947B-AD4F52F809C1}"/>
+              </a:ext>
+            </a:extLst>
+          </p:cNvPr>
+          <p:cNvSpPr>
+            <a:spLocks noGrp="1"/>
+          </p:cNvSpPr>
+          <p:nvPr>
+            <p:ph type="sldNum" sz="quarter" idx="12"/>
+          </p:nvPr>
+        </p:nvSpPr>
+        <p:spPr/>
+        <p:txBody>
+          <a:bodyPr/>
+          <a:lstStyle/>
+          <a:p>
+            <a:fld id="{3BDBD433-A3C6-4DFF-8587-7568F60AEA6A}" type="slidenum">
+              <a:rPr lang="th-TH" smtClean="0"/>
+              <a:t>3</a:t>
+            </a:fld>
+            <a:endParaRPr lang="th-TH"/>
+          </a:p>
+        </p:txBody>
+      </p:sp>
+      <mc:AlternateContent xmlns:mc="http://schemas.openxmlformats.org/markup-compatibility/2006">
+        <mc:Choice xmlns:a14="http://schemas.microsoft.com/office/drawing/2010/main" Requires="a14">
+          <p:sp>
+            <p:nvSpPr>
+              <p:cNvPr id="4" name="TextBox 3">
+                <a:extLst>
+                  <a:ext uri="{FF2B5EF4-FFF2-40B4-BE49-F238E27FC236}">
+                    <a16:creationId xmlns:a16="http://schemas.microsoft.com/office/drawing/2014/main" id="{F171B8F3-1CF3-4E76-970B-0C44B97C033B}"/>
+                  </a:ext>
+                </a:extLst>
+              </p:cNvPr>
+              <p:cNvSpPr txBox="1"/>
+              <p:nvPr/>
+            </p:nvSpPr>
+            <p:spPr>
+              <a:xfrm>
+                <a:off x="2957935" y="953989"/>
+                <a:ext cx="1186800" cy="461665"/>
+              </a:xfrm>
+              <a:prstGeom prst="rect">
+                <a:avLst/>
+              </a:prstGeom>
+              <a:noFill/>
+            </p:spPr>
+            <p:txBody>
+              <a:bodyPr wrap="none" rtlCol="0">
+                <a:spAutoFit/>
+              </a:bodyPr>
+              <a:lstStyle/>
+              <a:p>
+                <a:pPr/>
+                <a14:m>
+                  <m:oMathPara xmlns:m="http://schemas.openxmlformats.org/officeDocument/2006/math">
+                    <m:oMathParaPr>
+                      <m:jc m:val="centerGroup"/>
+                    </m:oMathParaPr>
+                    <m:oMath xmlns:m="http://schemas.openxmlformats.org/officeDocument/2006/math">
+                      <m:r>
+                        <a:rPr lang="en-US" sz="2400" b="0" i="1" smtClean="0">
+                          <a:latin typeface="Cambria Math" panose="02040503050406030204" pitchFamily="18" charset="0"/>
+                        </a:rPr>
+                        <m:t>𝐾𝐵</m:t>
+                      </m:r>
+                      <m:r>
+                        <a:rPr lang="th-TH" sz="2400" b="0" i="1" smtClean="0">
+                          <a:latin typeface="Cambria Math" panose="02040503050406030204" pitchFamily="18" charset="0"/>
+                        </a:rPr>
+                        <m:t> </m:t>
+                      </m:r>
+                      <m:r>
+                        <m:rPr>
+                          <m:nor/>
+                        </m:rPr>
+                        <a:rPr lang="th-TH" sz="2400"/>
+                        <m:t>⊨</m:t>
+                      </m:r>
+                      <m:r>
+                        <m:rPr>
+                          <m:nor/>
+                        </m:rPr>
+                        <a:rPr lang="th-TH" sz="2400" b="0" i="0" smtClean="0"/>
+                        <m:t> </m:t>
+                      </m:r>
+                      <m:r>
+                        <m:rPr>
+                          <m:sty m:val="p"/>
+                        </m:rPr>
+                        <a:rPr lang="el-GR" sz="2400" b="0" i="1" smtClean="0">
+                          <a:latin typeface="Cambria Math" panose="02040503050406030204" pitchFamily="18" charset="0"/>
+                          <a:ea typeface="Cambria Math" panose="02040503050406030204" pitchFamily="18" charset="0"/>
+                        </a:rPr>
+                        <m:t>α</m:t>
+                      </m:r>
+                    </m:oMath>
+                  </m:oMathPara>
+                </a14:m>
+                <a:endParaRPr lang="th-TH" sz="2400" dirty="0"/>
+              </a:p>
+            </p:txBody>
+          </p:sp>
+        </mc:Choice>
+        <mc:Fallback>
+          <p:sp>
+            <p:nvSpPr>
+              <p:cNvPr id="4" name="TextBox 3">
+                <a:extLst>
+                  <a:ext uri="{FF2B5EF4-FFF2-40B4-BE49-F238E27FC236}">
+                    <a16:creationId xmlns:a16="http://schemas.microsoft.com/office/drawing/2014/main" id="{F171B8F3-1CF3-4E76-970B-0C44B97C033B}"/>
+                  </a:ext>
+                </a:extLst>
+              </p:cNvPr>
+              <p:cNvSpPr txBox="1">
+                <a:spLocks noRot="1" noChangeAspect="1" noMove="1" noResize="1" noEditPoints="1" noAdjustHandles="1" noChangeArrowheads="1" noChangeShapeType="1" noTextEdit="1"/>
+              </p:cNvSpPr>
+              <p:nvPr/>
+            </p:nvSpPr>
+            <p:spPr>
+              <a:xfrm>
+                <a:off x="2957935" y="953989"/>
+                <a:ext cx="1186800" cy="461665"/>
+              </a:xfrm>
+              <a:prstGeom prst="rect">
+                <a:avLst/>
+              </a:prstGeom>
+              <a:blipFill>
+                <a:blip r:embed="rId2"/>
+                <a:stretch>
+                  <a:fillRect/>
+                </a:stretch>
+              </a:blipFill>
+            </p:spPr>
+            <p:txBody>
+              <a:bodyPr/>
+              <a:lstStyle/>
+              <a:p>
+                <a:r>
+                  <a:rPr lang="en-US">
+                    <a:noFill/>
+                  </a:rPr>
+                  <a:t> </a:t>
+                </a:r>
+              </a:p>
+            </p:txBody>
+          </p:sp>
+        </mc:Fallback>
+      </mc:AlternateContent>
+      <p:sp>
+        <p:nvSpPr>
+          <p:cNvPr id="5" name="TextBox 4">
+            <a:extLst>
+              <a:ext uri="{FF2B5EF4-FFF2-40B4-BE49-F238E27FC236}">
+                <a16:creationId xmlns:a16="http://schemas.microsoft.com/office/drawing/2014/main" id="{52D15C9F-964D-4DC8-9746-CA3E5E92FBD2}"/>
+              </a:ext>
+            </a:extLst>
+          </p:cNvPr>
+          <p:cNvSpPr txBox="1"/>
+          <p:nvPr/>
+        </p:nvSpPr>
+        <p:spPr>
+          <a:xfrm>
+            <a:off x="506504" y="2094080"/>
+            <a:ext cx="4710955" cy="1200329"/>
+          </a:xfrm>
+          <a:prstGeom prst="rect">
+            <a:avLst/>
+          </a:prstGeom>
+          <a:noFill/>
+        </p:spPr>
+        <p:txBody>
+          <a:bodyPr wrap="square" rtlCol="0">
+            <a:spAutoFit/>
+          </a:bodyPr>
+          <a:lstStyle/>
+          <a:p>
+            <a:r>
+              <a:rPr lang="en-US" sz="2400" dirty="0"/>
+              <a:t>KB:</a:t>
+            </a:r>
+          </a:p>
+          <a:p>
+            <a:pPr marL="457200" indent="-457200">
+              <a:buFont typeface="Arial" panose="020B0604020202020204" pitchFamily="34" charset="0"/>
+              <a:buChar char="•"/>
+            </a:pPr>
+            <a:r>
+              <a:rPr lang="en-US" sz="2400" dirty="0"/>
+              <a:t>Durians are spiky.</a:t>
+            </a:r>
+          </a:p>
+          <a:p>
+            <a:pPr marL="457200" indent="-457200">
+              <a:buFont typeface="Arial" panose="020B0604020202020204" pitchFamily="34" charset="0"/>
+              <a:buChar char="•"/>
+            </a:pPr>
+            <a:r>
+              <a:rPr lang="en-US" sz="2400" dirty="0"/>
+              <a:t>Durians are yummy.</a:t>
+            </a:r>
+          </a:p>
+        </p:txBody>
+      </p:sp>
+      <p:sp>
+        <p:nvSpPr>
+          <p:cNvPr id="8" name="TextBox 7">
+            <a:extLst>
+              <a:ext uri="{FF2B5EF4-FFF2-40B4-BE49-F238E27FC236}">
+                <a16:creationId xmlns:a16="http://schemas.microsoft.com/office/drawing/2014/main" id="{53CE8B01-DE6C-4D71-B927-FFF0EF4B54A2}"/>
+              </a:ext>
+            </a:extLst>
+          </p:cNvPr>
+          <p:cNvSpPr txBox="1"/>
+          <p:nvPr/>
+        </p:nvSpPr>
+        <p:spPr>
+          <a:xfrm>
+            <a:off x="5217459" y="2156833"/>
+            <a:ext cx="5670208" cy="1569660"/>
+          </a:xfrm>
+          <a:prstGeom prst="rect">
+            <a:avLst/>
+          </a:prstGeom>
+          <a:noFill/>
+        </p:spPr>
+        <p:txBody>
+          <a:bodyPr wrap="square" rtlCol="0">
+            <a:spAutoFit/>
+          </a:bodyPr>
+          <a:lstStyle/>
+          <a:p>
+            <a:r>
+              <a:rPr lang="en-US" sz="2400" dirty="0">
+                <a:sym typeface="Symbol" panose="05050102010706020507" pitchFamily="18" charset="2"/>
+              </a:rPr>
+              <a:t></a:t>
+            </a:r>
+            <a:r>
+              <a:rPr lang="en-US" sz="2400" baseline="-25000" dirty="0">
+                <a:sym typeface="Symbol" panose="05050102010706020507" pitchFamily="18" charset="2"/>
+              </a:rPr>
+              <a:t>1</a:t>
+            </a:r>
+            <a:r>
+              <a:rPr lang="en-US" sz="2400" dirty="0"/>
+              <a:t>: </a:t>
+            </a:r>
+            <a:r>
+              <a:rPr lang="en-US" sz="2400" dirty="0" err="1"/>
+              <a:t>Montong</a:t>
+            </a:r>
+            <a:r>
+              <a:rPr lang="en-US" sz="2400" dirty="0"/>
+              <a:t> durian is spiky. </a:t>
+            </a:r>
+          </a:p>
+          <a:p>
+            <a:r>
+              <a:rPr lang="en-US" sz="2400" dirty="0">
+                <a:sym typeface="Symbol" panose="05050102010706020507" pitchFamily="18" charset="2"/>
+              </a:rPr>
+              <a:t></a:t>
+            </a:r>
+            <a:r>
+              <a:rPr lang="en-US" sz="2400" baseline="-25000" dirty="0">
+                <a:sym typeface="Symbol" panose="05050102010706020507" pitchFamily="18" charset="2"/>
+              </a:rPr>
+              <a:t>2</a:t>
+            </a:r>
+            <a:r>
+              <a:rPr lang="en-US" sz="2400" dirty="0"/>
+              <a:t>: </a:t>
+            </a:r>
+            <a:r>
+              <a:rPr lang="en-US" sz="2400" dirty="0" err="1"/>
+              <a:t>Montong</a:t>
+            </a:r>
+            <a:r>
+              <a:rPr lang="en-US" sz="2400" dirty="0"/>
+              <a:t> durian is not spiky. </a:t>
+            </a:r>
+          </a:p>
+          <a:p>
+            <a:r>
+              <a:rPr lang="en-US" sz="2400" dirty="0">
+                <a:sym typeface="Symbol" panose="05050102010706020507" pitchFamily="18" charset="2"/>
+              </a:rPr>
+              <a:t></a:t>
+            </a:r>
+            <a:r>
+              <a:rPr lang="en-US" sz="2400" baseline="-25000" dirty="0">
+                <a:sym typeface="Symbol" panose="05050102010706020507" pitchFamily="18" charset="2"/>
+              </a:rPr>
+              <a:t>3</a:t>
+            </a:r>
+            <a:r>
+              <a:rPr lang="en-US" sz="2400" dirty="0"/>
+              <a:t>: There is life on Mars. </a:t>
+            </a:r>
+            <a:endParaRPr lang="en-US" sz="2400" dirty="0">
+              <a:solidFill>
+                <a:schemeClr val="bg1">
+                  <a:lumMod val="75000"/>
+                </a:schemeClr>
+              </a:solidFill>
+            </a:endParaRPr>
+          </a:p>
+          <a:p>
+            <a:r>
+              <a:rPr lang="en-US" sz="2400" dirty="0">
+                <a:sym typeface="Symbol" panose="05050102010706020507" pitchFamily="18" charset="2"/>
+              </a:rPr>
+              <a:t></a:t>
+            </a:r>
+            <a:r>
+              <a:rPr lang="en-US" sz="2400" baseline="-25000" dirty="0">
+                <a:sym typeface="Symbol" panose="05050102010706020507" pitchFamily="18" charset="2"/>
+              </a:rPr>
+              <a:t>4</a:t>
+            </a:r>
+            <a:r>
+              <a:rPr lang="en-US" sz="2400" dirty="0"/>
+              <a:t>: There is no life on Mars. </a:t>
+            </a:r>
+            <a:endParaRPr lang="th-TH" sz="2400" dirty="0">
+              <a:solidFill>
+                <a:schemeClr val="bg1">
+                  <a:lumMod val="75000"/>
+                </a:schemeClr>
+              </a:solidFill>
+            </a:endParaRPr>
+          </a:p>
+        </p:txBody>
+      </p:sp>
+      <p:graphicFrame>
+        <p:nvGraphicFramePr>
+          <p:cNvPr id="6" name="Table 5">
+            <a:extLst>
+              <a:ext uri="{FF2B5EF4-FFF2-40B4-BE49-F238E27FC236}">
+                <a16:creationId xmlns:a16="http://schemas.microsoft.com/office/drawing/2014/main" id="{966C5ACC-DCB5-4CF6-97FB-D7EBACA6A424}"/>
+              </a:ext>
+            </a:extLst>
+          </p:cNvPr>
+          <p:cNvGraphicFramePr>
+            <a:graphicFrameLocks noGrp="1"/>
+          </p:cNvGraphicFramePr>
+          <p:nvPr>
+            <p:extLst/>
+          </p:nvPr>
+        </p:nvGraphicFramePr>
+        <p:xfrm>
+          <a:off x="705223" y="3940739"/>
+          <a:ext cx="10841320" cy="1955800"/>
+        </p:xfrm>
+        <a:graphic>
+          <a:graphicData uri="http://schemas.openxmlformats.org/drawingml/2006/table">
+            <a:tbl>
+              <a:tblPr firstRow="1" bandRow="1">
+                <a:tableStyleId>{5C22544A-7EE6-4342-B048-85BDC9FD1C3A}</a:tableStyleId>
+              </a:tblPr>
+              <a:tblGrid>
+                <a:gridCol w="1643530">
+                  <a:extLst>
+                    <a:ext uri="{9D8B030D-6E8A-4147-A177-3AD203B41FA5}">
+                      <a16:colId xmlns:a16="http://schemas.microsoft.com/office/drawing/2014/main" val="1937629021"/>
+                    </a:ext>
+                  </a:extLst>
+                </a:gridCol>
+                <a:gridCol w="1479176">
+                  <a:extLst>
+                    <a:ext uri="{9D8B030D-6E8A-4147-A177-3AD203B41FA5}">
+                      <a16:colId xmlns:a16="http://schemas.microsoft.com/office/drawing/2014/main" val="3193801481"/>
+                    </a:ext>
+                  </a:extLst>
+                </a:gridCol>
+                <a:gridCol w="942789">
+                  <a:extLst>
+                    <a:ext uri="{9D8B030D-6E8A-4147-A177-3AD203B41FA5}">
+                      <a16:colId xmlns:a16="http://schemas.microsoft.com/office/drawing/2014/main" val="2110669423"/>
+                    </a:ext>
+                  </a:extLst>
+                </a:gridCol>
+                <a:gridCol w="1355165">
+                  <a:extLst>
+                    <a:ext uri="{9D8B030D-6E8A-4147-A177-3AD203B41FA5}">
+                      <a16:colId xmlns:a16="http://schemas.microsoft.com/office/drawing/2014/main" val="3489833080"/>
+                    </a:ext>
+                  </a:extLst>
+                </a:gridCol>
+                <a:gridCol w="1355165">
+                  <a:extLst>
+                    <a:ext uri="{9D8B030D-6E8A-4147-A177-3AD203B41FA5}">
+                      <a16:colId xmlns:a16="http://schemas.microsoft.com/office/drawing/2014/main" val="1399154091"/>
+                    </a:ext>
+                  </a:extLst>
+                </a:gridCol>
+                <a:gridCol w="1355165">
+                  <a:extLst>
+                    <a:ext uri="{9D8B030D-6E8A-4147-A177-3AD203B41FA5}">
+                      <a16:colId xmlns:a16="http://schemas.microsoft.com/office/drawing/2014/main" val="796084335"/>
+                    </a:ext>
+                  </a:extLst>
+                </a:gridCol>
+                <a:gridCol w="1355165">
+                  <a:extLst>
+                    <a:ext uri="{9D8B030D-6E8A-4147-A177-3AD203B41FA5}">
+                      <a16:colId xmlns:a16="http://schemas.microsoft.com/office/drawing/2014/main" val="1815143759"/>
+                    </a:ext>
+                  </a:extLst>
+                </a:gridCol>
+                <a:gridCol w="1355165">
+                  <a:extLst>
+                    <a:ext uri="{9D8B030D-6E8A-4147-A177-3AD203B41FA5}">
+                      <a16:colId xmlns:a16="http://schemas.microsoft.com/office/drawing/2014/main" val="472220263"/>
+                    </a:ext>
+                  </a:extLst>
+                </a:gridCol>
+              </a:tblGrid>
+              <a:tr h="370840">
+                <a:tc>
+                  <a:txBody>
+                    <a:bodyPr/>
+                    <a:lstStyle/>
+                    <a:p>
+                      <a:pPr algn="ctr"/>
+                      <a:r>
+                        <a:rPr lang="en-US" sz="1800" dirty="0"/>
+                        <a:t>Spiky </a:t>
+                      </a:r>
+                      <a:r>
+                        <a:rPr lang="en-US" sz="1800" dirty="0" err="1"/>
+                        <a:t>Montong</a:t>
+                      </a:r>
+                      <a:endParaRPr lang="th-TH" sz="1800" dirty="0"/>
+                    </a:p>
+                  </a:txBody>
+                  <a:tcPr/>
+                </a:tc>
+                <a:tc>
+                  <a:txBody>
+                    <a:bodyPr/>
+                    <a:lstStyle/>
+                    <a:p>
+                      <a:pPr algn="ctr"/>
+                      <a:r>
+                        <a:rPr lang="en-US" sz="1800" dirty="0"/>
+                        <a:t>Life on Mars</a:t>
+                      </a:r>
+                      <a:endParaRPr lang="th-TH" sz="1800" dirty="0"/>
+                    </a:p>
+                  </a:txBody>
+                  <a:tcPr/>
+                </a:tc>
+                <a:tc>
+                  <a:txBody>
+                    <a:bodyPr/>
+                    <a:lstStyle/>
+                    <a:p>
+                      <a:pPr algn="ctr"/>
+                      <a:r>
+                        <a:rPr lang="en-US" sz="1800" dirty="0"/>
+                        <a:t>KB</a:t>
+                      </a:r>
+                      <a:endParaRPr lang="th-TH" sz="1800" dirty="0"/>
+                    </a:p>
+                  </a:txBody>
+                  <a:tcPr/>
+                </a:tc>
+                <a:tc>
+                  <a:txBody>
+                    <a:bodyPr/>
+                    <a:lstStyle/>
+                    <a:p>
+                      <a:pPr algn="ctr"/>
+                      <a:r>
+                        <a:rPr lang="en-US" sz="1800" dirty="0">
+                          <a:sym typeface="Symbol" panose="05050102010706020507" pitchFamily="18" charset="2"/>
+                        </a:rPr>
+                        <a:t></a:t>
+                      </a:r>
+                      <a:r>
+                        <a:rPr lang="en-US" sz="1800" baseline="-25000" dirty="0">
+                          <a:sym typeface="Symbol" panose="05050102010706020507" pitchFamily="18" charset="2"/>
+                        </a:rPr>
+                        <a:t>1</a:t>
+                      </a:r>
+                      <a:endParaRPr lang="th-TH" sz="1800" dirty="0"/>
+                    </a:p>
+                  </a:txBody>
+                  <a:tcPr/>
+                </a:tc>
+                <a:tc>
+                  <a:txBody>
+                    <a:bodyPr/>
+                    <a:lstStyle/>
+                    <a:p>
+                      <a:pPr algn="ctr"/>
+                      <a:r>
+                        <a:rPr lang="en-US" sz="1800" dirty="0">
+                          <a:sym typeface="Symbol" panose="05050102010706020507" pitchFamily="18" charset="2"/>
+                        </a:rPr>
+                        <a:t></a:t>
+                      </a:r>
+                      <a:r>
+                        <a:rPr lang="en-US" sz="1800" baseline="-25000" dirty="0">
+                          <a:sym typeface="Symbol" panose="05050102010706020507" pitchFamily="18" charset="2"/>
+                        </a:rPr>
+                        <a:t>2</a:t>
+                      </a:r>
+                      <a:endParaRPr lang="th-TH" sz="1800" dirty="0"/>
+                    </a:p>
+                  </a:txBody>
+                  <a:tcPr/>
+                </a:tc>
+                <a:tc>
+                  <a:txBody>
+                    <a:bodyPr/>
+                    <a:lstStyle/>
+                    <a:p>
+                      <a:pPr algn="ctr"/>
+                      <a:r>
+                        <a:rPr lang="en-US" sz="1800" dirty="0">
+                          <a:sym typeface="Symbol" panose="05050102010706020507" pitchFamily="18" charset="2"/>
+                        </a:rPr>
+                        <a:t></a:t>
+                      </a:r>
+                      <a:r>
+                        <a:rPr lang="en-US" sz="1800" baseline="-25000" dirty="0">
+                          <a:sym typeface="Symbol" panose="05050102010706020507" pitchFamily="18" charset="2"/>
+                        </a:rPr>
+                        <a:t>3</a:t>
+                      </a:r>
+                      <a:endParaRPr lang="th-TH" sz="1800" dirty="0"/>
+                    </a:p>
+                  </a:txBody>
+                  <a:tcPr/>
+                </a:tc>
+                <a:tc>
+                  <a:txBody>
+                    <a:bodyPr/>
+                    <a:lstStyle/>
+                    <a:p>
+                      <a:pPr algn="ctr"/>
+                      <a:r>
+                        <a:rPr lang="en-US" sz="1800" dirty="0">
+                          <a:sym typeface="Symbol" panose="05050102010706020507" pitchFamily="18" charset="2"/>
+                        </a:rPr>
+                        <a:t></a:t>
+                      </a:r>
+                      <a:r>
+                        <a:rPr lang="en-US" sz="1800" baseline="-25000" dirty="0">
+                          <a:sym typeface="Symbol" panose="05050102010706020507" pitchFamily="18" charset="2"/>
+                        </a:rPr>
+                        <a:t>4</a:t>
+                      </a:r>
+                      <a:endParaRPr lang="th-TH" sz="1800" dirty="0"/>
+                    </a:p>
+                  </a:txBody>
+                  <a:tcPr/>
+                </a:tc>
+                <a:tc>
+                  <a:txBody>
+                    <a:bodyPr/>
+                    <a:lstStyle/>
+                    <a:p>
+                      <a:endParaRPr lang="th-TH" sz="1800" dirty="0"/>
+                    </a:p>
+                  </a:txBody>
+                  <a:tcPr/>
+                </a:tc>
+                <a:extLst>
+                  <a:ext uri="{0D108BD9-81ED-4DB2-BD59-A6C34878D82A}">
+                    <a16:rowId xmlns:a16="http://schemas.microsoft.com/office/drawing/2014/main" val="3587111667"/>
+                  </a:ext>
+                </a:extLst>
+              </a:tr>
+              <a:tr h="370840">
+                <a:tc>
+                  <a:txBody>
+                    <a:bodyPr/>
+                    <a:lstStyle/>
+                    <a:p>
+                      <a:r>
+                        <a:rPr lang="en-US" sz="2000" dirty="0"/>
+                        <a:t>F</a:t>
+                      </a:r>
+                      <a:endParaRPr lang="th-TH" sz="2000" dirty="0"/>
+                    </a:p>
+                  </a:txBody>
+                  <a:tcPr/>
+                </a:tc>
+                <a:tc>
+                  <a:txBody>
+                    <a:bodyPr/>
+                    <a:lstStyle/>
+                    <a:p>
+                      <a:r>
+                        <a:rPr lang="en-US" sz="2000" dirty="0"/>
+                        <a:t>F</a:t>
+                      </a:r>
+                      <a:endParaRPr lang="th-TH" sz="2000" dirty="0"/>
+                    </a:p>
+                  </a:txBody>
+                  <a:tcPr/>
+                </a:tc>
+                <a:tc>
+                  <a:txBody>
+                    <a:bodyPr/>
+                    <a:lstStyle/>
+                    <a:p>
+                      <a:r>
+                        <a:rPr lang="en-US" sz="2000" dirty="0"/>
+                        <a:t>F</a:t>
+                      </a:r>
+                      <a:endParaRPr lang="th-TH" sz="2000" dirty="0"/>
+                    </a:p>
+                  </a:txBody>
+                  <a:tcPr/>
+                </a:tc>
+                <a:tc>
+                  <a:txBody>
+                    <a:bodyPr/>
+                    <a:lstStyle/>
+                    <a:p>
+                      <a:r>
+                        <a:rPr lang="en-US" sz="2000" dirty="0"/>
+                        <a:t>F</a:t>
+                      </a:r>
+                      <a:endParaRPr lang="th-TH" sz="2000" dirty="0"/>
+                    </a:p>
+                  </a:txBody>
+                  <a:tcPr/>
+                </a:tc>
+                <a:tc>
+                  <a:txBody>
+                    <a:bodyPr/>
+                    <a:lstStyle/>
+                    <a:p>
+                      <a:r>
+                        <a:rPr lang="en-US" sz="2000" dirty="0"/>
+                        <a:t>T</a:t>
+                      </a:r>
+                      <a:endParaRPr lang="th-TH" sz="2000" dirty="0"/>
+                    </a:p>
+                  </a:txBody>
+                  <a:tcPr/>
+                </a:tc>
+                <a:tc>
+                  <a:txBody>
+                    <a:bodyPr/>
+                    <a:lstStyle/>
+                    <a:p>
+                      <a:r>
+                        <a:rPr lang="en-US" sz="2000" dirty="0"/>
+                        <a:t>F</a:t>
+                      </a:r>
+                      <a:endParaRPr lang="th-TH" sz="2000" dirty="0"/>
+                    </a:p>
+                  </a:txBody>
+                  <a:tcPr/>
+                </a:tc>
+                <a:tc>
+                  <a:txBody>
+                    <a:bodyPr/>
+                    <a:lstStyle/>
+                    <a:p>
+                      <a:r>
+                        <a:rPr lang="en-US" sz="2000" dirty="0"/>
+                        <a:t>T</a:t>
+                      </a:r>
+                      <a:endParaRPr lang="th-TH" sz="2000" dirty="0"/>
+                    </a:p>
+                  </a:txBody>
+                  <a:tcPr/>
+                </a:tc>
+                <a:tc>
+                  <a:txBody>
+                    <a:bodyPr/>
+                    <a:lstStyle/>
+                    <a:p>
+                      <a:endParaRPr lang="th-TH" sz="2000"/>
+                    </a:p>
+                  </a:txBody>
+                  <a:tcPr/>
+                </a:tc>
+                <a:extLst>
+                  <a:ext uri="{0D108BD9-81ED-4DB2-BD59-A6C34878D82A}">
+                    <a16:rowId xmlns:a16="http://schemas.microsoft.com/office/drawing/2014/main" val="3419003297"/>
+                  </a:ext>
+                </a:extLst>
+              </a:tr>
+              <a:tr h="370840">
+                <a:tc>
+                  <a:txBody>
+                    <a:bodyPr/>
+                    <a:lstStyle/>
+                    <a:p>
+                      <a:r>
+                        <a:rPr lang="en-US" sz="2000" dirty="0"/>
+                        <a:t>F</a:t>
+                      </a:r>
+                      <a:endParaRPr lang="th-TH" sz="2000" dirty="0"/>
+                    </a:p>
+                  </a:txBody>
+                  <a:tcPr/>
+                </a:tc>
+                <a:tc>
+                  <a:txBody>
+                    <a:bodyPr/>
+                    <a:lstStyle/>
+                    <a:p>
+                      <a:r>
+                        <a:rPr lang="en-US" sz="2000" dirty="0"/>
+                        <a:t>T</a:t>
+                      </a:r>
+                      <a:endParaRPr lang="th-TH" sz="2000" dirty="0"/>
+                    </a:p>
+                  </a:txBody>
+                  <a:tcPr/>
+                </a:tc>
+                <a:tc>
+                  <a:txBody>
+                    <a:bodyPr/>
+                    <a:lstStyle/>
+                    <a:p>
+                      <a:r>
+                        <a:rPr lang="en-US" sz="2000" dirty="0"/>
+                        <a:t>F</a:t>
+                      </a:r>
+                      <a:endParaRPr lang="th-TH" sz="2000" dirty="0"/>
+                    </a:p>
+                  </a:txBody>
+                  <a:tcPr/>
+                </a:tc>
+                <a:tc>
+                  <a:txBody>
+                    <a:bodyPr/>
+                    <a:lstStyle/>
+                    <a:p>
+                      <a:r>
+                        <a:rPr lang="en-US" sz="2000" dirty="0"/>
+                        <a:t>F</a:t>
+                      </a:r>
+                      <a:endParaRPr lang="th-TH" sz="2000" dirty="0"/>
+                    </a:p>
+                  </a:txBody>
+                  <a:tcPr/>
+                </a:tc>
+                <a:tc>
+                  <a:txBody>
+                    <a:bodyPr/>
+                    <a:lstStyle/>
+                    <a:p>
+                      <a:r>
+                        <a:rPr lang="en-US" sz="2000" dirty="0"/>
+                        <a:t>T</a:t>
+                      </a:r>
+                      <a:endParaRPr lang="th-TH" sz="2000" dirty="0"/>
+                    </a:p>
+                  </a:txBody>
+                  <a:tcPr/>
+                </a:tc>
+                <a:tc>
+                  <a:txBody>
+                    <a:bodyPr/>
+                    <a:lstStyle/>
+                    <a:p>
+                      <a:r>
+                        <a:rPr lang="en-US" sz="2000" dirty="0"/>
+                        <a:t>T</a:t>
+                      </a:r>
+                      <a:endParaRPr lang="th-TH" sz="2000" dirty="0"/>
+                    </a:p>
+                  </a:txBody>
+                  <a:tcPr/>
+                </a:tc>
+                <a:tc>
+                  <a:txBody>
+                    <a:bodyPr/>
+                    <a:lstStyle/>
+                    <a:p>
+                      <a:r>
+                        <a:rPr lang="en-US" sz="2000" dirty="0"/>
+                        <a:t>F</a:t>
+                      </a:r>
+                      <a:endParaRPr lang="th-TH" sz="2000" dirty="0"/>
+                    </a:p>
+                  </a:txBody>
+                  <a:tcPr/>
+                </a:tc>
+                <a:tc>
+                  <a:txBody>
+                    <a:bodyPr/>
+                    <a:lstStyle/>
+                    <a:p>
+                      <a:endParaRPr lang="th-TH" sz="2000"/>
+                    </a:p>
+                  </a:txBody>
+                  <a:tcPr/>
+                </a:tc>
+                <a:extLst>
+                  <a:ext uri="{0D108BD9-81ED-4DB2-BD59-A6C34878D82A}">
+                    <a16:rowId xmlns:a16="http://schemas.microsoft.com/office/drawing/2014/main" val="3810004659"/>
+                  </a:ext>
+                </a:extLst>
+              </a:tr>
+              <a:tr h="370840">
+                <a:tc>
+                  <a:txBody>
+                    <a:bodyPr/>
+                    <a:lstStyle/>
+                    <a:p>
+                      <a:r>
+                        <a:rPr lang="en-US" sz="2000" dirty="0"/>
+                        <a:t>T</a:t>
+                      </a:r>
+                      <a:endParaRPr lang="th-TH" sz="2000" dirty="0"/>
+                    </a:p>
+                  </a:txBody>
+                  <a:tcPr/>
+                </a:tc>
+                <a:tc>
+                  <a:txBody>
+                    <a:bodyPr/>
+                    <a:lstStyle/>
+                    <a:p>
+                      <a:r>
+                        <a:rPr lang="en-US" sz="2000" dirty="0"/>
+                        <a:t>F</a:t>
+                      </a:r>
+                      <a:endParaRPr lang="th-TH" sz="2000" dirty="0"/>
+                    </a:p>
+                  </a:txBody>
+                  <a:tcPr/>
+                </a:tc>
+                <a:tc>
+                  <a:txBody>
+                    <a:bodyPr/>
+                    <a:lstStyle/>
+                    <a:p>
+                      <a:r>
+                        <a:rPr lang="en-US" sz="2000" b="1" dirty="0"/>
+                        <a:t>T</a:t>
+                      </a:r>
+                      <a:endParaRPr lang="th-TH" sz="2000" b="1" dirty="0"/>
+                    </a:p>
+                  </a:txBody>
+                  <a:tcPr/>
+                </a:tc>
+                <a:tc>
+                  <a:txBody>
+                    <a:bodyPr/>
+                    <a:lstStyle/>
+                    <a:p>
+                      <a:r>
+                        <a:rPr lang="en-US" sz="2000" dirty="0"/>
+                        <a:t>T</a:t>
+                      </a:r>
+                      <a:endParaRPr lang="th-TH" sz="2000" dirty="0"/>
+                    </a:p>
+                  </a:txBody>
+                  <a:tcPr/>
+                </a:tc>
+                <a:tc>
+                  <a:txBody>
+                    <a:bodyPr/>
+                    <a:lstStyle/>
+                    <a:p>
+                      <a:r>
+                        <a:rPr lang="en-US" sz="2000" dirty="0">
+                          <a:solidFill>
+                            <a:srgbClr val="C00000"/>
+                          </a:solidFill>
+                        </a:rPr>
+                        <a:t>F</a:t>
+                      </a:r>
+                      <a:endParaRPr lang="th-TH" sz="2000" dirty="0">
+                        <a:solidFill>
+                          <a:srgbClr val="C00000"/>
+                        </a:solidFill>
+                      </a:endParaRPr>
+                    </a:p>
+                  </a:txBody>
+                  <a:tcPr/>
+                </a:tc>
+                <a:tc>
+                  <a:txBody>
+                    <a:bodyPr/>
+                    <a:lstStyle/>
+                    <a:p>
+                      <a:r>
+                        <a:rPr lang="en-US" sz="2000" dirty="0">
+                          <a:solidFill>
+                            <a:srgbClr val="C00000"/>
+                          </a:solidFill>
+                        </a:rPr>
+                        <a:t>F</a:t>
+                      </a:r>
+                      <a:endParaRPr lang="th-TH" sz="2000" dirty="0">
+                        <a:solidFill>
+                          <a:srgbClr val="C00000"/>
+                        </a:solidFill>
+                      </a:endParaRPr>
+                    </a:p>
+                  </a:txBody>
+                  <a:tcPr/>
+                </a:tc>
+                <a:tc>
+                  <a:txBody>
+                    <a:bodyPr/>
+                    <a:lstStyle/>
+                    <a:p>
+                      <a:r>
+                        <a:rPr lang="en-US" sz="2000" dirty="0"/>
+                        <a:t>T</a:t>
+                      </a:r>
+                      <a:endParaRPr lang="th-TH" sz="2000" dirty="0"/>
+                    </a:p>
+                  </a:txBody>
+                  <a:tcPr/>
+                </a:tc>
+                <a:tc>
+                  <a:txBody>
+                    <a:bodyPr/>
+                    <a:lstStyle/>
+                    <a:p>
+                      <a:endParaRPr lang="th-TH" sz="2000" dirty="0"/>
+                    </a:p>
+                  </a:txBody>
+                  <a:tcPr/>
+                </a:tc>
+                <a:extLst>
+                  <a:ext uri="{0D108BD9-81ED-4DB2-BD59-A6C34878D82A}">
+                    <a16:rowId xmlns:a16="http://schemas.microsoft.com/office/drawing/2014/main" val="2129463884"/>
+                  </a:ext>
+                </a:extLst>
+              </a:tr>
+              <a:tr h="370840">
+                <a:tc>
+                  <a:txBody>
+                    <a:bodyPr/>
+                    <a:lstStyle/>
+                    <a:p>
+                      <a:r>
+                        <a:rPr lang="en-US" sz="2000" dirty="0"/>
+                        <a:t>T</a:t>
+                      </a:r>
+                      <a:endParaRPr lang="th-TH" sz="2000" dirty="0"/>
+                    </a:p>
+                  </a:txBody>
+                  <a:tcPr/>
+                </a:tc>
+                <a:tc>
+                  <a:txBody>
+                    <a:bodyPr/>
+                    <a:lstStyle/>
+                    <a:p>
+                      <a:r>
+                        <a:rPr lang="en-US" sz="2000" dirty="0"/>
+                        <a:t>T</a:t>
+                      </a:r>
+                      <a:endParaRPr lang="th-TH" sz="2000" dirty="0"/>
+                    </a:p>
+                  </a:txBody>
+                  <a:tcPr/>
+                </a:tc>
+                <a:tc>
+                  <a:txBody>
+                    <a:bodyPr/>
+                    <a:lstStyle/>
+                    <a:p>
+                      <a:r>
+                        <a:rPr lang="en-US" sz="2000" b="1" dirty="0"/>
+                        <a:t>T</a:t>
+                      </a:r>
+                      <a:endParaRPr lang="th-TH" sz="2000" b="1" dirty="0"/>
+                    </a:p>
+                  </a:txBody>
+                  <a:tcPr/>
+                </a:tc>
+                <a:tc>
+                  <a:txBody>
+                    <a:bodyPr/>
+                    <a:lstStyle/>
+                    <a:p>
+                      <a:r>
+                        <a:rPr lang="en-US" sz="2000" dirty="0"/>
+                        <a:t>T</a:t>
+                      </a:r>
+                      <a:endParaRPr lang="th-TH" sz="2000" dirty="0"/>
+                    </a:p>
+                  </a:txBody>
+                  <a:tcPr/>
+                </a:tc>
+                <a:tc>
+                  <a:txBody>
+                    <a:bodyPr/>
+                    <a:lstStyle/>
+                    <a:p>
+                      <a:r>
+                        <a:rPr lang="en-US" sz="2000" dirty="0">
+                          <a:solidFill>
+                            <a:srgbClr val="C00000"/>
+                          </a:solidFill>
+                        </a:rPr>
+                        <a:t>F</a:t>
+                      </a:r>
+                      <a:endParaRPr lang="th-TH" sz="2000" dirty="0">
+                        <a:solidFill>
+                          <a:srgbClr val="C00000"/>
+                        </a:solidFill>
+                      </a:endParaRPr>
+                    </a:p>
+                  </a:txBody>
+                  <a:tcPr/>
+                </a:tc>
+                <a:tc>
+                  <a:txBody>
+                    <a:bodyPr/>
+                    <a:lstStyle/>
+                    <a:p>
+                      <a:r>
+                        <a:rPr lang="en-US" sz="2000" dirty="0"/>
+                        <a:t>T</a:t>
+                      </a:r>
+                      <a:endParaRPr lang="th-TH" sz="2000" dirty="0"/>
+                    </a:p>
+                  </a:txBody>
+                  <a:tcPr/>
+                </a:tc>
+                <a:tc>
+                  <a:txBody>
+                    <a:bodyPr/>
+                    <a:lstStyle/>
+                    <a:p>
+                      <a:r>
+                        <a:rPr lang="en-US" sz="2000" dirty="0">
+                          <a:solidFill>
+                            <a:srgbClr val="C00000"/>
+                          </a:solidFill>
+                        </a:rPr>
+                        <a:t>F</a:t>
+                      </a:r>
+                      <a:endParaRPr lang="th-TH" sz="2000" dirty="0">
+                        <a:solidFill>
+                          <a:srgbClr val="C00000"/>
+                        </a:solidFill>
+                      </a:endParaRPr>
+                    </a:p>
+                  </a:txBody>
+                  <a:tcPr/>
+                </a:tc>
+                <a:tc>
+                  <a:txBody>
+                    <a:bodyPr/>
+                    <a:lstStyle/>
+                    <a:p>
+                      <a:endParaRPr lang="th-TH" sz="2000" dirty="0"/>
+                    </a:p>
+                  </a:txBody>
+                  <a:tcPr/>
+                </a:tc>
+                <a:extLst>
+                  <a:ext uri="{0D108BD9-81ED-4DB2-BD59-A6C34878D82A}">
+                    <a16:rowId xmlns:a16="http://schemas.microsoft.com/office/drawing/2014/main" val="2239925319"/>
+                  </a:ext>
+                </a:extLst>
+              </a:tr>
+            </a:tbl>
+          </a:graphicData>
+        </a:graphic>
+      </p:graphicFrame>
+      <mc:AlternateContent xmlns:mc="http://schemas.openxmlformats.org/markup-compatibility/2006" xmlns:a14="http://schemas.microsoft.com/office/drawing/2010/main">
+        <mc:Choice Requires="a14">
+          <p:sp>
+            <p:nvSpPr>
+              <p:cNvPr id="10" name="TextBox 9">
+                <a:extLst>
+                  <a:ext uri="{FF2B5EF4-FFF2-40B4-BE49-F238E27FC236}">
+                    <a16:creationId xmlns:a16="http://schemas.microsoft.com/office/drawing/2014/main" id="{FA663562-6189-4873-9EA1-A278D8EBF027}"/>
+                  </a:ext>
+                </a:extLst>
+              </p:cNvPr>
+              <p:cNvSpPr txBox="1"/>
+              <p:nvPr/>
+            </p:nvSpPr>
+            <p:spPr>
+              <a:xfrm>
+                <a:off x="4962035" y="5938684"/>
+                <a:ext cx="1133965" cy="400110"/>
+              </a:xfrm>
+              <a:prstGeom prst="rect">
+                <a:avLst/>
+              </a:prstGeom>
+              <a:noFill/>
+            </p:spPr>
+            <p:txBody>
+              <a:bodyPr wrap="none" rtlCol="0">
+                <a:spAutoFit/>
+              </a:bodyPr>
+              <a:lstStyle/>
+              <a:p>
+                <a:pPr/>
+                <a14:m>
+                  <m:oMathPara xmlns:m="http://schemas.openxmlformats.org/officeDocument/2006/math">
+                    <m:oMathParaPr>
+                      <m:jc m:val="centerGroup"/>
+                    </m:oMathParaPr>
+                    <m:oMath xmlns:m="http://schemas.openxmlformats.org/officeDocument/2006/math">
+                      <m:r>
+                        <a:rPr lang="en-US" sz="2000" b="0" i="1" smtClean="0">
+                          <a:latin typeface="Cambria Math" panose="02040503050406030204" pitchFamily="18" charset="0"/>
+                        </a:rPr>
+                        <m:t>𝐾𝐵</m:t>
+                      </m:r>
+                      <m:r>
+                        <a:rPr lang="th-TH" sz="2000" b="0" i="1" smtClean="0">
+                          <a:latin typeface="Cambria Math" panose="02040503050406030204" pitchFamily="18" charset="0"/>
+                        </a:rPr>
+                        <m:t> </m:t>
+                      </m:r>
+                      <m:r>
+                        <m:rPr>
+                          <m:nor/>
+                        </m:rPr>
+                        <a:rPr lang="th-TH" sz="2000"/>
+                        <m:t>⊨</m:t>
+                      </m:r>
+                      <m:r>
+                        <m:rPr>
+                          <m:nor/>
+                        </m:rPr>
+                        <a:rPr lang="th-TH" sz="2000" b="0" i="0" smtClean="0"/>
+                        <m:t> </m:t>
+                      </m:r>
+                      <m:sSub>
+                        <m:sSubPr>
+                          <m:ctrlPr>
+                            <a:rPr lang="en-US" sz="2000" b="0" i="1" smtClean="0">
+                              <a:latin typeface="Cambria Math" panose="02040503050406030204" pitchFamily="18" charset="0"/>
+                              <a:ea typeface="Cambria Math" panose="02040503050406030204" pitchFamily="18" charset="0"/>
+                            </a:rPr>
+                          </m:ctrlPr>
+                        </m:sSubPr>
+                        <m:e>
+                          <m:r>
+                            <m:rPr>
+                              <m:sty m:val="p"/>
+                            </m:rPr>
+                            <a:rPr lang="el-GR" sz="2000" b="0" i="1" smtClean="0">
+                              <a:latin typeface="Cambria Math" panose="02040503050406030204" pitchFamily="18" charset="0"/>
+                              <a:ea typeface="Cambria Math" panose="02040503050406030204" pitchFamily="18" charset="0"/>
+                            </a:rPr>
+                            <m:t>α</m:t>
+                          </m:r>
+                        </m:e>
+                        <m:sub>
+                          <m:r>
+                            <a:rPr lang="en-US" sz="2000" b="0" i="1" smtClean="0">
+                              <a:latin typeface="Cambria Math" panose="02040503050406030204" pitchFamily="18" charset="0"/>
+                              <a:ea typeface="Cambria Math" panose="02040503050406030204" pitchFamily="18" charset="0"/>
+                            </a:rPr>
+                            <m:t>1</m:t>
+                          </m:r>
+                        </m:sub>
+                      </m:sSub>
+                    </m:oMath>
+                  </m:oMathPara>
+                </a14:m>
+                <a:endParaRPr lang="th-TH" sz="2000" dirty="0"/>
+              </a:p>
+            </p:txBody>
+          </p:sp>
+        </mc:Choice>
+        <mc:Fallback xmlns="">
+          <p:sp>
+            <p:nvSpPr>
+              <p:cNvPr id="10" name="TextBox 9">
+                <a:extLst>
+                  <a:ext uri="{FF2B5EF4-FFF2-40B4-BE49-F238E27FC236}">
+                    <a16:creationId xmlns:a16="http://schemas.microsoft.com/office/drawing/2014/main" id="{FA663562-6189-4873-9EA1-A278D8EBF027}"/>
+                  </a:ext>
+                </a:extLst>
+              </p:cNvPr>
+              <p:cNvSpPr txBox="1">
+                <a:spLocks noRot="1" noChangeAspect="1" noMove="1" noResize="1" noEditPoints="1" noAdjustHandles="1" noChangeArrowheads="1" noChangeShapeType="1" noTextEdit="1"/>
+              </p:cNvSpPr>
+              <p:nvPr/>
+            </p:nvSpPr>
+            <p:spPr>
+              <a:xfrm>
+                <a:off x="4962035" y="5938684"/>
+                <a:ext cx="1133965" cy="400110"/>
+              </a:xfrm>
+              <a:prstGeom prst="rect">
+                <a:avLst/>
+              </a:prstGeom>
+              <a:blipFill>
+                <a:blip r:embed="rId3"/>
+                <a:stretch>
+                  <a:fillRect/>
+                </a:stretch>
+              </a:blipFill>
+            </p:spPr>
+            <p:txBody>
+              <a:bodyPr/>
+              <a:lstStyle/>
+              <a:p>
+                <a:r>
+                  <a:rPr lang="th-TH">
+                    <a:noFill/>
+                  </a:rPr>
+                  <a:t> </a:t>
+                </a:r>
+              </a:p>
+            </p:txBody>
+          </p:sp>
+        </mc:Fallback>
+      </mc:AlternateContent>
+      <mc:AlternateContent xmlns:mc="http://schemas.openxmlformats.org/markup-compatibility/2006" xmlns:a14="http://schemas.microsoft.com/office/drawing/2010/main">
+        <mc:Choice Requires="a14">
+          <p:sp>
+            <p:nvSpPr>
+              <p:cNvPr id="11" name="TextBox 10">
+                <a:extLst>
+                  <a:ext uri="{FF2B5EF4-FFF2-40B4-BE49-F238E27FC236}">
+                    <a16:creationId xmlns:a16="http://schemas.microsoft.com/office/drawing/2014/main" id="{688F1E88-2407-42E0-B068-6836BA88837E}"/>
+                  </a:ext>
+                </a:extLst>
+              </p:cNvPr>
+              <p:cNvSpPr txBox="1"/>
+              <p:nvPr/>
+            </p:nvSpPr>
+            <p:spPr>
+              <a:xfrm>
+                <a:off x="6190200" y="5944319"/>
+                <a:ext cx="1133066" cy="400110"/>
+              </a:xfrm>
+              <a:prstGeom prst="rect">
+                <a:avLst/>
+              </a:prstGeom>
+              <a:noFill/>
+            </p:spPr>
+            <p:txBody>
+              <a:bodyPr wrap="none" rtlCol="0">
+                <a:spAutoFit/>
+              </a:bodyPr>
+              <a:lstStyle/>
+              <a:p>
+                <a:pPr/>
+                <a14:m>
+                  <m:oMathPara xmlns:m="http://schemas.openxmlformats.org/officeDocument/2006/math">
+                    <m:oMathParaPr>
+                      <m:jc m:val="centerGroup"/>
+                    </m:oMathParaPr>
+                    <m:oMath xmlns:m="http://schemas.openxmlformats.org/officeDocument/2006/math">
+                      <m:r>
+                        <a:rPr lang="en-US" sz="2000" b="0" i="1" smtClean="0">
+                          <a:latin typeface="Cambria Math" panose="02040503050406030204" pitchFamily="18" charset="0"/>
+                        </a:rPr>
+                        <m:t>𝐾𝐵</m:t>
+                      </m:r>
+                      <m:r>
+                        <m:rPr>
+                          <m:nor/>
+                        </m:rPr>
+                        <a:rPr lang="th-TH" sz="2000" b="0" i="0" smtClean="0">
+                          <a:latin typeface="Cambria Math" panose="02040503050406030204" pitchFamily="18" charset="0"/>
+                        </a:rPr>
+                        <m:t> </m:t>
+                      </m:r>
+                      <m:r>
+                        <m:rPr>
+                          <m:nor/>
+                        </m:rPr>
+                        <a:rPr lang="th-TH" sz="2000"/>
+                        <m:t>⊭</m:t>
+                      </m:r>
+                      <m:r>
+                        <a:rPr lang="th-TH" sz="2000" b="0" i="1" smtClean="0">
+                          <a:latin typeface="Cambria Math" panose="02040503050406030204" pitchFamily="18" charset="0"/>
+                        </a:rPr>
+                        <m:t> </m:t>
+                      </m:r>
+                      <m:sSub>
+                        <m:sSubPr>
+                          <m:ctrlPr>
+                            <a:rPr lang="en-US" sz="2000" b="0" i="1" smtClean="0">
+                              <a:latin typeface="Cambria Math" panose="02040503050406030204" pitchFamily="18" charset="0"/>
+                              <a:ea typeface="Cambria Math" panose="02040503050406030204" pitchFamily="18" charset="0"/>
+                            </a:rPr>
+                          </m:ctrlPr>
+                        </m:sSubPr>
+                        <m:e>
+                          <m:r>
+                            <m:rPr>
+                              <m:sty m:val="p"/>
+                            </m:rPr>
+                            <a:rPr lang="el-GR" sz="2000" b="0" i="1" smtClean="0">
+                              <a:latin typeface="Cambria Math" panose="02040503050406030204" pitchFamily="18" charset="0"/>
+                              <a:ea typeface="Cambria Math" panose="02040503050406030204" pitchFamily="18" charset="0"/>
+                            </a:rPr>
+                            <m:t>α</m:t>
+                          </m:r>
+                        </m:e>
+                        <m:sub>
+                          <m:r>
+                            <a:rPr lang="en-US" sz="2000" b="0" i="1" smtClean="0">
+                              <a:latin typeface="Cambria Math" panose="02040503050406030204" pitchFamily="18" charset="0"/>
+                              <a:ea typeface="Cambria Math" panose="02040503050406030204" pitchFamily="18" charset="0"/>
+                            </a:rPr>
+                            <m:t>2</m:t>
+                          </m:r>
+                        </m:sub>
+                      </m:sSub>
+                    </m:oMath>
+                  </m:oMathPara>
+                </a14:m>
+                <a:endParaRPr lang="th-TH" sz="2000" dirty="0"/>
+              </a:p>
+            </p:txBody>
+          </p:sp>
+        </mc:Choice>
+        <mc:Fallback xmlns="">
+          <p:sp>
+            <p:nvSpPr>
+              <p:cNvPr id="11" name="TextBox 10">
+                <a:extLst>
+                  <a:ext uri="{FF2B5EF4-FFF2-40B4-BE49-F238E27FC236}">
+                    <a16:creationId xmlns:a16="http://schemas.microsoft.com/office/drawing/2014/main" id="{688F1E88-2407-42E0-B068-6836BA88837E}"/>
+                  </a:ext>
+                </a:extLst>
+              </p:cNvPr>
+              <p:cNvSpPr txBox="1">
+                <a:spLocks noRot="1" noChangeAspect="1" noMove="1" noResize="1" noEditPoints="1" noAdjustHandles="1" noChangeArrowheads="1" noChangeShapeType="1" noTextEdit="1"/>
+              </p:cNvSpPr>
+              <p:nvPr/>
+            </p:nvSpPr>
+            <p:spPr>
+              <a:xfrm>
+                <a:off x="6190200" y="5944319"/>
+                <a:ext cx="1133066" cy="400110"/>
+              </a:xfrm>
+              <a:prstGeom prst="rect">
+                <a:avLst/>
+              </a:prstGeom>
+              <a:blipFill>
+                <a:blip r:embed="rId4"/>
+                <a:stretch>
+                  <a:fillRect/>
+                </a:stretch>
+              </a:blipFill>
+            </p:spPr>
+            <p:txBody>
+              <a:bodyPr/>
+              <a:lstStyle/>
+              <a:p>
+                <a:r>
+                  <a:rPr lang="th-TH">
+                    <a:noFill/>
+                  </a:rPr>
+                  <a:t> </a:t>
+                </a:r>
+              </a:p>
+            </p:txBody>
+          </p:sp>
+        </mc:Fallback>
+      </mc:AlternateContent>
+      <mc:AlternateContent xmlns:mc="http://schemas.openxmlformats.org/markup-compatibility/2006" xmlns:a14="http://schemas.microsoft.com/office/drawing/2010/main">
+        <mc:Choice Requires="a14">
+          <p:sp>
+            <p:nvSpPr>
+              <p:cNvPr id="13" name="TextBox 12">
+                <a:extLst>
+                  <a:ext uri="{FF2B5EF4-FFF2-40B4-BE49-F238E27FC236}">
+                    <a16:creationId xmlns:a16="http://schemas.microsoft.com/office/drawing/2014/main" id="{AA7A3484-2826-4A1C-A64E-875826CEE973}"/>
+                  </a:ext>
+                </a:extLst>
+              </p:cNvPr>
+              <p:cNvSpPr txBox="1"/>
+              <p:nvPr/>
+            </p:nvSpPr>
+            <p:spPr>
+              <a:xfrm>
+                <a:off x="7597659" y="5938684"/>
+                <a:ext cx="1133067" cy="400110"/>
+              </a:xfrm>
+              <a:prstGeom prst="rect">
+                <a:avLst/>
+              </a:prstGeom>
+              <a:noFill/>
+            </p:spPr>
+            <p:txBody>
+              <a:bodyPr wrap="none" rtlCol="0">
+                <a:spAutoFit/>
+              </a:bodyPr>
+              <a:lstStyle/>
+              <a:p>
+                <a:pPr/>
+                <a14:m>
+                  <m:oMathPara xmlns:m="http://schemas.openxmlformats.org/officeDocument/2006/math">
+                    <m:oMathParaPr>
+                      <m:jc m:val="centerGroup"/>
+                    </m:oMathParaPr>
+                    <m:oMath xmlns:m="http://schemas.openxmlformats.org/officeDocument/2006/math">
+                      <m:r>
+                        <a:rPr lang="en-US" sz="2000" b="0" i="1" smtClean="0">
+                          <a:latin typeface="Cambria Math" panose="02040503050406030204" pitchFamily="18" charset="0"/>
+                        </a:rPr>
+                        <m:t>𝐾𝐵</m:t>
+                      </m:r>
+                      <m:r>
+                        <m:rPr>
+                          <m:nor/>
+                        </m:rPr>
+                        <a:rPr lang="th-TH" sz="2000" b="0" i="0" smtClean="0">
+                          <a:latin typeface="Cambria Math" panose="02040503050406030204" pitchFamily="18" charset="0"/>
+                        </a:rPr>
+                        <m:t> </m:t>
+                      </m:r>
+                      <m:r>
+                        <m:rPr>
+                          <m:nor/>
+                        </m:rPr>
+                        <a:rPr lang="th-TH" sz="2000"/>
+                        <m:t>⊭</m:t>
+                      </m:r>
+                      <m:r>
+                        <a:rPr lang="th-TH" sz="2000" b="0" i="1" smtClean="0">
+                          <a:latin typeface="Cambria Math" panose="02040503050406030204" pitchFamily="18" charset="0"/>
+                        </a:rPr>
+                        <m:t> </m:t>
+                      </m:r>
+                      <m:sSub>
+                        <m:sSubPr>
+                          <m:ctrlPr>
+                            <a:rPr lang="en-US" sz="2000" b="0" i="1" smtClean="0">
+                              <a:latin typeface="Cambria Math" panose="02040503050406030204" pitchFamily="18" charset="0"/>
+                              <a:ea typeface="Cambria Math" panose="02040503050406030204" pitchFamily="18" charset="0"/>
+                            </a:rPr>
+                          </m:ctrlPr>
+                        </m:sSubPr>
+                        <m:e>
+                          <m:r>
+                            <m:rPr>
+                              <m:sty m:val="p"/>
+                            </m:rPr>
+                            <a:rPr lang="el-GR" sz="2000" b="0" i="1" smtClean="0">
+                              <a:latin typeface="Cambria Math" panose="02040503050406030204" pitchFamily="18" charset="0"/>
+                              <a:ea typeface="Cambria Math" panose="02040503050406030204" pitchFamily="18" charset="0"/>
+                            </a:rPr>
+                            <m:t>α</m:t>
+                          </m:r>
+                        </m:e>
+                        <m:sub>
+                          <m:r>
+                            <a:rPr lang="en-US" sz="2000" b="0" i="1" smtClean="0">
+                              <a:latin typeface="Cambria Math" panose="02040503050406030204" pitchFamily="18" charset="0"/>
+                              <a:ea typeface="Cambria Math" panose="02040503050406030204" pitchFamily="18" charset="0"/>
+                            </a:rPr>
+                            <m:t>3</m:t>
+                          </m:r>
+                        </m:sub>
+                      </m:sSub>
+                    </m:oMath>
+                  </m:oMathPara>
+                </a14:m>
+                <a:endParaRPr lang="th-TH" sz="2000" dirty="0"/>
+              </a:p>
+            </p:txBody>
+          </p:sp>
+        </mc:Choice>
+        <mc:Fallback xmlns="">
+          <p:sp>
+            <p:nvSpPr>
+              <p:cNvPr id="13" name="TextBox 12">
+                <a:extLst>
+                  <a:ext uri="{FF2B5EF4-FFF2-40B4-BE49-F238E27FC236}">
+                    <a16:creationId xmlns:a16="http://schemas.microsoft.com/office/drawing/2014/main" id="{AA7A3484-2826-4A1C-A64E-875826CEE973}"/>
+                  </a:ext>
+                </a:extLst>
+              </p:cNvPr>
+              <p:cNvSpPr txBox="1">
+                <a:spLocks noRot="1" noChangeAspect="1" noMove="1" noResize="1" noEditPoints="1" noAdjustHandles="1" noChangeArrowheads="1" noChangeShapeType="1" noTextEdit="1"/>
+              </p:cNvSpPr>
+              <p:nvPr/>
+            </p:nvSpPr>
+            <p:spPr>
+              <a:xfrm>
+                <a:off x="7597659" y="5938684"/>
+                <a:ext cx="1133067" cy="400110"/>
+              </a:xfrm>
+              <a:prstGeom prst="rect">
+                <a:avLst/>
+              </a:prstGeom>
+              <a:blipFill>
+                <a:blip r:embed="rId5"/>
+                <a:stretch>
+                  <a:fillRect/>
+                </a:stretch>
+              </a:blipFill>
+            </p:spPr>
+            <p:txBody>
+              <a:bodyPr/>
+              <a:lstStyle/>
+              <a:p>
+                <a:r>
+                  <a:rPr lang="th-TH">
+                    <a:noFill/>
+                  </a:rPr>
+                  <a:t> </a:t>
+                </a:r>
+              </a:p>
+            </p:txBody>
+          </p:sp>
+        </mc:Fallback>
+      </mc:AlternateContent>
+      <mc:AlternateContent xmlns:mc="http://schemas.openxmlformats.org/markup-compatibility/2006" xmlns:a14="http://schemas.microsoft.com/office/drawing/2010/main">
+        <mc:Choice Requires="a14">
+          <p:sp>
+            <p:nvSpPr>
+              <p:cNvPr id="14" name="TextBox 13">
+                <a:extLst>
+                  <a:ext uri="{FF2B5EF4-FFF2-40B4-BE49-F238E27FC236}">
+                    <a16:creationId xmlns:a16="http://schemas.microsoft.com/office/drawing/2014/main" id="{3F4E8D61-8713-44F3-B5E2-F492E50038B9}"/>
+                  </a:ext>
+                </a:extLst>
+              </p:cNvPr>
+              <p:cNvSpPr txBox="1"/>
+              <p:nvPr/>
+            </p:nvSpPr>
+            <p:spPr>
+              <a:xfrm>
+                <a:off x="9005119" y="5938684"/>
+                <a:ext cx="1133067" cy="400110"/>
+              </a:xfrm>
+              <a:prstGeom prst="rect">
+                <a:avLst/>
+              </a:prstGeom>
+              <a:noFill/>
+            </p:spPr>
+            <p:txBody>
+              <a:bodyPr wrap="none" rtlCol="0">
+                <a:spAutoFit/>
+              </a:bodyPr>
+              <a:lstStyle/>
+              <a:p>
+                <a:pPr/>
+                <a14:m>
+                  <m:oMathPara xmlns:m="http://schemas.openxmlformats.org/officeDocument/2006/math">
+                    <m:oMathParaPr>
+                      <m:jc m:val="centerGroup"/>
+                    </m:oMathParaPr>
+                    <m:oMath xmlns:m="http://schemas.openxmlformats.org/officeDocument/2006/math">
+                      <m:r>
+                        <a:rPr lang="en-US" sz="2000" b="0" i="1" smtClean="0">
+                          <a:latin typeface="Cambria Math" panose="02040503050406030204" pitchFamily="18" charset="0"/>
+                        </a:rPr>
+                        <m:t>𝐾𝐵</m:t>
+                      </m:r>
+                      <m:r>
+                        <m:rPr>
+                          <m:nor/>
+                        </m:rPr>
+                        <a:rPr lang="th-TH" sz="2000" b="0" i="0" smtClean="0">
+                          <a:latin typeface="Cambria Math" panose="02040503050406030204" pitchFamily="18" charset="0"/>
+                        </a:rPr>
+                        <m:t> </m:t>
+                      </m:r>
+                      <m:r>
+                        <m:rPr>
+                          <m:nor/>
+                        </m:rPr>
+                        <a:rPr lang="th-TH" sz="2000"/>
+                        <m:t>⊭</m:t>
+                      </m:r>
+                      <m:r>
+                        <a:rPr lang="th-TH" sz="2000" b="0" i="1" smtClean="0">
+                          <a:latin typeface="Cambria Math" panose="02040503050406030204" pitchFamily="18" charset="0"/>
+                        </a:rPr>
+                        <m:t> </m:t>
+                      </m:r>
+                      <m:sSub>
+                        <m:sSubPr>
+                          <m:ctrlPr>
+                            <a:rPr lang="en-US" sz="2000" b="0" i="1" smtClean="0">
+                              <a:latin typeface="Cambria Math" panose="02040503050406030204" pitchFamily="18" charset="0"/>
+                              <a:ea typeface="Cambria Math" panose="02040503050406030204" pitchFamily="18" charset="0"/>
+                            </a:rPr>
+                          </m:ctrlPr>
+                        </m:sSubPr>
+                        <m:e>
+                          <m:r>
+                            <m:rPr>
+                              <m:sty m:val="p"/>
+                            </m:rPr>
+                            <a:rPr lang="el-GR" sz="2000" b="0" i="1" smtClean="0">
+                              <a:latin typeface="Cambria Math" panose="02040503050406030204" pitchFamily="18" charset="0"/>
+                              <a:ea typeface="Cambria Math" panose="02040503050406030204" pitchFamily="18" charset="0"/>
+                            </a:rPr>
+                            <m:t>α</m:t>
+                          </m:r>
+                        </m:e>
+                        <m:sub>
+                          <m:r>
+                            <a:rPr lang="en-US" sz="2000" b="0" i="1" smtClean="0">
+                              <a:latin typeface="Cambria Math" panose="02040503050406030204" pitchFamily="18" charset="0"/>
+                              <a:ea typeface="Cambria Math" panose="02040503050406030204" pitchFamily="18" charset="0"/>
+                            </a:rPr>
+                            <m:t>4</m:t>
+                          </m:r>
+                        </m:sub>
+                      </m:sSub>
+                    </m:oMath>
+                  </m:oMathPara>
+                </a14:m>
+                <a:endParaRPr lang="th-TH" sz="2000" dirty="0"/>
+              </a:p>
+            </p:txBody>
+          </p:sp>
+        </mc:Choice>
+        <mc:Fallback xmlns="">
+          <p:sp>
+            <p:nvSpPr>
+              <p:cNvPr id="14" name="TextBox 13">
+                <a:extLst>
+                  <a:ext uri="{FF2B5EF4-FFF2-40B4-BE49-F238E27FC236}">
+                    <a16:creationId xmlns:a16="http://schemas.microsoft.com/office/drawing/2014/main" id="{3F4E8D61-8713-44F3-B5E2-F492E50038B9}"/>
+                  </a:ext>
+                </a:extLst>
+              </p:cNvPr>
+              <p:cNvSpPr txBox="1">
+                <a:spLocks noRot="1" noChangeAspect="1" noMove="1" noResize="1" noEditPoints="1" noAdjustHandles="1" noChangeArrowheads="1" noChangeShapeType="1" noTextEdit="1"/>
+              </p:cNvSpPr>
+              <p:nvPr/>
+            </p:nvSpPr>
+            <p:spPr>
+              <a:xfrm>
+                <a:off x="9005119" y="5938684"/>
+                <a:ext cx="1133067" cy="400110"/>
+              </a:xfrm>
+              <a:prstGeom prst="rect">
+                <a:avLst/>
+              </a:prstGeom>
+              <a:blipFill>
+                <a:blip r:embed="rId6"/>
+                <a:stretch>
+                  <a:fillRect/>
+                </a:stretch>
+              </a:blipFill>
+            </p:spPr>
+            <p:txBody>
+              <a:bodyPr/>
+              <a:lstStyle/>
+              <a:p>
+                <a:r>
+                  <a:rPr lang="th-TH">
+                    <a:noFill/>
+                  </a:rPr>
+                  <a:t> </a:t>
+                </a:r>
+              </a:p>
+            </p:txBody>
+          </p:sp>
+        </mc:Fallback>
+      </mc:AlternateContent>
+      <p:sp>
+        <p:nvSpPr>
+          <p:cNvPr id="15" name="Right Brace 14">
+            <a:extLst>
+              <a:ext uri="{FF2B5EF4-FFF2-40B4-BE49-F238E27FC236}">
+                <a16:creationId xmlns:a16="http://schemas.microsoft.com/office/drawing/2014/main" id="{9AE82AF0-46E4-481F-94A4-19380EE70973}"/>
+              </a:ext>
+            </a:extLst>
+          </p:cNvPr>
+          <p:cNvSpPr/>
+          <p:nvPr/>
+        </p:nvSpPr>
+        <p:spPr>
+          <a:xfrm>
+            <a:off x="10255624" y="4303059"/>
+            <a:ext cx="224117" cy="1538079"/>
+          </a:xfrm>
+          <a:prstGeom prst="rightBrace">
+            <a:avLst>
+              <a:gd name="adj1" fmla="val 8333"/>
+              <a:gd name="adj2" fmla="val 52331"/>
+            </a:avLst>
+          </a:prstGeom>
+          <a:ln w="28575">
+            <a:solidFill>
+              <a:srgbClr val="602E04"/>
+            </a:solidFill>
+          </a:ln>
+        </p:spPr>
+        <p:style>
+          <a:lnRef idx="1">
+            <a:schemeClr val="accent1"/>
+          </a:lnRef>
+          <a:fillRef idx="0">
+            <a:schemeClr val="accent1"/>
+          </a:fillRef>
+          <a:effectRef idx="0">
+            <a:schemeClr val="accent1"/>
+          </a:effectRef>
+          <a:fontRef idx="minor">
+            <a:schemeClr val="tx1"/>
+          </a:fontRef>
+        </p:style>
+        <p:txBody>
+          <a:bodyPr rtlCol="0" anchor="ctr"/>
+          <a:lstStyle/>
+          <a:p>
+            <a:pPr algn="ctr"/>
+            <a:endParaRPr lang="th-TH"/>
+          </a:p>
+        </p:txBody>
+      </p:sp>
+      <mc:AlternateContent xmlns:mc="http://schemas.openxmlformats.org/markup-compatibility/2006" xmlns:a14="http://schemas.microsoft.com/office/drawing/2010/main">
+        <mc:Choice Requires="a14">
+          <p:sp>
+            <p:nvSpPr>
+              <p:cNvPr id="16" name="TextBox 15">
+                <a:extLst>
+                  <a:ext uri="{FF2B5EF4-FFF2-40B4-BE49-F238E27FC236}">
+                    <a16:creationId xmlns:a16="http://schemas.microsoft.com/office/drawing/2014/main" id="{24C8064F-9F40-4CCD-A1A5-6CAE1A03A98A}"/>
+                  </a:ext>
+                </a:extLst>
+              </p:cNvPr>
+              <p:cNvSpPr txBox="1"/>
+              <p:nvPr/>
+            </p:nvSpPr>
+            <p:spPr>
+              <a:xfrm>
+                <a:off x="10535075" y="4765665"/>
+                <a:ext cx="992043" cy="461665"/>
+              </a:xfrm>
+              <a:prstGeom prst="rect">
+                <a:avLst/>
+              </a:prstGeom>
+              <a:noFill/>
+            </p:spPr>
+            <p:txBody>
+              <a:bodyPr wrap="square" rtlCol="0">
+                <a:spAutoFit/>
+              </a:bodyPr>
+              <a:lstStyle/>
+              <a:p>
+                <a:pPr/>
+                <a14:m>
+                  <m:oMathPara xmlns:m="http://schemas.openxmlformats.org/officeDocument/2006/math">
+                    <m:oMathParaPr>
+                      <m:jc m:val="centerGroup"/>
+                    </m:oMathParaPr>
+                    <m:oMath xmlns:m="http://schemas.openxmlformats.org/officeDocument/2006/math">
+                      <m:r>
+                        <a:rPr lang="en-US" sz="2400" b="0" i="1" smtClean="0">
+                          <a:latin typeface="Cambria Math" panose="02040503050406030204" pitchFamily="18" charset="0"/>
+                        </a:rPr>
+                        <m:t>𝑂</m:t>
+                      </m:r>
+                      <m:r>
+                        <a:rPr lang="en-US" sz="2400" b="0" i="1" smtClean="0">
+                          <a:latin typeface="Cambria Math" panose="02040503050406030204" pitchFamily="18" charset="0"/>
+                        </a:rPr>
+                        <m:t>(</m:t>
+                      </m:r>
+                      <m:sSup>
+                        <m:sSupPr>
+                          <m:ctrlPr>
+                            <a:rPr lang="en-US" sz="2400" b="0" i="1" smtClean="0">
+                              <a:latin typeface="Cambria Math" panose="02040503050406030204" pitchFamily="18" charset="0"/>
+                            </a:rPr>
+                          </m:ctrlPr>
+                        </m:sSupPr>
+                        <m:e>
+                          <m:r>
+                            <a:rPr lang="en-US" sz="2400" b="0" i="1" smtClean="0">
+                              <a:latin typeface="Cambria Math" panose="02040503050406030204" pitchFamily="18" charset="0"/>
+                            </a:rPr>
+                            <m:t>2</m:t>
+                          </m:r>
+                        </m:e>
+                        <m:sup>
+                          <m:r>
+                            <a:rPr lang="en-US" sz="2400" b="0" i="1" smtClean="0">
+                              <a:latin typeface="Cambria Math" panose="02040503050406030204" pitchFamily="18" charset="0"/>
+                            </a:rPr>
+                            <m:t>𝑛</m:t>
+                          </m:r>
+                        </m:sup>
+                      </m:sSup>
+                      <m:r>
+                        <a:rPr lang="en-US" sz="2400" b="0" i="1" smtClean="0">
+                          <a:latin typeface="Cambria Math" panose="02040503050406030204" pitchFamily="18" charset="0"/>
+                        </a:rPr>
+                        <m:t>)</m:t>
+                      </m:r>
+                    </m:oMath>
+                  </m:oMathPara>
+                </a14:m>
+                <a:endParaRPr lang="th-TH" sz="2400" dirty="0"/>
+              </a:p>
+            </p:txBody>
+          </p:sp>
+        </mc:Choice>
+        <mc:Fallback xmlns="">
+          <p:sp>
+            <p:nvSpPr>
+              <p:cNvPr id="16" name="TextBox 15">
+                <a:extLst>
+                  <a:ext uri="{FF2B5EF4-FFF2-40B4-BE49-F238E27FC236}">
+                    <a16:creationId xmlns:a16="http://schemas.microsoft.com/office/drawing/2014/main" id="{24C8064F-9F40-4CCD-A1A5-6CAE1A03A98A}"/>
+                  </a:ext>
+                </a:extLst>
+              </p:cNvPr>
+              <p:cNvSpPr txBox="1">
+                <a:spLocks noRot="1" noChangeAspect="1" noMove="1" noResize="1" noEditPoints="1" noAdjustHandles="1" noChangeArrowheads="1" noChangeShapeType="1" noTextEdit="1"/>
+              </p:cNvSpPr>
+              <p:nvPr/>
+            </p:nvSpPr>
+            <p:spPr>
+              <a:xfrm>
+                <a:off x="10535075" y="4765665"/>
+                <a:ext cx="992043" cy="461665"/>
+              </a:xfrm>
+              <a:prstGeom prst="rect">
+                <a:avLst/>
+              </a:prstGeom>
+              <a:blipFill>
+                <a:blip r:embed="rId7"/>
+                <a:stretch>
+                  <a:fillRect l="-613" r="-5521" b="-10526"/>
+                </a:stretch>
+              </a:blipFill>
+            </p:spPr>
+            <p:txBody>
+              <a:bodyPr/>
+              <a:lstStyle/>
+              <a:p>
+                <a:r>
+                  <a:rPr lang="th-TH">
+                    <a:noFill/>
+                  </a:rPr>
+                  <a:t> </a:t>
+                </a:r>
+              </a:p>
+            </p:txBody>
+          </p:sp>
+        </mc:Fallback>
+      </mc:AlternateContent>
+      <p:pic>
+        <p:nvPicPr>
+          <p:cNvPr id="17" name="Picture 16">
+            <a:extLst>
+              <a:ext uri="{FF2B5EF4-FFF2-40B4-BE49-F238E27FC236}">
+                <a16:creationId xmlns:a16="http://schemas.microsoft.com/office/drawing/2014/main" id="{EDBF08EF-F461-40B1-9667-FEE2F7410FE8}"/>
+              </a:ext>
+            </a:extLst>
+          </p:cNvPr>
+          <p:cNvPicPr>
+            <a:picLocks noChangeAspect="1"/>
+          </p:cNvPicPr>
+          <p:nvPr/>
+        </p:nvPicPr>
+        <p:blipFill>
+          <a:blip r:embed="rId8"/>
+          <a:stretch>
+            <a:fillRect/>
+          </a:stretch>
+        </p:blipFill>
+        <p:spPr>
+          <a:xfrm>
+            <a:off x="10138187" y="2172588"/>
+            <a:ext cx="1215614" cy="1428112"/>
+          </a:xfrm>
+          <a:prstGeom prst="rect">
+            <a:avLst/>
+          </a:prstGeom>
+        </p:spPr>
+      </p:pic>
+      <p:sp>
+        <p:nvSpPr>
+          <p:cNvPr id="9" name="TextBox 8">
+            <a:extLst>
+              <a:ext uri="{FF2B5EF4-FFF2-40B4-BE49-F238E27FC236}">
+                <a16:creationId xmlns:a16="http://schemas.microsoft.com/office/drawing/2014/main" id="{5AE8969E-1C4C-4AA7-B5BF-9BC976A0308A}"/>
+              </a:ext>
+            </a:extLst>
+          </p:cNvPr>
+          <p:cNvSpPr txBox="1"/>
+          <p:nvPr/>
+        </p:nvSpPr>
+        <p:spPr>
+          <a:xfrm>
+            <a:off x="1476462" y="1649060"/>
+            <a:ext cx="9790597" cy="461665"/>
+          </a:xfrm>
+          <a:prstGeom prst="rect">
+            <a:avLst/>
+          </a:prstGeom>
+          <a:noFill/>
+        </p:spPr>
+        <p:txBody>
+          <a:bodyPr wrap="square" rtlCol="0">
+            <a:spAutoFit/>
+          </a:bodyPr>
+          <a:lstStyle/>
+          <a:p>
+            <a:pPr algn="ctr"/>
+            <a:r>
+              <a:rPr lang="en-US" sz="2400" dirty="0">
+                <a:solidFill>
+                  <a:srgbClr val="0070C0"/>
+                </a:solidFill>
+              </a:rPr>
+              <a:t>Model checking = truth evaluation given truth values of all symbols.</a:t>
+            </a:r>
+          </a:p>
+        </p:txBody>
+      </p:sp>
+    </p:spTree>
+    <p:extLst>
+      <p:ext uri="{BB962C8B-B14F-4D97-AF65-F5344CB8AC3E}">
+        <p14:creationId xmlns:p14="http://schemas.microsoft.com/office/powerpoint/2010/main" val="1180462010"/>
+      </p:ext>
+    </p:extLst>
+  </p:cSld>
+  <p:clrMapOvr>
+    <a:masterClrMapping/>
+  </p:clrMapOvr>
+</p:sld>
+</file>
+
+<file path=ppt/slides/slide30.xml><?xml version="1.0" encoding="utf-8"?>
 <p:sld xmlns:a="http://schemas.openxmlformats.org/drawingml/2006/main" xmlns:r="http://schemas.openxmlformats.org/officeDocument/2006/relationships" xmlns:p="http://schemas.openxmlformats.org/presentationml/2006/main">
   <p:cSld>
     <p:spTree>
@@ -26348,7 +27589,7 @@
           <a:p>
             <a:fld id="{3BDBD433-A3C6-4DFF-8587-7568F60AEA6A}" type="slidenum">
               <a:rPr lang="th-TH" smtClean="0"/>
-              <a:t>31</a:t>
+              <a:t>30</a:t>
             </a:fld>
             <a:endParaRPr lang="th-TH"/>
           </a:p>
@@ -26367,7 +27608,7 @@
 </p:sld>
 </file>
 
-<file path=ppt/slides/slide32.xml><?xml version="1.0" encoding="utf-8"?>
+<file path=ppt/slides/slide31.xml><?xml version="1.0" encoding="utf-8"?>
 <p:sld xmlns:a="http://schemas.openxmlformats.org/drawingml/2006/main" xmlns:r="http://schemas.openxmlformats.org/officeDocument/2006/relationships" xmlns:p="http://schemas.openxmlformats.org/presentationml/2006/main">
   <p:cSld>
     <p:spTree>
@@ -26407,7 +27648,7 @@
           <a:p>
             <a:fld id="{3BDBD433-A3C6-4DFF-8587-7568F60AEA6A}" type="slidenum">
               <a:rPr lang="th-TH" smtClean="0"/>
-              <a:t>32</a:t>
+              <a:t>31</a:t>
             </a:fld>
             <a:endParaRPr lang="th-TH"/>
           </a:p>
@@ -27541,7 +28782,7 @@
 </p:sld>
 </file>
 
-<file path=ppt/slides/slide33.xml><?xml version="1.0" encoding="utf-8"?>
+<file path=ppt/slides/slide32.xml><?xml version="1.0" encoding="utf-8"?>
 <p:sld xmlns:a="http://schemas.openxmlformats.org/drawingml/2006/main" xmlns:r="http://schemas.openxmlformats.org/officeDocument/2006/relationships" xmlns:p="http://schemas.openxmlformats.org/presentationml/2006/main">
   <p:cSld>
     <p:spTree>
@@ -27581,7 +28822,7 @@
           <a:p>
             <a:fld id="{3BDBD433-A3C6-4DFF-8587-7568F60AEA6A}" type="slidenum">
               <a:rPr lang="th-TH" smtClean="0"/>
-              <a:t>33</a:t>
+              <a:t>32</a:t>
             </a:fld>
             <a:endParaRPr lang="th-TH"/>
           </a:p>
@@ -28842,7 +30083,7 @@
 </p:sld>
 </file>
 
-<file path=ppt/slides/slide34.xml><?xml version="1.0" encoding="utf-8"?>
+<file path=ppt/slides/slide33.xml><?xml version="1.0" encoding="utf-8"?>
 <p:sld xmlns:a="http://schemas.openxmlformats.org/drawingml/2006/main" xmlns:r="http://schemas.openxmlformats.org/officeDocument/2006/relationships" xmlns:p="http://schemas.openxmlformats.org/presentationml/2006/main">
   <p:cSld>
     <p:spTree>
@@ -28916,7 +30157,7 @@
           <a:p>
             <a:fld id="{3BDBD433-A3C6-4DFF-8587-7568F60AEA6A}" type="slidenum">
               <a:rPr lang="th-TH" smtClean="0"/>
-              <a:t>34</a:t>
+              <a:t>33</a:t>
             </a:fld>
             <a:endParaRPr lang="th-TH"/>
           </a:p>
@@ -31177,7 +32418,7 @@
 </p:sld>
 </file>
 
-<file path=ppt/slides/slide35.xml><?xml version="1.0" encoding="utf-8"?>
+<file path=ppt/slides/slide34.xml><?xml version="1.0" encoding="utf-8"?>
 <p:sld xmlns:a="http://schemas.openxmlformats.org/drawingml/2006/main" xmlns:r="http://schemas.openxmlformats.org/officeDocument/2006/relationships" xmlns:p="http://schemas.openxmlformats.org/presentationml/2006/main">
   <p:cSld>
     <p:spTree>
@@ -31251,7 +32492,7 @@
           <a:p>
             <a:fld id="{3BDBD433-A3C6-4DFF-8587-7568F60AEA6A}" type="slidenum">
               <a:rPr lang="th-TH" smtClean="0"/>
-              <a:t>35</a:t>
+              <a:t>34</a:t>
             </a:fld>
             <a:endParaRPr lang="th-TH"/>
           </a:p>
@@ -33981,7 +35222,7 @@
 </p:sld>
 </file>
 
-<file path=ppt/slides/slide36.xml><?xml version="1.0" encoding="utf-8"?>
+<file path=ppt/slides/slide35.xml><?xml version="1.0" encoding="utf-8"?>
 <p:sld xmlns:a="http://schemas.openxmlformats.org/drawingml/2006/main" xmlns:r="http://schemas.openxmlformats.org/officeDocument/2006/relationships" xmlns:p="http://schemas.openxmlformats.org/presentationml/2006/main">
   <p:cSld>
     <p:spTree>
@@ -34952,7 +36193,7 @@
           <a:p>
             <a:fld id="{3BDBD433-A3C6-4DFF-8587-7568F60AEA6A}" type="slidenum">
               <a:rPr lang="th-TH" smtClean="0"/>
-              <a:t>36</a:t>
+              <a:t>35</a:t>
             </a:fld>
             <a:endParaRPr lang="th-TH"/>
           </a:p>
@@ -35007,7 +36248,7 @@
 </p:sld>
 </file>
 
-<file path=ppt/slides/slide37.xml><?xml version="1.0" encoding="utf-8"?>
+<file path=ppt/slides/slide36.xml><?xml version="1.0" encoding="utf-8"?>
 <p:sld xmlns:a="http://schemas.openxmlformats.org/drawingml/2006/main" xmlns:r="http://schemas.openxmlformats.org/officeDocument/2006/relationships" xmlns:p="http://schemas.openxmlformats.org/presentationml/2006/main">
   <p:cSld>
     <p:spTree>
@@ -35081,7 +36322,7 @@
           <a:p>
             <a:fld id="{3BDBD433-A3C6-4DFF-8587-7568F60AEA6A}" type="slidenum">
               <a:rPr lang="th-TH" smtClean="0"/>
-              <a:t>37</a:t>
+              <a:t>36</a:t>
             </a:fld>
             <a:endParaRPr lang="th-TH"/>
           </a:p>
@@ -36827,7 +38068,7 @@
 </p:sld>
 </file>
 
-<file path=ppt/slides/slide38.xml><?xml version="1.0" encoding="utf-8"?>
+<file path=ppt/slides/slide37.xml><?xml version="1.0" encoding="utf-8"?>
 <p:sld xmlns:a="http://schemas.openxmlformats.org/drawingml/2006/main" xmlns:r="http://schemas.openxmlformats.org/officeDocument/2006/relationships" xmlns:p="http://schemas.openxmlformats.org/presentationml/2006/main">
   <p:cSld>
     <p:spTree>
@@ -36955,7 +38196,7 @@
           <a:p>
             <a:fld id="{3BDBD433-A3C6-4DFF-8587-7568F60AEA6A}" type="slidenum">
               <a:rPr lang="th-TH" smtClean="0"/>
-              <a:t>38</a:t>
+              <a:t>37</a:t>
             </a:fld>
             <a:endParaRPr lang="th-TH"/>
           </a:p>
@@ -38422,2055 +39663,6 @@
         </p:nvSpPr>
         <p:spPr>
           <a:xfrm>
-            <a:off x="2427641" y="176192"/>
-            <a:ext cx="8926159" cy="628631"/>
-          </a:xfrm>
-        </p:spPr>
-        <p:txBody>
-          <a:bodyPr/>
-          <a:lstStyle/>
-          <a:p>
-            <a:r>
-              <a:rPr lang="en-US" dirty="0"/>
-              <a:t>Logic Entailment: Model Checking</a:t>
-            </a:r>
-            <a:endParaRPr lang="th-TH" dirty="0"/>
-          </a:p>
-        </p:txBody>
-      </p:sp>
-      <p:sp>
-        <p:nvSpPr>
-          <p:cNvPr id="7" name="TextBox 6">
-            <a:extLst>
-              <a:ext uri="{FF2B5EF4-FFF2-40B4-BE49-F238E27FC236}">
-                <a16:creationId xmlns:a16="http://schemas.microsoft.com/office/drawing/2014/main" id="{03FE030A-B317-44F4-909A-BFA3D05D1B33}"/>
-              </a:ext>
-            </a:extLst>
-          </p:cNvPr>
-          <p:cNvSpPr txBox="1"/>
-          <p:nvPr/>
-        </p:nvSpPr>
-        <p:spPr>
-          <a:xfrm>
-            <a:off x="4144735" y="795543"/>
-            <a:ext cx="7401808" cy="830997"/>
-          </a:xfrm>
-          <a:prstGeom prst="rect">
-            <a:avLst/>
-          </a:prstGeom>
-          <a:noFill/>
-        </p:spPr>
-        <p:txBody>
-          <a:bodyPr wrap="square" rtlCol="0">
-            <a:spAutoFit/>
-          </a:bodyPr>
-          <a:lstStyle/>
-          <a:p>
-            <a:r>
-              <a:rPr lang="en-US" sz="2400" dirty="0"/>
-              <a:t>if and only if, in </a:t>
-            </a:r>
-            <a:r>
-              <a:rPr lang="en-US" sz="2400" b="1" dirty="0"/>
-              <a:t>every truth scenario</a:t>
-            </a:r>
-            <a:r>
-              <a:rPr lang="en-US" sz="2400" dirty="0"/>
-              <a:t> </a:t>
-            </a:r>
-            <a:br>
-              <a:rPr lang="en-US" sz="2400" dirty="0"/>
-            </a:br>
-            <a:r>
-              <a:rPr lang="en-US" sz="2400" dirty="0"/>
-              <a:t>in which KB is true, </a:t>
-            </a:r>
-            <a:r>
-              <a:rPr lang="en-US" sz="2400" dirty="0">
-                <a:sym typeface="Symbol" panose="05050102010706020507" pitchFamily="18" charset="2"/>
-              </a:rPr>
-              <a:t> is true.</a:t>
-            </a:r>
-            <a:endParaRPr lang="th-TH" sz="2400" dirty="0"/>
-          </a:p>
-        </p:txBody>
-      </p:sp>
-      <p:sp>
-        <p:nvSpPr>
-          <p:cNvPr id="3" name="Slide Number Placeholder 2">
-            <a:extLst>
-              <a:ext uri="{FF2B5EF4-FFF2-40B4-BE49-F238E27FC236}">
-                <a16:creationId xmlns:a16="http://schemas.microsoft.com/office/drawing/2014/main" id="{E2DA878C-FA4B-4EC3-947B-AD4F52F809C1}"/>
-              </a:ext>
-            </a:extLst>
-          </p:cNvPr>
-          <p:cNvSpPr>
-            <a:spLocks noGrp="1"/>
-          </p:cNvSpPr>
-          <p:nvPr>
-            <p:ph type="sldNum" sz="quarter" idx="12"/>
-          </p:nvPr>
-        </p:nvSpPr>
-        <p:spPr/>
-        <p:txBody>
-          <a:bodyPr/>
-          <a:lstStyle/>
-          <a:p>
-            <a:fld id="{3BDBD433-A3C6-4DFF-8587-7568F60AEA6A}" type="slidenum">
-              <a:rPr lang="th-TH" smtClean="0"/>
-              <a:t>4</a:t>
-            </a:fld>
-            <a:endParaRPr lang="th-TH"/>
-          </a:p>
-        </p:txBody>
-      </p:sp>
-      <mc:AlternateContent xmlns:mc="http://schemas.openxmlformats.org/markup-compatibility/2006">
-        <mc:Choice xmlns:a14="http://schemas.microsoft.com/office/drawing/2010/main" Requires="a14">
-          <p:sp>
-            <p:nvSpPr>
-              <p:cNvPr id="4" name="TextBox 3">
-                <a:extLst>
-                  <a:ext uri="{FF2B5EF4-FFF2-40B4-BE49-F238E27FC236}">
-                    <a16:creationId xmlns:a16="http://schemas.microsoft.com/office/drawing/2014/main" id="{F171B8F3-1CF3-4E76-970B-0C44B97C033B}"/>
-                  </a:ext>
-                </a:extLst>
-              </p:cNvPr>
-              <p:cNvSpPr txBox="1"/>
-              <p:nvPr/>
-            </p:nvSpPr>
-            <p:spPr>
-              <a:xfrm>
-                <a:off x="2957935" y="953989"/>
-                <a:ext cx="1186800" cy="461665"/>
-              </a:xfrm>
-              <a:prstGeom prst="rect">
-                <a:avLst/>
-              </a:prstGeom>
-              <a:noFill/>
-            </p:spPr>
-            <p:txBody>
-              <a:bodyPr wrap="none" rtlCol="0">
-                <a:spAutoFit/>
-              </a:bodyPr>
-              <a:lstStyle/>
-              <a:p>
-                <a:pPr/>
-                <a14:m>
-                  <m:oMathPara xmlns:m="http://schemas.openxmlformats.org/officeDocument/2006/math">
-                    <m:oMathParaPr>
-                      <m:jc m:val="centerGroup"/>
-                    </m:oMathParaPr>
-                    <m:oMath xmlns:m="http://schemas.openxmlformats.org/officeDocument/2006/math">
-                      <m:r>
-                        <a:rPr lang="en-US" sz="2400" b="0" i="1" smtClean="0">
-                          <a:latin typeface="Cambria Math" panose="02040503050406030204" pitchFamily="18" charset="0"/>
-                        </a:rPr>
-                        <m:t>𝐾𝐵</m:t>
-                      </m:r>
-                      <m:r>
-                        <a:rPr lang="th-TH" sz="2400" b="0" i="1" smtClean="0">
-                          <a:latin typeface="Cambria Math" panose="02040503050406030204" pitchFamily="18" charset="0"/>
-                        </a:rPr>
-                        <m:t> </m:t>
-                      </m:r>
-                      <m:r>
-                        <m:rPr>
-                          <m:nor/>
-                        </m:rPr>
-                        <a:rPr lang="th-TH" sz="2400"/>
-                        <m:t>⊨</m:t>
-                      </m:r>
-                      <m:r>
-                        <m:rPr>
-                          <m:nor/>
-                        </m:rPr>
-                        <a:rPr lang="th-TH" sz="2400" b="0" i="0" smtClean="0"/>
-                        <m:t> </m:t>
-                      </m:r>
-                      <m:r>
-                        <m:rPr>
-                          <m:sty m:val="p"/>
-                        </m:rPr>
-                        <a:rPr lang="el-GR" sz="2400" b="0" i="1" smtClean="0">
-                          <a:latin typeface="Cambria Math" panose="02040503050406030204" pitchFamily="18" charset="0"/>
-                          <a:ea typeface="Cambria Math" panose="02040503050406030204" pitchFamily="18" charset="0"/>
-                        </a:rPr>
-                        <m:t>α</m:t>
-                      </m:r>
-                    </m:oMath>
-                  </m:oMathPara>
-                </a14:m>
-                <a:endParaRPr lang="th-TH" sz="2400" dirty="0"/>
-              </a:p>
-            </p:txBody>
-          </p:sp>
-        </mc:Choice>
-        <mc:Fallback>
-          <p:sp>
-            <p:nvSpPr>
-              <p:cNvPr id="4" name="TextBox 3">
-                <a:extLst>
-                  <a:ext uri="{FF2B5EF4-FFF2-40B4-BE49-F238E27FC236}">
-                    <a16:creationId xmlns:a16="http://schemas.microsoft.com/office/drawing/2014/main" id="{F171B8F3-1CF3-4E76-970B-0C44B97C033B}"/>
-                  </a:ext>
-                </a:extLst>
-              </p:cNvPr>
-              <p:cNvSpPr txBox="1">
-                <a:spLocks noRot="1" noChangeAspect="1" noMove="1" noResize="1" noEditPoints="1" noAdjustHandles="1" noChangeArrowheads="1" noChangeShapeType="1" noTextEdit="1"/>
-              </p:cNvSpPr>
-              <p:nvPr/>
-            </p:nvSpPr>
-            <p:spPr>
-              <a:xfrm>
-                <a:off x="2957935" y="953989"/>
-                <a:ext cx="1186800" cy="461665"/>
-              </a:xfrm>
-              <a:prstGeom prst="rect">
-                <a:avLst/>
-              </a:prstGeom>
-              <a:blipFill>
-                <a:blip r:embed="rId2"/>
-                <a:stretch>
-                  <a:fillRect/>
-                </a:stretch>
-              </a:blipFill>
-            </p:spPr>
-            <p:txBody>
-              <a:bodyPr/>
-              <a:lstStyle/>
-              <a:p>
-                <a:r>
-                  <a:rPr lang="en-US">
-                    <a:noFill/>
-                  </a:rPr>
-                  <a:t> </a:t>
-                </a:r>
-              </a:p>
-            </p:txBody>
-          </p:sp>
-        </mc:Fallback>
-      </mc:AlternateContent>
-      <p:sp>
-        <p:nvSpPr>
-          <p:cNvPr id="5" name="TextBox 4">
-            <a:extLst>
-              <a:ext uri="{FF2B5EF4-FFF2-40B4-BE49-F238E27FC236}">
-                <a16:creationId xmlns:a16="http://schemas.microsoft.com/office/drawing/2014/main" id="{52D15C9F-964D-4DC8-9746-CA3E5E92FBD2}"/>
-              </a:ext>
-            </a:extLst>
-          </p:cNvPr>
-          <p:cNvSpPr txBox="1"/>
-          <p:nvPr/>
-        </p:nvSpPr>
-        <p:spPr>
-          <a:xfrm>
-            <a:off x="506504" y="2094080"/>
-            <a:ext cx="4710955" cy="1200329"/>
-          </a:xfrm>
-          <a:prstGeom prst="rect">
-            <a:avLst/>
-          </a:prstGeom>
-          <a:noFill/>
-        </p:spPr>
-        <p:txBody>
-          <a:bodyPr wrap="square" rtlCol="0">
-            <a:spAutoFit/>
-          </a:bodyPr>
-          <a:lstStyle/>
-          <a:p>
-            <a:r>
-              <a:rPr lang="en-US" sz="2400" dirty="0"/>
-              <a:t>KB:</a:t>
-            </a:r>
-          </a:p>
-          <a:p>
-            <a:pPr marL="457200" indent="-457200">
-              <a:buFont typeface="Arial" panose="020B0604020202020204" pitchFamily="34" charset="0"/>
-              <a:buChar char="•"/>
-            </a:pPr>
-            <a:r>
-              <a:rPr lang="en-US" sz="2400" dirty="0"/>
-              <a:t>Durians are spiky.</a:t>
-            </a:r>
-          </a:p>
-          <a:p>
-            <a:pPr marL="457200" indent="-457200">
-              <a:buFont typeface="Arial" panose="020B0604020202020204" pitchFamily="34" charset="0"/>
-              <a:buChar char="•"/>
-            </a:pPr>
-            <a:r>
-              <a:rPr lang="en-US" sz="2400" dirty="0"/>
-              <a:t>Durians are yummy.</a:t>
-            </a:r>
-          </a:p>
-        </p:txBody>
-      </p:sp>
-      <p:sp>
-        <p:nvSpPr>
-          <p:cNvPr id="8" name="TextBox 7">
-            <a:extLst>
-              <a:ext uri="{FF2B5EF4-FFF2-40B4-BE49-F238E27FC236}">
-                <a16:creationId xmlns:a16="http://schemas.microsoft.com/office/drawing/2014/main" id="{53CE8B01-DE6C-4D71-B927-FFF0EF4B54A2}"/>
-              </a:ext>
-            </a:extLst>
-          </p:cNvPr>
-          <p:cNvSpPr txBox="1"/>
-          <p:nvPr/>
-        </p:nvSpPr>
-        <p:spPr>
-          <a:xfrm>
-            <a:off x="5217459" y="2156833"/>
-            <a:ext cx="5670208" cy="1569660"/>
-          </a:xfrm>
-          <a:prstGeom prst="rect">
-            <a:avLst/>
-          </a:prstGeom>
-          <a:noFill/>
-        </p:spPr>
-        <p:txBody>
-          <a:bodyPr wrap="square" rtlCol="0">
-            <a:spAutoFit/>
-          </a:bodyPr>
-          <a:lstStyle/>
-          <a:p>
-            <a:r>
-              <a:rPr lang="en-US" sz="2400" dirty="0">
-                <a:sym typeface="Symbol" panose="05050102010706020507" pitchFamily="18" charset="2"/>
-              </a:rPr>
-              <a:t></a:t>
-            </a:r>
-            <a:r>
-              <a:rPr lang="en-US" sz="2400" baseline="-25000" dirty="0">
-                <a:sym typeface="Symbol" panose="05050102010706020507" pitchFamily="18" charset="2"/>
-              </a:rPr>
-              <a:t>1</a:t>
-            </a:r>
-            <a:r>
-              <a:rPr lang="en-US" sz="2400" dirty="0"/>
-              <a:t>: </a:t>
-            </a:r>
-            <a:r>
-              <a:rPr lang="en-US" sz="2400" dirty="0" err="1"/>
-              <a:t>Montong</a:t>
-            </a:r>
-            <a:r>
-              <a:rPr lang="en-US" sz="2400" dirty="0"/>
-              <a:t> durian is spiky. </a:t>
-            </a:r>
-          </a:p>
-          <a:p>
-            <a:r>
-              <a:rPr lang="en-US" sz="2400" dirty="0">
-                <a:sym typeface="Symbol" panose="05050102010706020507" pitchFamily="18" charset="2"/>
-              </a:rPr>
-              <a:t></a:t>
-            </a:r>
-            <a:r>
-              <a:rPr lang="en-US" sz="2400" baseline="-25000" dirty="0">
-                <a:sym typeface="Symbol" panose="05050102010706020507" pitchFamily="18" charset="2"/>
-              </a:rPr>
-              <a:t>2</a:t>
-            </a:r>
-            <a:r>
-              <a:rPr lang="en-US" sz="2400" dirty="0"/>
-              <a:t>: </a:t>
-            </a:r>
-            <a:r>
-              <a:rPr lang="en-US" sz="2400" dirty="0" err="1"/>
-              <a:t>Montong</a:t>
-            </a:r>
-            <a:r>
-              <a:rPr lang="en-US" sz="2400" dirty="0"/>
-              <a:t> durian is not spiky. </a:t>
-            </a:r>
-          </a:p>
-          <a:p>
-            <a:r>
-              <a:rPr lang="en-US" sz="2400" dirty="0">
-                <a:sym typeface="Symbol" panose="05050102010706020507" pitchFamily="18" charset="2"/>
-              </a:rPr>
-              <a:t></a:t>
-            </a:r>
-            <a:r>
-              <a:rPr lang="en-US" sz="2400" baseline="-25000" dirty="0">
-                <a:sym typeface="Symbol" panose="05050102010706020507" pitchFamily="18" charset="2"/>
-              </a:rPr>
-              <a:t>3</a:t>
-            </a:r>
-            <a:r>
-              <a:rPr lang="en-US" sz="2400" dirty="0"/>
-              <a:t>: There is life on Mars. </a:t>
-            </a:r>
-            <a:endParaRPr lang="en-US" sz="2400" dirty="0">
-              <a:solidFill>
-                <a:schemeClr val="bg1">
-                  <a:lumMod val="75000"/>
-                </a:schemeClr>
-              </a:solidFill>
-            </a:endParaRPr>
-          </a:p>
-          <a:p>
-            <a:r>
-              <a:rPr lang="en-US" sz="2400" dirty="0">
-                <a:sym typeface="Symbol" panose="05050102010706020507" pitchFamily="18" charset="2"/>
-              </a:rPr>
-              <a:t></a:t>
-            </a:r>
-            <a:r>
-              <a:rPr lang="en-US" sz="2400" baseline="-25000" dirty="0">
-                <a:sym typeface="Symbol" panose="05050102010706020507" pitchFamily="18" charset="2"/>
-              </a:rPr>
-              <a:t>4</a:t>
-            </a:r>
-            <a:r>
-              <a:rPr lang="en-US" sz="2400" dirty="0"/>
-              <a:t>: There is no life on Mars. </a:t>
-            </a:r>
-            <a:endParaRPr lang="th-TH" sz="2400" dirty="0">
-              <a:solidFill>
-                <a:schemeClr val="bg1">
-                  <a:lumMod val="75000"/>
-                </a:schemeClr>
-              </a:solidFill>
-            </a:endParaRPr>
-          </a:p>
-        </p:txBody>
-      </p:sp>
-      <p:graphicFrame>
-        <p:nvGraphicFramePr>
-          <p:cNvPr id="6" name="Table 5">
-            <a:extLst>
-              <a:ext uri="{FF2B5EF4-FFF2-40B4-BE49-F238E27FC236}">
-                <a16:creationId xmlns:a16="http://schemas.microsoft.com/office/drawing/2014/main" id="{966C5ACC-DCB5-4CF6-97FB-D7EBACA6A424}"/>
-              </a:ext>
-            </a:extLst>
-          </p:cNvPr>
-          <p:cNvGraphicFramePr>
-            <a:graphicFrameLocks noGrp="1"/>
-          </p:cNvGraphicFramePr>
-          <p:nvPr>
-            <p:extLst/>
-          </p:nvPr>
-        </p:nvGraphicFramePr>
-        <p:xfrm>
-          <a:off x="705223" y="3940739"/>
-          <a:ext cx="10841320" cy="1955800"/>
-        </p:xfrm>
-        <a:graphic>
-          <a:graphicData uri="http://schemas.openxmlformats.org/drawingml/2006/table">
-            <a:tbl>
-              <a:tblPr firstRow="1" bandRow="1">
-                <a:tableStyleId>{5C22544A-7EE6-4342-B048-85BDC9FD1C3A}</a:tableStyleId>
-              </a:tblPr>
-              <a:tblGrid>
-                <a:gridCol w="1643530">
-                  <a:extLst>
-                    <a:ext uri="{9D8B030D-6E8A-4147-A177-3AD203B41FA5}">
-                      <a16:colId xmlns:a16="http://schemas.microsoft.com/office/drawing/2014/main" val="1937629021"/>
-                    </a:ext>
-                  </a:extLst>
-                </a:gridCol>
-                <a:gridCol w="1479176">
-                  <a:extLst>
-                    <a:ext uri="{9D8B030D-6E8A-4147-A177-3AD203B41FA5}">
-                      <a16:colId xmlns:a16="http://schemas.microsoft.com/office/drawing/2014/main" val="3193801481"/>
-                    </a:ext>
-                  </a:extLst>
-                </a:gridCol>
-                <a:gridCol w="942789">
-                  <a:extLst>
-                    <a:ext uri="{9D8B030D-6E8A-4147-A177-3AD203B41FA5}">
-                      <a16:colId xmlns:a16="http://schemas.microsoft.com/office/drawing/2014/main" val="2110669423"/>
-                    </a:ext>
-                  </a:extLst>
-                </a:gridCol>
-                <a:gridCol w="1355165">
-                  <a:extLst>
-                    <a:ext uri="{9D8B030D-6E8A-4147-A177-3AD203B41FA5}">
-                      <a16:colId xmlns:a16="http://schemas.microsoft.com/office/drawing/2014/main" val="3489833080"/>
-                    </a:ext>
-                  </a:extLst>
-                </a:gridCol>
-                <a:gridCol w="1355165">
-                  <a:extLst>
-                    <a:ext uri="{9D8B030D-6E8A-4147-A177-3AD203B41FA5}">
-                      <a16:colId xmlns:a16="http://schemas.microsoft.com/office/drawing/2014/main" val="1399154091"/>
-                    </a:ext>
-                  </a:extLst>
-                </a:gridCol>
-                <a:gridCol w="1355165">
-                  <a:extLst>
-                    <a:ext uri="{9D8B030D-6E8A-4147-A177-3AD203B41FA5}">
-                      <a16:colId xmlns:a16="http://schemas.microsoft.com/office/drawing/2014/main" val="796084335"/>
-                    </a:ext>
-                  </a:extLst>
-                </a:gridCol>
-                <a:gridCol w="1355165">
-                  <a:extLst>
-                    <a:ext uri="{9D8B030D-6E8A-4147-A177-3AD203B41FA5}">
-                      <a16:colId xmlns:a16="http://schemas.microsoft.com/office/drawing/2014/main" val="1815143759"/>
-                    </a:ext>
-                  </a:extLst>
-                </a:gridCol>
-                <a:gridCol w="1355165">
-                  <a:extLst>
-                    <a:ext uri="{9D8B030D-6E8A-4147-A177-3AD203B41FA5}">
-                      <a16:colId xmlns:a16="http://schemas.microsoft.com/office/drawing/2014/main" val="472220263"/>
-                    </a:ext>
-                  </a:extLst>
-                </a:gridCol>
-              </a:tblGrid>
-              <a:tr h="370840">
-                <a:tc>
-                  <a:txBody>
-                    <a:bodyPr/>
-                    <a:lstStyle/>
-                    <a:p>
-                      <a:pPr algn="ctr"/>
-                      <a:r>
-                        <a:rPr lang="en-US" sz="1800" dirty="0"/>
-                        <a:t>Spiky </a:t>
-                      </a:r>
-                      <a:r>
-                        <a:rPr lang="en-US" sz="1800" dirty="0" err="1"/>
-                        <a:t>Montong</a:t>
-                      </a:r>
-                      <a:endParaRPr lang="th-TH" sz="1800" dirty="0"/>
-                    </a:p>
-                  </a:txBody>
-                  <a:tcPr/>
-                </a:tc>
-                <a:tc>
-                  <a:txBody>
-                    <a:bodyPr/>
-                    <a:lstStyle/>
-                    <a:p>
-                      <a:pPr algn="ctr"/>
-                      <a:r>
-                        <a:rPr lang="en-US" sz="1800" dirty="0"/>
-                        <a:t>Life on Mars</a:t>
-                      </a:r>
-                      <a:endParaRPr lang="th-TH" sz="1800" dirty="0"/>
-                    </a:p>
-                  </a:txBody>
-                  <a:tcPr/>
-                </a:tc>
-                <a:tc>
-                  <a:txBody>
-                    <a:bodyPr/>
-                    <a:lstStyle/>
-                    <a:p>
-                      <a:pPr algn="ctr"/>
-                      <a:r>
-                        <a:rPr lang="en-US" sz="1800" dirty="0"/>
-                        <a:t>KB</a:t>
-                      </a:r>
-                      <a:endParaRPr lang="th-TH" sz="1800" dirty="0"/>
-                    </a:p>
-                  </a:txBody>
-                  <a:tcPr/>
-                </a:tc>
-                <a:tc>
-                  <a:txBody>
-                    <a:bodyPr/>
-                    <a:lstStyle/>
-                    <a:p>
-                      <a:pPr algn="ctr"/>
-                      <a:r>
-                        <a:rPr lang="en-US" sz="1800" dirty="0">
-                          <a:sym typeface="Symbol" panose="05050102010706020507" pitchFamily="18" charset="2"/>
-                        </a:rPr>
-                        <a:t></a:t>
-                      </a:r>
-                      <a:r>
-                        <a:rPr lang="en-US" sz="1800" baseline="-25000" dirty="0">
-                          <a:sym typeface="Symbol" panose="05050102010706020507" pitchFamily="18" charset="2"/>
-                        </a:rPr>
-                        <a:t>1</a:t>
-                      </a:r>
-                      <a:endParaRPr lang="th-TH" sz="1800" dirty="0"/>
-                    </a:p>
-                  </a:txBody>
-                  <a:tcPr/>
-                </a:tc>
-                <a:tc>
-                  <a:txBody>
-                    <a:bodyPr/>
-                    <a:lstStyle/>
-                    <a:p>
-                      <a:pPr algn="ctr"/>
-                      <a:r>
-                        <a:rPr lang="en-US" sz="1800" dirty="0">
-                          <a:sym typeface="Symbol" panose="05050102010706020507" pitchFamily="18" charset="2"/>
-                        </a:rPr>
-                        <a:t></a:t>
-                      </a:r>
-                      <a:r>
-                        <a:rPr lang="en-US" sz="1800" baseline="-25000" dirty="0">
-                          <a:sym typeface="Symbol" panose="05050102010706020507" pitchFamily="18" charset="2"/>
-                        </a:rPr>
-                        <a:t>2</a:t>
-                      </a:r>
-                      <a:endParaRPr lang="th-TH" sz="1800" dirty="0"/>
-                    </a:p>
-                  </a:txBody>
-                  <a:tcPr/>
-                </a:tc>
-                <a:tc>
-                  <a:txBody>
-                    <a:bodyPr/>
-                    <a:lstStyle/>
-                    <a:p>
-                      <a:pPr algn="ctr"/>
-                      <a:r>
-                        <a:rPr lang="en-US" sz="1800" dirty="0">
-                          <a:sym typeface="Symbol" panose="05050102010706020507" pitchFamily="18" charset="2"/>
-                        </a:rPr>
-                        <a:t></a:t>
-                      </a:r>
-                      <a:r>
-                        <a:rPr lang="en-US" sz="1800" baseline="-25000" dirty="0">
-                          <a:sym typeface="Symbol" panose="05050102010706020507" pitchFamily="18" charset="2"/>
-                        </a:rPr>
-                        <a:t>3</a:t>
-                      </a:r>
-                      <a:endParaRPr lang="th-TH" sz="1800" dirty="0"/>
-                    </a:p>
-                  </a:txBody>
-                  <a:tcPr/>
-                </a:tc>
-                <a:tc>
-                  <a:txBody>
-                    <a:bodyPr/>
-                    <a:lstStyle/>
-                    <a:p>
-                      <a:pPr algn="ctr"/>
-                      <a:r>
-                        <a:rPr lang="en-US" sz="1800" dirty="0">
-                          <a:sym typeface="Symbol" panose="05050102010706020507" pitchFamily="18" charset="2"/>
-                        </a:rPr>
-                        <a:t></a:t>
-                      </a:r>
-                      <a:r>
-                        <a:rPr lang="en-US" sz="1800" baseline="-25000" dirty="0">
-                          <a:sym typeface="Symbol" panose="05050102010706020507" pitchFamily="18" charset="2"/>
-                        </a:rPr>
-                        <a:t>4</a:t>
-                      </a:r>
-                      <a:endParaRPr lang="th-TH" sz="1800" dirty="0"/>
-                    </a:p>
-                  </a:txBody>
-                  <a:tcPr/>
-                </a:tc>
-                <a:tc>
-                  <a:txBody>
-                    <a:bodyPr/>
-                    <a:lstStyle/>
-                    <a:p>
-                      <a:endParaRPr lang="th-TH" sz="1800" dirty="0"/>
-                    </a:p>
-                  </a:txBody>
-                  <a:tcPr/>
-                </a:tc>
-                <a:extLst>
-                  <a:ext uri="{0D108BD9-81ED-4DB2-BD59-A6C34878D82A}">
-                    <a16:rowId xmlns:a16="http://schemas.microsoft.com/office/drawing/2014/main" val="3587111667"/>
-                  </a:ext>
-                </a:extLst>
-              </a:tr>
-              <a:tr h="370840">
-                <a:tc>
-                  <a:txBody>
-                    <a:bodyPr/>
-                    <a:lstStyle/>
-                    <a:p>
-                      <a:r>
-                        <a:rPr lang="en-US" sz="2000" dirty="0"/>
-                        <a:t>F</a:t>
-                      </a:r>
-                      <a:endParaRPr lang="th-TH" sz="2000" dirty="0"/>
-                    </a:p>
-                  </a:txBody>
-                  <a:tcPr/>
-                </a:tc>
-                <a:tc>
-                  <a:txBody>
-                    <a:bodyPr/>
-                    <a:lstStyle/>
-                    <a:p>
-                      <a:r>
-                        <a:rPr lang="en-US" sz="2000" dirty="0"/>
-                        <a:t>F</a:t>
-                      </a:r>
-                      <a:endParaRPr lang="th-TH" sz="2000" dirty="0"/>
-                    </a:p>
-                  </a:txBody>
-                  <a:tcPr/>
-                </a:tc>
-                <a:tc>
-                  <a:txBody>
-                    <a:bodyPr/>
-                    <a:lstStyle/>
-                    <a:p>
-                      <a:r>
-                        <a:rPr lang="en-US" sz="2000" dirty="0"/>
-                        <a:t>F</a:t>
-                      </a:r>
-                      <a:endParaRPr lang="th-TH" sz="2000" dirty="0"/>
-                    </a:p>
-                  </a:txBody>
-                  <a:tcPr/>
-                </a:tc>
-                <a:tc>
-                  <a:txBody>
-                    <a:bodyPr/>
-                    <a:lstStyle/>
-                    <a:p>
-                      <a:r>
-                        <a:rPr lang="en-US" sz="2000" dirty="0"/>
-                        <a:t>F</a:t>
-                      </a:r>
-                      <a:endParaRPr lang="th-TH" sz="2000" dirty="0"/>
-                    </a:p>
-                  </a:txBody>
-                  <a:tcPr/>
-                </a:tc>
-                <a:tc>
-                  <a:txBody>
-                    <a:bodyPr/>
-                    <a:lstStyle/>
-                    <a:p>
-                      <a:r>
-                        <a:rPr lang="en-US" sz="2000" dirty="0"/>
-                        <a:t>T</a:t>
-                      </a:r>
-                      <a:endParaRPr lang="th-TH" sz="2000" dirty="0"/>
-                    </a:p>
-                  </a:txBody>
-                  <a:tcPr/>
-                </a:tc>
-                <a:tc>
-                  <a:txBody>
-                    <a:bodyPr/>
-                    <a:lstStyle/>
-                    <a:p>
-                      <a:r>
-                        <a:rPr lang="en-US" sz="2000" dirty="0"/>
-                        <a:t>F</a:t>
-                      </a:r>
-                      <a:endParaRPr lang="th-TH" sz="2000" dirty="0"/>
-                    </a:p>
-                  </a:txBody>
-                  <a:tcPr/>
-                </a:tc>
-                <a:tc>
-                  <a:txBody>
-                    <a:bodyPr/>
-                    <a:lstStyle/>
-                    <a:p>
-                      <a:r>
-                        <a:rPr lang="en-US" sz="2000" dirty="0"/>
-                        <a:t>T</a:t>
-                      </a:r>
-                      <a:endParaRPr lang="th-TH" sz="2000" dirty="0"/>
-                    </a:p>
-                  </a:txBody>
-                  <a:tcPr/>
-                </a:tc>
-                <a:tc>
-                  <a:txBody>
-                    <a:bodyPr/>
-                    <a:lstStyle/>
-                    <a:p>
-                      <a:endParaRPr lang="th-TH" sz="2000"/>
-                    </a:p>
-                  </a:txBody>
-                  <a:tcPr/>
-                </a:tc>
-                <a:extLst>
-                  <a:ext uri="{0D108BD9-81ED-4DB2-BD59-A6C34878D82A}">
-                    <a16:rowId xmlns:a16="http://schemas.microsoft.com/office/drawing/2014/main" val="3419003297"/>
-                  </a:ext>
-                </a:extLst>
-              </a:tr>
-              <a:tr h="370840">
-                <a:tc>
-                  <a:txBody>
-                    <a:bodyPr/>
-                    <a:lstStyle/>
-                    <a:p>
-                      <a:r>
-                        <a:rPr lang="en-US" sz="2000" dirty="0"/>
-                        <a:t>F</a:t>
-                      </a:r>
-                      <a:endParaRPr lang="th-TH" sz="2000" dirty="0"/>
-                    </a:p>
-                  </a:txBody>
-                  <a:tcPr/>
-                </a:tc>
-                <a:tc>
-                  <a:txBody>
-                    <a:bodyPr/>
-                    <a:lstStyle/>
-                    <a:p>
-                      <a:r>
-                        <a:rPr lang="en-US" sz="2000" dirty="0"/>
-                        <a:t>T</a:t>
-                      </a:r>
-                      <a:endParaRPr lang="th-TH" sz="2000" dirty="0"/>
-                    </a:p>
-                  </a:txBody>
-                  <a:tcPr/>
-                </a:tc>
-                <a:tc>
-                  <a:txBody>
-                    <a:bodyPr/>
-                    <a:lstStyle/>
-                    <a:p>
-                      <a:r>
-                        <a:rPr lang="en-US" sz="2000" dirty="0"/>
-                        <a:t>F</a:t>
-                      </a:r>
-                      <a:endParaRPr lang="th-TH" sz="2000" dirty="0"/>
-                    </a:p>
-                  </a:txBody>
-                  <a:tcPr/>
-                </a:tc>
-                <a:tc>
-                  <a:txBody>
-                    <a:bodyPr/>
-                    <a:lstStyle/>
-                    <a:p>
-                      <a:r>
-                        <a:rPr lang="en-US" sz="2000" dirty="0"/>
-                        <a:t>F</a:t>
-                      </a:r>
-                      <a:endParaRPr lang="th-TH" sz="2000" dirty="0"/>
-                    </a:p>
-                  </a:txBody>
-                  <a:tcPr/>
-                </a:tc>
-                <a:tc>
-                  <a:txBody>
-                    <a:bodyPr/>
-                    <a:lstStyle/>
-                    <a:p>
-                      <a:r>
-                        <a:rPr lang="en-US" sz="2000" dirty="0"/>
-                        <a:t>T</a:t>
-                      </a:r>
-                      <a:endParaRPr lang="th-TH" sz="2000" dirty="0"/>
-                    </a:p>
-                  </a:txBody>
-                  <a:tcPr/>
-                </a:tc>
-                <a:tc>
-                  <a:txBody>
-                    <a:bodyPr/>
-                    <a:lstStyle/>
-                    <a:p>
-                      <a:r>
-                        <a:rPr lang="en-US" sz="2000" dirty="0"/>
-                        <a:t>T</a:t>
-                      </a:r>
-                      <a:endParaRPr lang="th-TH" sz="2000" dirty="0"/>
-                    </a:p>
-                  </a:txBody>
-                  <a:tcPr/>
-                </a:tc>
-                <a:tc>
-                  <a:txBody>
-                    <a:bodyPr/>
-                    <a:lstStyle/>
-                    <a:p>
-                      <a:r>
-                        <a:rPr lang="en-US" sz="2000" dirty="0"/>
-                        <a:t>F</a:t>
-                      </a:r>
-                      <a:endParaRPr lang="th-TH" sz="2000" dirty="0"/>
-                    </a:p>
-                  </a:txBody>
-                  <a:tcPr/>
-                </a:tc>
-                <a:tc>
-                  <a:txBody>
-                    <a:bodyPr/>
-                    <a:lstStyle/>
-                    <a:p>
-                      <a:endParaRPr lang="th-TH" sz="2000"/>
-                    </a:p>
-                  </a:txBody>
-                  <a:tcPr/>
-                </a:tc>
-                <a:extLst>
-                  <a:ext uri="{0D108BD9-81ED-4DB2-BD59-A6C34878D82A}">
-                    <a16:rowId xmlns:a16="http://schemas.microsoft.com/office/drawing/2014/main" val="3810004659"/>
-                  </a:ext>
-                </a:extLst>
-              </a:tr>
-              <a:tr h="370840">
-                <a:tc>
-                  <a:txBody>
-                    <a:bodyPr/>
-                    <a:lstStyle/>
-                    <a:p>
-                      <a:r>
-                        <a:rPr lang="en-US" sz="2000" dirty="0"/>
-                        <a:t>T</a:t>
-                      </a:r>
-                      <a:endParaRPr lang="th-TH" sz="2000" dirty="0"/>
-                    </a:p>
-                  </a:txBody>
-                  <a:tcPr/>
-                </a:tc>
-                <a:tc>
-                  <a:txBody>
-                    <a:bodyPr/>
-                    <a:lstStyle/>
-                    <a:p>
-                      <a:r>
-                        <a:rPr lang="en-US" sz="2000" dirty="0"/>
-                        <a:t>F</a:t>
-                      </a:r>
-                      <a:endParaRPr lang="th-TH" sz="2000" dirty="0"/>
-                    </a:p>
-                  </a:txBody>
-                  <a:tcPr/>
-                </a:tc>
-                <a:tc>
-                  <a:txBody>
-                    <a:bodyPr/>
-                    <a:lstStyle/>
-                    <a:p>
-                      <a:r>
-                        <a:rPr lang="en-US" sz="2000" b="1" dirty="0"/>
-                        <a:t>T</a:t>
-                      </a:r>
-                      <a:endParaRPr lang="th-TH" sz="2000" b="1" dirty="0"/>
-                    </a:p>
-                  </a:txBody>
-                  <a:tcPr/>
-                </a:tc>
-                <a:tc>
-                  <a:txBody>
-                    <a:bodyPr/>
-                    <a:lstStyle/>
-                    <a:p>
-                      <a:r>
-                        <a:rPr lang="en-US" sz="2000" dirty="0"/>
-                        <a:t>T</a:t>
-                      </a:r>
-                      <a:endParaRPr lang="th-TH" sz="2000" dirty="0"/>
-                    </a:p>
-                  </a:txBody>
-                  <a:tcPr/>
-                </a:tc>
-                <a:tc>
-                  <a:txBody>
-                    <a:bodyPr/>
-                    <a:lstStyle/>
-                    <a:p>
-                      <a:r>
-                        <a:rPr lang="en-US" sz="2000" dirty="0">
-                          <a:solidFill>
-                            <a:srgbClr val="C00000"/>
-                          </a:solidFill>
-                        </a:rPr>
-                        <a:t>F</a:t>
-                      </a:r>
-                      <a:endParaRPr lang="th-TH" sz="2000" dirty="0">
-                        <a:solidFill>
-                          <a:srgbClr val="C00000"/>
-                        </a:solidFill>
-                      </a:endParaRPr>
-                    </a:p>
-                  </a:txBody>
-                  <a:tcPr/>
-                </a:tc>
-                <a:tc>
-                  <a:txBody>
-                    <a:bodyPr/>
-                    <a:lstStyle/>
-                    <a:p>
-                      <a:r>
-                        <a:rPr lang="en-US" sz="2000" dirty="0">
-                          <a:solidFill>
-                            <a:srgbClr val="C00000"/>
-                          </a:solidFill>
-                        </a:rPr>
-                        <a:t>F</a:t>
-                      </a:r>
-                      <a:endParaRPr lang="th-TH" sz="2000" dirty="0">
-                        <a:solidFill>
-                          <a:srgbClr val="C00000"/>
-                        </a:solidFill>
-                      </a:endParaRPr>
-                    </a:p>
-                  </a:txBody>
-                  <a:tcPr/>
-                </a:tc>
-                <a:tc>
-                  <a:txBody>
-                    <a:bodyPr/>
-                    <a:lstStyle/>
-                    <a:p>
-                      <a:r>
-                        <a:rPr lang="en-US" sz="2000" dirty="0"/>
-                        <a:t>T</a:t>
-                      </a:r>
-                      <a:endParaRPr lang="th-TH" sz="2000" dirty="0"/>
-                    </a:p>
-                  </a:txBody>
-                  <a:tcPr/>
-                </a:tc>
-                <a:tc>
-                  <a:txBody>
-                    <a:bodyPr/>
-                    <a:lstStyle/>
-                    <a:p>
-                      <a:endParaRPr lang="th-TH" sz="2000" dirty="0"/>
-                    </a:p>
-                  </a:txBody>
-                  <a:tcPr/>
-                </a:tc>
-                <a:extLst>
-                  <a:ext uri="{0D108BD9-81ED-4DB2-BD59-A6C34878D82A}">
-                    <a16:rowId xmlns:a16="http://schemas.microsoft.com/office/drawing/2014/main" val="2129463884"/>
-                  </a:ext>
-                </a:extLst>
-              </a:tr>
-              <a:tr h="370840">
-                <a:tc>
-                  <a:txBody>
-                    <a:bodyPr/>
-                    <a:lstStyle/>
-                    <a:p>
-                      <a:r>
-                        <a:rPr lang="en-US" sz="2000" dirty="0"/>
-                        <a:t>T</a:t>
-                      </a:r>
-                      <a:endParaRPr lang="th-TH" sz="2000" dirty="0"/>
-                    </a:p>
-                  </a:txBody>
-                  <a:tcPr/>
-                </a:tc>
-                <a:tc>
-                  <a:txBody>
-                    <a:bodyPr/>
-                    <a:lstStyle/>
-                    <a:p>
-                      <a:r>
-                        <a:rPr lang="en-US" sz="2000" dirty="0"/>
-                        <a:t>T</a:t>
-                      </a:r>
-                      <a:endParaRPr lang="th-TH" sz="2000" dirty="0"/>
-                    </a:p>
-                  </a:txBody>
-                  <a:tcPr/>
-                </a:tc>
-                <a:tc>
-                  <a:txBody>
-                    <a:bodyPr/>
-                    <a:lstStyle/>
-                    <a:p>
-                      <a:r>
-                        <a:rPr lang="en-US" sz="2000" b="1" dirty="0"/>
-                        <a:t>T</a:t>
-                      </a:r>
-                      <a:endParaRPr lang="th-TH" sz="2000" b="1" dirty="0"/>
-                    </a:p>
-                  </a:txBody>
-                  <a:tcPr/>
-                </a:tc>
-                <a:tc>
-                  <a:txBody>
-                    <a:bodyPr/>
-                    <a:lstStyle/>
-                    <a:p>
-                      <a:r>
-                        <a:rPr lang="en-US" sz="2000" dirty="0"/>
-                        <a:t>T</a:t>
-                      </a:r>
-                      <a:endParaRPr lang="th-TH" sz="2000" dirty="0"/>
-                    </a:p>
-                  </a:txBody>
-                  <a:tcPr/>
-                </a:tc>
-                <a:tc>
-                  <a:txBody>
-                    <a:bodyPr/>
-                    <a:lstStyle/>
-                    <a:p>
-                      <a:r>
-                        <a:rPr lang="en-US" sz="2000" dirty="0">
-                          <a:solidFill>
-                            <a:srgbClr val="C00000"/>
-                          </a:solidFill>
-                        </a:rPr>
-                        <a:t>F</a:t>
-                      </a:r>
-                      <a:endParaRPr lang="th-TH" sz="2000" dirty="0">
-                        <a:solidFill>
-                          <a:srgbClr val="C00000"/>
-                        </a:solidFill>
-                      </a:endParaRPr>
-                    </a:p>
-                  </a:txBody>
-                  <a:tcPr/>
-                </a:tc>
-                <a:tc>
-                  <a:txBody>
-                    <a:bodyPr/>
-                    <a:lstStyle/>
-                    <a:p>
-                      <a:r>
-                        <a:rPr lang="en-US" sz="2000" dirty="0"/>
-                        <a:t>T</a:t>
-                      </a:r>
-                      <a:endParaRPr lang="th-TH" sz="2000" dirty="0"/>
-                    </a:p>
-                  </a:txBody>
-                  <a:tcPr/>
-                </a:tc>
-                <a:tc>
-                  <a:txBody>
-                    <a:bodyPr/>
-                    <a:lstStyle/>
-                    <a:p>
-                      <a:r>
-                        <a:rPr lang="en-US" sz="2000" dirty="0">
-                          <a:solidFill>
-                            <a:srgbClr val="C00000"/>
-                          </a:solidFill>
-                        </a:rPr>
-                        <a:t>F</a:t>
-                      </a:r>
-                      <a:endParaRPr lang="th-TH" sz="2000" dirty="0">
-                        <a:solidFill>
-                          <a:srgbClr val="C00000"/>
-                        </a:solidFill>
-                      </a:endParaRPr>
-                    </a:p>
-                  </a:txBody>
-                  <a:tcPr/>
-                </a:tc>
-                <a:tc>
-                  <a:txBody>
-                    <a:bodyPr/>
-                    <a:lstStyle/>
-                    <a:p>
-                      <a:endParaRPr lang="th-TH" sz="2000" dirty="0"/>
-                    </a:p>
-                  </a:txBody>
-                  <a:tcPr/>
-                </a:tc>
-                <a:extLst>
-                  <a:ext uri="{0D108BD9-81ED-4DB2-BD59-A6C34878D82A}">
-                    <a16:rowId xmlns:a16="http://schemas.microsoft.com/office/drawing/2014/main" val="2239925319"/>
-                  </a:ext>
-                </a:extLst>
-              </a:tr>
-            </a:tbl>
-          </a:graphicData>
-        </a:graphic>
-      </p:graphicFrame>
-      <mc:AlternateContent xmlns:mc="http://schemas.openxmlformats.org/markup-compatibility/2006" xmlns:a14="http://schemas.microsoft.com/office/drawing/2010/main">
-        <mc:Choice Requires="a14">
-          <p:sp>
-            <p:nvSpPr>
-              <p:cNvPr id="10" name="TextBox 9">
-                <a:extLst>
-                  <a:ext uri="{FF2B5EF4-FFF2-40B4-BE49-F238E27FC236}">
-                    <a16:creationId xmlns:a16="http://schemas.microsoft.com/office/drawing/2014/main" id="{FA663562-6189-4873-9EA1-A278D8EBF027}"/>
-                  </a:ext>
-                </a:extLst>
-              </p:cNvPr>
-              <p:cNvSpPr txBox="1"/>
-              <p:nvPr/>
-            </p:nvSpPr>
-            <p:spPr>
-              <a:xfrm>
-                <a:off x="4962035" y="5938684"/>
-                <a:ext cx="1133965" cy="400110"/>
-              </a:xfrm>
-              <a:prstGeom prst="rect">
-                <a:avLst/>
-              </a:prstGeom>
-              <a:noFill/>
-            </p:spPr>
-            <p:txBody>
-              <a:bodyPr wrap="none" rtlCol="0">
-                <a:spAutoFit/>
-              </a:bodyPr>
-              <a:lstStyle/>
-              <a:p>
-                <a:pPr/>
-                <a14:m>
-                  <m:oMathPara xmlns:m="http://schemas.openxmlformats.org/officeDocument/2006/math">
-                    <m:oMathParaPr>
-                      <m:jc m:val="centerGroup"/>
-                    </m:oMathParaPr>
-                    <m:oMath xmlns:m="http://schemas.openxmlformats.org/officeDocument/2006/math">
-                      <m:r>
-                        <a:rPr lang="en-US" sz="2000" b="0" i="1" smtClean="0">
-                          <a:latin typeface="Cambria Math" panose="02040503050406030204" pitchFamily="18" charset="0"/>
-                        </a:rPr>
-                        <m:t>𝐾𝐵</m:t>
-                      </m:r>
-                      <m:r>
-                        <a:rPr lang="th-TH" sz="2000" b="0" i="1" smtClean="0">
-                          <a:latin typeface="Cambria Math" panose="02040503050406030204" pitchFamily="18" charset="0"/>
-                        </a:rPr>
-                        <m:t> </m:t>
-                      </m:r>
-                      <m:r>
-                        <m:rPr>
-                          <m:nor/>
-                        </m:rPr>
-                        <a:rPr lang="th-TH" sz="2000"/>
-                        <m:t>⊨</m:t>
-                      </m:r>
-                      <m:r>
-                        <m:rPr>
-                          <m:nor/>
-                        </m:rPr>
-                        <a:rPr lang="th-TH" sz="2000" b="0" i="0" smtClean="0"/>
-                        <m:t> </m:t>
-                      </m:r>
-                      <m:sSub>
-                        <m:sSubPr>
-                          <m:ctrlPr>
-                            <a:rPr lang="en-US" sz="2000" b="0" i="1" smtClean="0">
-                              <a:latin typeface="Cambria Math" panose="02040503050406030204" pitchFamily="18" charset="0"/>
-                              <a:ea typeface="Cambria Math" panose="02040503050406030204" pitchFamily="18" charset="0"/>
-                            </a:rPr>
-                          </m:ctrlPr>
-                        </m:sSubPr>
-                        <m:e>
-                          <m:r>
-                            <m:rPr>
-                              <m:sty m:val="p"/>
-                            </m:rPr>
-                            <a:rPr lang="el-GR" sz="2000" b="0" i="1" smtClean="0">
-                              <a:latin typeface="Cambria Math" panose="02040503050406030204" pitchFamily="18" charset="0"/>
-                              <a:ea typeface="Cambria Math" panose="02040503050406030204" pitchFamily="18" charset="0"/>
-                            </a:rPr>
-                            <m:t>α</m:t>
-                          </m:r>
-                        </m:e>
-                        <m:sub>
-                          <m:r>
-                            <a:rPr lang="en-US" sz="2000" b="0" i="1" smtClean="0">
-                              <a:latin typeface="Cambria Math" panose="02040503050406030204" pitchFamily="18" charset="0"/>
-                              <a:ea typeface="Cambria Math" panose="02040503050406030204" pitchFamily="18" charset="0"/>
-                            </a:rPr>
-                            <m:t>1</m:t>
-                          </m:r>
-                        </m:sub>
-                      </m:sSub>
-                    </m:oMath>
-                  </m:oMathPara>
-                </a14:m>
-                <a:endParaRPr lang="th-TH" sz="2000" dirty="0"/>
-              </a:p>
-            </p:txBody>
-          </p:sp>
-        </mc:Choice>
-        <mc:Fallback xmlns="">
-          <p:sp>
-            <p:nvSpPr>
-              <p:cNvPr id="10" name="TextBox 9">
-                <a:extLst>
-                  <a:ext uri="{FF2B5EF4-FFF2-40B4-BE49-F238E27FC236}">
-                    <a16:creationId xmlns:a16="http://schemas.microsoft.com/office/drawing/2014/main" id="{FA663562-6189-4873-9EA1-A278D8EBF027}"/>
-                  </a:ext>
-                </a:extLst>
-              </p:cNvPr>
-              <p:cNvSpPr txBox="1">
-                <a:spLocks noRot="1" noChangeAspect="1" noMove="1" noResize="1" noEditPoints="1" noAdjustHandles="1" noChangeArrowheads="1" noChangeShapeType="1" noTextEdit="1"/>
-              </p:cNvSpPr>
-              <p:nvPr/>
-            </p:nvSpPr>
-            <p:spPr>
-              <a:xfrm>
-                <a:off x="4962035" y="5938684"/>
-                <a:ext cx="1133965" cy="400110"/>
-              </a:xfrm>
-              <a:prstGeom prst="rect">
-                <a:avLst/>
-              </a:prstGeom>
-              <a:blipFill>
-                <a:blip r:embed="rId3"/>
-                <a:stretch>
-                  <a:fillRect/>
-                </a:stretch>
-              </a:blipFill>
-            </p:spPr>
-            <p:txBody>
-              <a:bodyPr/>
-              <a:lstStyle/>
-              <a:p>
-                <a:r>
-                  <a:rPr lang="th-TH">
-                    <a:noFill/>
-                  </a:rPr>
-                  <a:t> </a:t>
-                </a:r>
-              </a:p>
-            </p:txBody>
-          </p:sp>
-        </mc:Fallback>
-      </mc:AlternateContent>
-      <mc:AlternateContent xmlns:mc="http://schemas.openxmlformats.org/markup-compatibility/2006" xmlns:a14="http://schemas.microsoft.com/office/drawing/2010/main">
-        <mc:Choice Requires="a14">
-          <p:sp>
-            <p:nvSpPr>
-              <p:cNvPr id="11" name="TextBox 10">
-                <a:extLst>
-                  <a:ext uri="{FF2B5EF4-FFF2-40B4-BE49-F238E27FC236}">
-                    <a16:creationId xmlns:a16="http://schemas.microsoft.com/office/drawing/2014/main" id="{688F1E88-2407-42E0-B068-6836BA88837E}"/>
-                  </a:ext>
-                </a:extLst>
-              </p:cNvPr>
-              <p:cNvSpPr txBox="1"/>
-              <p:nvPr/>
-            </p:nvSpPr>
-            <p:spPr>
-              <a:xfrm>
-                <a:off x="6190200" y="5944319"/>
-                <a:ext cx="1133066" cy="400110"/>
-              </a:xfrm>
-              <a:prstGeom prst="rect">
-                <a:avLst/>
-              </a:prstGeom>
-              <a:noFill/>
-            </p:spPr>
-            <p:txBody>
-              <a:bodyPr wrap="none" rtlCol="0">
-                <a:spAutoFit/>
-              </a:bodyPr>
-              <a:lstStyle/>
-              <a:p>
-                <a:pPr/>
-                <a14:m>
-                  <m:oMathPara xmlns:m="http://schemas.openxmlformats.org/officeDocument/2006/math">
-                    <m:oMathParaPr>
-                      <m:jc m:val="centerGroup"/>
-                    </m:oMathParaPr>
-                    <m:oMath xmlns:m="http://schemas.openxmlformats.org/officeDocument/2006/math">
-                      <m:r>
-                        <a:rPr lang="en-US" sz="2000" b="0" i="1" smtClean="0">
-                          <a:latin typeface="Cambria Math" panose="02040503050406030204" pitchFamily="18" charset="0"/>
-                        </a:rPr>
-                        <m:t>𝐾𝐵</m:t>
-                      </m:r>
-                      <m:r>
-                        <m:rPr>
-                          <m:nor/>
-                        </m:rPr>
-                        <a:rPr lang="th-TH" sz="2000" b="0" i="0" smtClean="0">
-                          <a:latin typeface="Cambria Math" panose="02040503050406030204" pitchFamily="18" charset="0"/>
-                        </a:rPr>
-                        <m:t> </m:t>
-                      </m:r>
-                      <m:r>
-                        <m:rPr>
-                          <m:nor/>
-                        </m:rPr>
-                        <a:rPr lang="th-TH" sz="2000"/>
-                        <m:t>⊭</m:t>
-                      </m:r>
-                      <m:r>
-                        <a:rPr lang="th-TH" sz="2000" b="0" i="1" smtClean="0">
-                          <a:latin typeface="Cambria Math" panose="02040503050406030204" pitchFamily="18" charset="0"/>
-                        </a:rPr>
-                        <m:t> </m:t>
-                      </m:r>
-                      <m:sSub>
-                        <m:sSubPr>
-                          <m:ctrlPr>
-                            <a:rPr lang="en-US" sz="2000" b="0" i="1" smtClean="0">
-                              <a:latin typeface="Cambria Math" panose="02040503050406030204" pitchFamily="18" charset="0"/>
-                              <a:ea typeface="Cambria Math" panose="02040503050406030204" pitchFamily="18" charset="0"/>
-                            </a:rPr>
-                          </m:ctrlPr>
-                        </m:sSubPr>
-                        <m:e>
-                          <m:r>
-                            <m:rPr>
-                              <m:sty m:val="p"/>
-                            </m:rPr>
-                            <a:rPr lang="el-GR" sz="2000" b="0" i="1" smtClean="0">
-                              <a:latin typeface="Cambria Math" panose="02040503050406030204" pitchFamily="18" charset="0"/>
-                              <a:ea typeface="Cambria Math" panose="02040503050406030204" pitchFamily="18" charset="0"/>
-                            </a:rPr>
-                            <m:t>α</m:t>
-                          </m:r>
-                        </m:e>
-                        <m:sub>
-                          <m:r>
-                            <a:rPr lang="en-US" sz="2000" b="0" i="1" smtClean="0">
-                              <a:latin typeface="Cambria Math" panose="02040503050406030204" pitchFamily="18" charset="0"/>
-                              <a:ea typeface="Cambria Math" panose="02040503050406030204" pitchFamily="18" charset="0"/>
-                            </a:rPr>
-                            <m:t>2</m:t>
-                          </m:r>
-                        </m:sub>
-                      </m:sSub>
-                    </m:oMath>
-                  </m:oMathPara>
-                </a14:m>
-                <a:endParaRPr lang="th-TH" sz="2000" dirty="0"/>
-              </a:p>
-            </p:txBody>
-          </p:sp>
-        </mc:Choice>
-        <mc:Fallback xmlns="">
-          <p:sp>
-            <p:nvSpPr>
-              <p:cNvPr id="11" name="TextBox 10">
-                <a:extLst>
-                  <a:ext uri="{FF2B5EF4-FFF2-40B4-BE49-F238E27FC236}">
-                    <a16:creationId xmlns:a16="http://schemas.microsoft.com/office/drawing/2014/main" id="{688F1E88-2407-42E0-B068-6836BA88837E}"/>
-                  </a:ext>
-                </a:extLst>
-              </p:cNvPr>
-              <p:cNvSpPr txBox="1">
-                <a:spLocks noRot="1" noChangeAspect="1" noMove="1" noResize="1" noEditPoints="1" noAdjustHandles="1" noChangeArrowheads="1" noChangeShapeType="1" noTextEdit="1"/>
-              </p:cNvSpPr>
-              <p:nvPr/>
-            </p:nvSpPr>
-            <p:spPr>
-              <a:xfrm>
-                <a:off x="6190200" y="5944319"/>
-                <a:ext cx="1133066" cy="400110"/>
-              </a:xfrm>
-              <a:prstGeom prst="rect">
-                <a:avLst/>
-              </a:prstGeom>
-              <a:blipFill>
-                <a:blip r:embed="rId4"/>
-                <a:stretch>
-                  <a:fillRect/>
-                </a:stretch>
-              </a:blipFill>
-            </p:spPr>
-            <p:txBody>
-              <a:bodyPr/>
-              <a:lstStyle/>
-              <a:p>
-                <a:r>
-                  <a:rPr lang="th-TH">
-                    <a:noFill/>
-                  </a:rPr>
-                  <a:t> </a:t>
-                </a:r>
-              </a:p>
-            </p:txBody>
-          </p:sp>
-        </mc:Fallback>
-      </mc:AlternateContent>
-      <mc:AlternateContent xmlns:mc="http://schemas.openxmlformats.org/markup-compatibility/2006" xmlns:a14="http://schemas.microsoft.com/office/drawing/2010/main">
-        <mc:Choice Requires="a14">
-          <p:sp>
-            <p:nvSpPr>
-              <p:cNvPr id="13" name="TextBox 12">
-                <a:extLst>
-                  <a:ext uri="{FF2B5EF4-FFF2-40B4-BE49-F238E27FC236}">
-                    <a16:creationId xmlns:a16="http://schemas.microsoft.com/office/drawing/2014/main" id="{AA7A3484-2826-4A1C-A64E-875826CEE973}"/>
-                  </a:ext>
-                </a:extLst>
-              </p:cNvPr>
-              <p:cNvSpPr txBox="1"/>
-              <p:nvPr/>
-            </p:nvSpPr>
-            <p:spPr>
-              <a:xfrm>
-                <a:off x="7597659" y="5938684"/>
-                <a:ext cx="1133067" cy="400110"/>
-              </a:xfrm>
-              <a:prstGeom prst="rect">
-                <a:avLst/>
-              </a:prstGeom>
-              <a:noFill/>
-            </p:spPr>
-            <p:txBody>
-              <a:bodyPr wrap="none" rtlCol="0">
-                <a:spAutoFit/>
-              </a:bodyPr>
-              <a:lstStyle/>
-              <a:p>
-                <a:pPr/>
-                <a14:m>
-                  <m:oMathPara xmlns:m="http://schemas.openxmlformats.org/officeDocument/2006/math">
-                    <m:oMathParaPr>
-                      <m:jc m:val="centerGroup"/>
-                    </m:oMathParaPr>
-                    <m:oMath xmlns:m="http://schemas.openxmlformats.org/officeDocument/2006/math">
-                      <m:r>
-                        <a:rPr lang="en-US" sz="2000" b="0" i="1" smtClean="0">
-                          <a:latin typeface="Cambria Math" panose="02040503050406030204" pitchFamily="18" charset="0"/>
-                        </a:rPr>
-                        <m:t>𝐾𝐵</m:t>
-                      </m:r>
-                      <m:r>
-                        <m:rPr>
-                          <m:nor/>
-                        </m:rPr>
-                        <a:rPr lang="th-TH" sz="2000" b="0" i="0" smtClean="0">
-                          <a:latin typeface="Cambria Math" panose="02040503050406030204" pitchFamily="18" charset="0"/>
-                        </a:rPr>
-                        <m:t> </m:t>
-                      </m:r>
-                      <m:r>
-                        <m:rPr>
-                          <m:nor/>
-                        </m:rPr>
-                        <a:rPr lang="th-TH" sz="2000"/>
-                        <m:t>⊭</m:t>
-                      </m:r>
-                      <m:r>
-                        <a:rPr lang="th-TH" sz="2000" b="0" i="1" smtClean="0">
-                          <a:latin typeface="Cambria Math" panose="02040503050406030204" pitchFamily="18" charset="0"/>
-                        </a:rPr>
-                        <m:t> </m:t>
-                      </m:r>
-                      <m:sSub>
-                        <m:sSubPr>
-                          <m:ctrlPr>
-                            <a:rPr lang="en-US" sz="2000" b="0" i="1" smtClean="0">
-                              <a:latin typeface="Cambria Math" panose="02040503050406030204" pitchFamily="18" charset="0"/>
-                              <a:ea typeface="Cambria Math" panose="02040503050406030204" pitchFamily="18" charset="0"/>
-                            </a:rPr>
-                          </m:ctrlPr>
-                        </m:sSubPr>
-                        <m:e>
-                          <m:r>
-                            <m:rPr>
-                              <m:sty m:val="p"/>
-                            </m:rPr>
-                            <a:rPr lang="el-GR" sz="2000" b="0" i="1" smtClean="0">
-                              <a:latin typeface="Cambria Math" panose="02040503050406030204" pitchFamily="18" charset="0"/>
-                              <a:ea typeface="Cambria Math" panose="02040503050406030204" pitchFamily="18" charset="0"/>
-                            </a:rPr>
-                            <m:t>α</m:t>
-                          </m:r>
-                        </m:e>
-                        <m:sub>
-                          <m:r>
-                            <a:rPr lang="en-US" sz="2000" b="0" i="1" smtClean="0">
-                              <a:latin typeface="Cambria Math" panose="02040503050406030204" pitchFamily="18" charset="0"/>
-                              <a:ea typeface="Cambria Math" panose="02040503050406030204" pitchFamily="18" charset="0"/>
-                            </a:rPr>
-                            <m:t>3</m:t>
-                          </m:r>
-                        </m:sub>
-                      </m:sSub>
-                    </m:oMath>
-                  </m:oMathPara>
-                </a14:m>
-                <a:endParaRPr lang="th-TH" sz="2000" dirty="0"/>
-              </a:p>
-            </p:txBody>
-          </p:sp>
-        </mc:Choice>
-        <mc:Fallback xmlns="">
-          <p:sp>
-            <p:nvSpPr>
-              <p:cNvPr id="13" name="TextBox 12">
-                <a:extLst>
-                  <a:ext uri="{FF2B5EF4-FFF2-40B4-BE49-F238E27FC236}">
-                    <a16:creationId xmlns:a16="http://schemas.microsoft.com/office/drawing/2014/main" id="{AA7A3484-2826-4A1C-A64E-875826CEE973}"/>
-                  </a:ext>
-                </a:extLst>
-              </p:cNvPr>
-              <p:cNvSpPr txBox="1">
-                <a:spLocks noRot="1" noChangeAspect="1" noMove="1" noResize="1" noEditPoints="1" noAdjustHandles="1" noChangeArrowheads="1" noChangeShapeType="1" noTextEdit="1"/>
-              </p:cNvSpPr>
-              <p:nvPr/>
-            </p:nvSpPr>
-            <p:spPr>
-              <a:xfrm>
-                <a:off x="7597659" y="5938684"/>
-                <a:ext cx="1133067" cy="400110"/>
-              </a:xfrm>
-              <a:prstGeom prst="rect">
-                <a:avLst/>
-              </a:prstGeom>
-              <a:blipFill>
-                <a:blip r:embed="rId5"/>
-                <a:stretch>
-                  <a:fillRect/>
-                </a:stretch>
-              </a:blipFill>
-            </p:spPr>
-            <p:txBody>
-              <a:bodyPr/>
-              <a:lstStyle/>
-              <a:p>
-                <a:r>
-                  <a:rPr lang="th-TH">
-                    <a:noFill/>
-                  </a:rPr>
-                  <a:t> </a:t>
-                </a:r>
-              </a:p>
-            </p:txBody>
-          </p:sp>
-        </mc:Fallback>
-      </mc:AlternateContent>
-      <mc:AlternateContent xmlns:mc="http://schemas.openxmlformats.org/markup-compatibility/2006" xmlns:a14="http://schemas.microsoft.com/office/drawing/2010/main">
-        <mc:Choice Requires="a14">
-          <p:sp>
-            <p:nvSpPr>
-              <p:cNvPr id="14" name="TextBox 13">
-                <a:extLst>
-                  <a:ext uri="{FF2B5EF4-FFF2-40B4-BE49-F238E27FC236}">
-                    <a16:creationId xmlns:a16="http://schemas.microsoft.com/office/drawing/2014/main" id="{3F4E8D61-8713-44F3-B5E2-F492E50038B9}"/>
-                  </a:ext>
-                </a:extLst>
-              </p:cNvPr>
-              <p:cNvSpPr txBox="1"/>
-              <p:nvPr/>
-            </p:nvSpPr>
-            <p:spPr>
-              <a:xfrm>
-                <a:off x="9005119" y="5938684"/>
-                <a:ext cx="1133067" cy="400110"/>
-              </a:xfrm>
-              <a:prstGeom prst="rect">
-                <a:avLst/>
-              </a:prstGeom>
-              <a:noFill/>
-            </p:spPr>
-            <p:txBody>
-              <a:bodyPr wrap="none" rtlCol="0">
-                <a:spAutoFit/>
-              </a:bodyPr>
-              <a:lstStyle/>
-              <a:p>
-                <a:pPr/>
-                <a14:m>
-                  <m:oMathPara xmlns:m="http://schemas.openxmlformats.org/officeDocument/2006/math">
-                    <m:oMathParaPr>
-                      <m:jc m:val="centerGroup"/>
-                    </m:oMathParaPr>
-                    <m:oMath xmlns:m="http://schemas.openxmlformats.org/officeDocument/2006/math">
-                      <m:r>
-                        <a:rPr lang="en-US" sz="2000" b="0" i="1" smtClean="0">
-                          <a:latin typeface="Cambria Math" panose="02040503050406030204" pitchFamily="18" charset="0"/>
-                        </a:rPr>
-                        <m:t>𝐾𝐵</m:t>
-                      </m:r>
-                      <m:r>
-                        <m:rPr>
-                          <m:nor/>
-                        </m:rPr>
-                        <a:rPr lang="th-TH" sz="2000" b="0" i="0" smtClean="0">
-                          <a:latin typeface="Cambria Math" panose="02040503050406030204" pitchFamily="18" charset="0"/>
-                        </a:rPr>
-                        <m:t> </m:t>
-                      </m:r>
-                      <m:r>
-                        <m:rPr>
-                          <m:nor/>
-                        </m:rPr>
-                        <a:rPr lang="th-TH" sz="2000"/>
-                        <m:t>⊭</m:t>
-                      </m:r>
-                      <m:r>
-                        <a:rPr lang="th-TH" sz="2000" b="0" i="1" smtClean="0">
-                          <a:latin typeface="Cambria Math" panose="02040503050406030204" pitchFamily="18" charset="0"/>
-                        </a:rPr>
-                        <m:t> </m:t>
-                      </m:r>
-                      <m:sSub>
-                        <m:sSubPr>
-                          <m:ctrlPr>
-                            <a:rPr lang="en-US" sz="2000" b="0" i="1" smtClean="0">
-                              <a:latin typeface="Cambria Math" panose="02040503050406030204" pitchFamily="18" charset="0"/>
-                              <a:ea typeface="Cambria Math" panose="02040503050406030204" pitchFamily="18" charset="0"/>
-                            </a:rPr>
-                          </m:ctrlPr>
-                        </m:sSubPr>
-                        <m:e>
-                          <m:r>
-                            <m:rPr>
-                              <m:sty m:val="p"/>
-                            </m:rPr>
-                            <a:rPr lang="el-GR" sz="2000" b="0" i="1" smtClean="0">
-                              <a:latin typeface="Cambria Math" panose="02040503050406030204" pitchFamily="18" charset="0"/>
-                              <a:ea typeface="Cambria Math" panose="02040503050406030204" pitchFamily="18" charset="0"/>
-                            </a:rPr>
-                            <m:t>α</m:t>
-                          </m:r>
-                        </m:e>
-                        <m:sub>
-                          <m:r>
-                            <a:rPr lang="en-US" sz="2000" b="0" i="1" smtClean="0">
-                              <a:latin typeface="Cambria Math" panose="02040503050406030204" pitchFamily="18" charset="0"/>
-                              <a:ea typeface="Cambria Math" panose="02040503050406030204" pitchFamily="18" charset="0"/>
-                            </a:rPr>
-                            <m:t>4</m:t>
-                          </m:r>
-                        </m:sub>
-                      </m:sSub>
-                    </m:oMath>
-                  </m:oMathPara>
-                </a14:m>
-                <a:endParaRPr lang="th-TH" sz="2000" dirty="0"/>
-              </a:p>
-            </p:txBody>
-          </p:sp>
-        </mc:Choice>
-        <mc:Fallback xmlns="">
-          <p:sp>
-            <p:nvSpPr>
-              <p:cNvPr id="14" name="TextBox 13">
-                <a:extLst>
-                  <a:ext uri="{FF2B5EF4-FFF2-40B4-BE49-F238E27FC236}">
-                    <a16:creationId xmlns:a16="http://schemas.microsoft.com/office/drawing/2014/main" id="{3F4E8D61-8713-44F3-B5E2-F492E50038B9}"/>
-                  </a:ext>
-                </a:extLst>
-              </p:cNvPr>
-              <p:cNvSpPr txBox="1">
-                <a:spLocks noRot="1" noChangeAspect="1" noMove="1" noResize="1" noEditPoints="1" noAdjustHandles="1" noChangeArrowheads="1" noChangeShapeType="1" noTextEdit="1"/>
-              </p:cNvSpPr>
-              <p:nvPr/>
-            </p:nvSpPr>
-            <p:spPr>
-              <a:xfrm>
-                <a:off x="9005119" y="5938684"/>
-                <a:ext cx="1133067" cy="400110"/>
-              </a:xfrm>
-              <a:prstGeom prst="rect">
-                <a:avLst/>
-              </a:prstGeom>
-              <a:blipFill>
-                <a:blip r:embed="rId6"/>
-                <a:stretch>
-                  <a:fillRect/>
-                </a:stretch>
-              </a:blipFill>
-            </p:spPr>
-            <p:txBody>
-              <a:bodyPr/>
-              <a:lstStyle/>
-              <a:p>
-                <a:r>
-                  <a:rPr lang="th-TH">
-                    <a:noFill/>
-                  </a:rPr>
-                  <a:t> </a:t>
-                </a:r>
-              </a:p>
-            </p:txBody>
-          </p:sp>
-        </mc:Fallback>
-      </mc:AlternateContent>
-      <p:sp>
-        <p:nvSpPr>
-          <p:cNvPr id="15" name="Right Brace 14">
-            <a:extLst>
-              <a:ext uri="{FF2B5EF4-FFF2-40B4-BE49-F238E27FC236}">
-                <a16:creationId xmlns:a16="http://schemas.microsoft.com/office/drawing/2014/main" id="{9AE82AF0-46E4-481F-94A4-19380EE70973}"/>
-              </a:ext>
-            </a:extLst>
-          </p:cNvPr>
-          <p:cNvSpPr/>
-          <p:nvPr/>
-        </p:nvSpPr>
-        <p:spPr>
-          <a:xfrm>
-            <a:off x="10255624" y="4303059"/>
-            <a:ext cx="224117" cy="1538079"/>
-          </a:xfrm>
-          <a:prstGeom prst="rightBrace">
-            <a:avLst>
-              <a:gd name="adj1" fmla="val 8333"/>
-              <a:gd name="adj2" fmla="val 52331"/>
-            </a:avLst>
-          </a:prstGeom>
-          <a:ln w="28575">
-            <a:solidFill>
-              <a:srgbClr val="602E04"/>
-            </a:solidFill>
-          </a:ln>
-        </p:spPr>
-        <p:style>
-          <a:lnRef idx="1">
-            <a:schemeClr val="accent1"/>
-          </a:lnRef>
-          <a:fillRef idx="0">
-            <a:schemeClr val="accent1"/>
-          </a:fillRef>
-          <a:effectRef idx="0">
-            <a:schemeClr val="accent1"/>
-          </a:effectRef>
-          <a:fontRef idx="minor">
-            <a:schemeClr val="tx1"/>
-          </a:fontRef>
-        </p:style>
-        <p:txBody>
-          <a:bodyPr rtlCol="0" anchor="ctr"/>
-          <a:lstStyle/>
-          <a:p>
-            <a:pPr algn="ctr"/>
-            <a:endParaRPr lang="th-TH"/>
-          </a:p>
-        </p:txBody>
-      </p:sp>
-      <mc:AlternateContent xmlns:mc="http://schemas.openxmlformats.org/markup-compatibility/2006" xmlns:a14="http://schemas.microsoft.com/office/drawing/2010/main">
-        <mc:Choice Requires="a14">
-          <p:sp>
-            <p:nvSpPr>
-              <p:cNvPr id="16" name="TextBox 15">
-                <a:extLst>
-                  <a:ext uri="{FF2B5EF4-FFF2-40B4-BE49-F238E27FC236}">
-                    <a16:creationId xmlns:a16="http://schemas.microsoft.com/office/drawing/2014/main" id="{24C8064F-9F40-4CCD-A1A5-6CAE1A03A98A}"/>
-                  </a:ext>
-                </a:extLst>
-              </p:cNvPr>
-              <p:cNvSpPr txBox="1"/>
-              <p:nvPr/>
-            </p:nvSpPr>
-            <p:spPr>
-              <a:xfrm>
-                <a:off x="10535075" y="4765665"/>
-                <a:ext cx="992043" cy="461665"/>
-              </a:xfrm>
-              <a:prstGeom prst="rect">
-                <a:avLst/>
-              </a:prstGeom>
-              <a:noFill/>
-            </p:spPr>
-            <p:txBody>
-              <a:bodyPr wrap="square" rtlCol="0">
-                <a:spAutoFit/>
-              </a:bodyPr>
-              <a:lstStyle/>
-              <a:p>
-                <a:pPr/>
-                <a14:m>
-                  <m:oMathPara xmlns:m="http://schemas.openxmlformats.org/officeDocument/2006/math">
-                    <m:oMathParaPr>
-                      <m:jc m:val="centerGroup"/>
-                    </m:oMathParaPr>
-                    <m:oMath xmlns:m="http://schemas.openxmlformats.org/officeDocument/2006/math">
-                      <m:r>
-                        <a:rPr lang="en-US" sz="2400" b="0" i="1" smtClean="0">
-                          <a:latin typeface="Cambria Math" panose="02040503050406030204" pitchFamily="18" charset="0"/>
-                        </a:rPr>
-                        <m:t>𝑂</m:t>
-                      </m:r>
-                      <m:r>
-                        <a:rPr lang="en-US" sz="2400" b="0" i="1" smtClean="0">
-                          <a:latin typeface="Cambria Math" panose="02040503050406030204" pitchFamily="18" charset="0"/>
-                        </a:rPr>
-                        <m:t>(</m:t>
-                      </m:r>
-                      <m:sSup>
-                        <m:sSupPr>
-                          <m:ctrlPr>
-                            <a:rPr lang="en-US" sz="2400" b="0" i="1" smtClean="0">
-                              <a:latin typeface="Cambria Math" panose="02040503050406030204" pitchFamily="18" charset="0"/>
-                            </a:rPr>
-                          </m:ctrlPr>
-                        </m:sSupPr>
-                        <m:e>
-                          <m:r>
-                            <a:rPr lang="en-US" sz="2400" b="0" i="1" smtClean="0">
-                              <a:latin typeface="Cambria Math" panose="02040503050406030204" pitchFamily="18" charset="0"/>
-                            </a:rPr>
-                            <m:t>2</m:t>
-                          </m:r>
-                        </m:e>
-                        <m:sup>
-                          <m:r>
-                            <a:rPr lang="en-US" sz="2400" b="0" i="1" smtClean="0">
-                              <a:latin typeface="Cambria Math" panose="02040503050406030204" pitchFamily="18" charset="0"/>
-                            </a:rPr>
-                            <m:t>𝑛</m:t>
-                          </m:r>
-                        </m:sup>
-                      </m:sSup>
-                      <m:r>
-                        <a:rPr lang="en-US" sz="2400" b="0" i="1" smtClean="0">
-                          <a:latin typeface="Cambria Math" panose="02040503050406030204" pitchFamily="18" charset="0"/>
-                        </a:rPr>
-                        <m:t>)</m:t>
-                      </m:r>
-                    </m:oMath>
-                  </m:oMathPara>
-                </a14:m>
-                <a:endParaRPr lang="th-TH" sz="2400" dirty="0"/>
-              </a:p>
-            </p:txBody>
-          </p:sp>
-        </mc:Choice>
-        <mc:Fallback xmlns="">
-          <p:sp>
-            <p:nvSpPr>
-              <p:cNvPr id="16" name="TextBox 15">
-                <a:extLst>
-                  <a:ext uri="{FF2B5EF4-FFF2-40B4-BE49-F238E27FC236}">
-                    <a16:creationId xmlns:a16="http://schemas.microsoft.com/office/drawing/2014/main" id="{24C8064F-9F40-4CCD-A1A5-6CAE1A03A98A}"/>
-                  </a:ext>
-                </a:extLst>
-              </p:cNvPr>
-              <p:cNvSpPr txBox="1">
-                <a:spLocks noRot="1" noChangeAspect="1" noMove="1" noResize="1" noEditPoints="1" noAdjustHandles="1" noChangeArrowheads="1" noChangeShapeType="1" noTextEdit="1"/>
-              </p:cNvSpPr>
-              <p:nvPr/>
-            </p:nvSpPr>
-            <p:spPr>
-              <a:xfrm>
-                <a:off x="10535075" y="4765665"/>
-                <a:ext cx="992043" cy="461665"/>
-              </a:xfrm>
-              <a:prstGeom prst="rect">
-                <a:avLst/>
-              </a:prstGeom>
-              <a:blipFill>
-                <a:blip r:embed="rId7"/>
-                <a:stretch>
-                  <a:fillRect l="-613" r="-5521" b="-10526"/>
-                </a:stretch>
-              </a:blipFill>
-            </p:spPr>
-            <p:txBody>
-              <a:bodyPr/>
-              <a:lstStyle/>
-              <a:p>
-                <a:r>
-                  <a:rPr lang="th-TH">
-                    <a:noFill/>
-                  </a:rPr>
-                  <a:t> </a:t>
-                </a:r>
-              </a:p>
-            </p:txBody>
-          </p:sp>
-        </mc:Fallback>
-      </mc:AlternateContent>
-      <p:pic>
-        <p:nvPicPr>
-          <p:cNvPr id="17" name="Picture 16">
-            <a:extLst>
-              <a:ext uri="{FF2B5EF4-FFF2-40B4-BE49-F238E27FC236}">
-                <a16:creationId xmlns:a16="http://schemas.microsoft.com/office/drawing/2014/main" id="{EDBF08EF-F461-40B1-9667-FEE2F7410FE8}"/>
-              </a:ext>
-            </a:extLst>
-          </p:cNvPr>
-          <p:cNvPicPr>
-            <a:picLocks noChangeAspect="1"/>
-          </p:cNvPicPr>
-          <p:nvPr/>
-        </p:nvPicPr>
-        <p:blipFill>
-          <a:blip r:embed="rId8"/>
-          <a:stretch>
-            <a:fillRect/>
-          </a:stretch>
-        </p:blipFill>
-        <p:spPr>
-          <a:xfrm>
-            <a:off x="10138187" y="2172588"/>
-            <a:ext cx="1215614" cy="1428112"/>
-          </a:xfrm>
-          <a:prstGeom prst="rect">
-            <a:avLst/>
-          </a:prstGeom>
-        </p:spPr>
-      </p:pic>
-      <p:sp>
-        <p:nvSpPr>
-          <p:cNvPr id="9" name="TextBox 8">
-            <a:extLst>
-              <a:ext uri="{FF2B5EF4-FFF2-40B4-BE49-F238E27FC236}">
-                <a16:creationId xmlns:a16="http://schemas.microsoft.com/office/drawing/2014/main" id="{5AE8969E-1C4C-4AA7-B5BF-9BC976A0308A}"/>
-              </a:ext>
-            </a:extLst>
-          </p:cNvPr>
-          <p:cNvSpPr txBox="1"/>
-          <p:nvPr/>
-        </p:nvSpPr>
-        <p:spPr>
-          <a:xfrm>
-            <a:off x="1476462" y="1649060"/>
-            <a:ext cx="9790597" cy="461665"/>
-          </a:xfrm>
-          <a:prstGeom prst="rect">
-            <a:avLst/>
-          </a:prstGeom>
-          <a:noFill/>
-        </p:spPr>
-        <p:txBody>
-          <a:bodyPr wrap="square" rtlCol="0">
-            <a:spAutoFit/>
-          </a:bodyPr>
-          <a:lstStyle/>
-          <a:p>
-            <a:pPr algn="ctr"/>
-            <a:r>
-              <a:rPr lang="en-US" sz="2400" dirty="0">
-                <a:solidFill>
-                  <a:srgbClr val="0070C0"/>
-                </a:solidFill>
-              </a:rPr>
-              <a:t>Model checking = truth evaluation given truth values of all symbols.</a:t>
-            </a:r>
-          </a:p>
-        </p:txBody>
-      </p:sp>
-    </p:spTree>
-    <p:extLst>
-      <p:ext uri="{BB962C8B-B14F-4D97-AF65-F5344CB8AC3E}">
-        <p14:creationId xmlns:p14="http://schemas.microsoft.com/office/powerpoint/2010/main" val="1180462010"/>
-      </p:ext>
-    </p:extLst>
-  </p:cSld>
-  <p:clrMapOvr>
-    <a:masterClrMapping/>
-  </p:clrMapOvr>
-</p:sld>
-</file>
-
-<file path=ppt/slides/slide5.xml><?xml version="1.0" encoding="utf-8"?>
-<p:sld xmlns:a="http://schemas.openxmlformats.org/drawingml/2006/main" xmlns:r="http://schemas.openxmlformats.org/officeDocument/2006/relationships" xmlns:p="http://schemas.openxmlformats.org/presentationml/2006/main">
-  <p:cSld>
-    <p:spTree>
-      <p:nvGrpSpPr>
-        <p:cNvPr id="1" name=""/>
-        <p:cNvGrpSpPr/>
-        <p:nvPr/>
-      </p:nvGrpSpPr>
-      <p:grpSpPr>
-        <a:xfrm>
-          <a:off x="0" y="0"/>
-          <a:ext cx="0" cy="0"/>
-          <a:chOff x="0" y="0"/>
-          <a:chExt cx="0" cy="0"/>
-        </a:xfrm>
-      </p:grpSpPr>
-      <p:sp>
-        <p:nvSpPr>
-          <p:cNvPr id="2" name="Text Placeholder 1">
-            <a:extLst>
-              <a:ext uri="{FF2B5EF4-FFF2-40B4-BE49-F238E27FC236}">
-                <a16:creationId xmlns:a16="http://schemas.microsoft.com/office/drawing/2014/main" id="{1B1DD09B-E2EC-42F9-9C22-0DAF743C0399}"/>
-              </a:ext>
-            </a:extLst>
-          </p:cNvPr>
-          <p:cNvSpPr>
-            <a:spLocks noGrp="1"/>
-          </p:cNvSpPr>
-          <p:nvPr>
-            <p:ph type="body" sz="quarter" idx="28"/>
-          </p:nvPr>
-        </p:nvSpPr>
-        <p:spPr>
-          <a:xfrm>
             <a:off x="2625513" y="284265"/>
             <a:ext cx="6940974" cy="1383664"/>
           </a:xfrm>
@@ -40616,7 +39808,7 @@
           <a:p>
             <a:fld id="{3BDBD433-A3C6-4DFF-8587-7568F60AEA6A}" type="slidenum">
               <a:rPr lang="th-TH" smtClean="0"/>
-              <a:t>5</a:t>
+              <a:t>4</a:t>
             </a:fld>
             <a:endParaRPr lang="th-TH"/>
           </a:p>
@@ -40671,7 +39863,7 @@
 </p:sld>
 </file>
 
-<file path=ppt/slides/slide6.xml><?xml version="1.0" encoding="utf-8"?>
+<file path=ppt/slides/slide5.xml><?xml version="1.0" encoding="utf-8"?>
 <p:sld xmlns:a="http://schemas.openxmlformats.org/drawingml/2006/main" xmlns:r="http://schemas.openxmlformats.org/officeDocument/2006/relationships" xmlns:p="http://schemas.openxmlformats.org/presentationml/2006/main">
   <p:cSld>
     <p:spTree>
@@ -41332,7 +40524,7 @@
           <a:p>
             <a:fld id="{3BDBD433-A3C6-4DFF-8587-7568F60AEA6A}" type="slidenum">
               <a:rPr lang="th-TH" smtClean="0"/>
-              <a:t>6</a:t>
+              <a:t>5</a:t>
             </a:fld>
             <a:endParaRPr lang="th-TH"/>
           </a:p>
@@ -41728,7 +40920,7 @@
 </p:sld>
 </file>
 
-<file path=ppt/slides/slide7.xml><?xml version="1.0" encoding="utf-8"?>
+<file path=ppt/slides/slide6.xml><?xml version="1.0" encoding="utf-8"?>
 <p:sld xmlns:a="http://schemas.openxmlformats.org/drawingml/2006/main" xmlns:r="http://schemas.openxmlformats.org/officeDocument/2006/relationships" xmlns:p="http://schemas.openxmlformats.org/presentationml/2006/main">
   <p:cSld>
     <p:spTree>
@@ -41884,7 +41076,7 @@
           <a:p>
             <a:fld id="{3BDBD433-A3C6-4DFF-8587-7568F60AEA6A}" type="slidenum">
               <a:rPr lang="th-TH" smtClean="0"/>
-              <a:t>7</a:t>
+              <a:t>6</a:t>
             </a:fld>
             <a:endParaRPr lang="th-TH"/>
           </a:p>
@@ -42029,7 +41221,7 @@
 </p:sld>
 </file>
 
-<file path=ppt/slides/slide8.xml><?xml version="1.0" encoding="utf-8"?>
+<file path=ppt/slides/slide7.xml><?xml version="1.0" encoding="utf-8"?>
 <p:sld xmlns:a="http://schemas.openxmlformats.org/drawingml/2006/main" xmlns:r="http://schemas.openxmlformats.org/officeDocument/2006/relationships" xmlns:p="http://schemas.openxmlformats.org/presentationml/2006/main">
   <p:cSld>
     <p:spTree>
@@ -42208,7 +41400,7 @@
           <a:p>
             <a:fld id="{3BDBD433-A3C6-4DFF-8587-7568F60AEA6A}" type="slidenum">
               <a:rPr lang="th-TH" smtClean="0"/>
-              <a:t>8</a:t>
+              <a:t>7</a:t>
             </a:fld>
             <a:endParaRPr lang="th-TH"/>
           </a:p>
@@ -43369,7 +42561,7 @@
 </p:sld>
 </file>
 
-<file path=ppt/slides/slide9.xml><?xml version="1.0" encoding="utf-8"?>
+<file path=ppt/slides/slide8.xml><?xml version="1.0" encoding="utf-8"?>
 <p:sld xmlns:a="http://schemas.openxmlformats.org/drawingml/2006/main" xmlns:r="http://schemas.openxmlformats.org/officeDocument/2006/relationships" xmlns:p="http://schemas.openxmlformats.org/presentationml/2006/main">
   <p:cSld>
     <p:spTree>
@@ -43409,7 +42601,7 @@
           <a:p>
             <a:fld id="{3BDBD433-A3C6-4DFF-8587-7568F60AEA6A}" type="slidenum">
               <a:rPr lang="th-TH" smtClean="0"/>
-              <a:t>9</a:t>
+              <a:t>8</a:t>
             </a:fld>
             <a:endParaRPr lang="th-TH"/>
           </a:p>
@@ -43818,6 +43010,503 @@
     <p:extLst>
       <p:ext uri="{BB962C8B-B14F-4D97-AF65-F5344CB8AC3E}">
         <p14:creationId xmlns:p14="http://schemas.microsoft.com/office/powerpoint/2010/main" val="3310424843"/>
+      </p:ext>
+    </p:extLst>
+  </p:cSld>
+  <p:clrMapOvr>
+    <a:masterClrMapping/>
+  </p:clrMapOvr>
+</p:sld>
+</file>
+
+<file path=ppt/slides/slide9.xml><?xml version="1.0" encoding="utf-8"?>
+<p:sld xmlns:a="http://schemas.openxmlformats.org/drawingml/2006/main" xmlns:r="http://schemas.openxmlformats.org/officeDocument/2006/relationships" xmlns:p="http://schemas.openxmlformats.org/presentationml/2006/main">
+  <p:cSld>
+    <p:spTree>
+      <p:nvGrpSpPr>
+        <p:cNvPr id="1" name=""/>
+        <p:cNvGrpSpPr/>
+        <p:nvPr/>
+      </p:nvGrpSpPr>
+      <p:grpSpPr>
+        <a:xfrm>
+          <a:off x="0" y="0"/>
+          <a:ext cx="0" cy="0"/>
+          <a:chOff x="0" y="0"/>
+          <a:chExt cx="0" cy="0"/>
+        </a:xfrm>
+      </p:grpSpPr>
+      <p:sp>
+        <p:nvSpPr>
+          <p:cNvPr id="2" name="Slide Number Placeholder 1">
+            <a:extLst>
+              <a:ext uri="{FF2B5EF4-FFF2-40B4-BE49-F238E27FC236}">
+                <a16:creationId xmlns:a16="http://schemas.microsoft.com/office/drawing/2014/main" id="{6B5B872E-8491-48FA-9097-DF6563F5F41D}"/>
+              </a:ext>
+            </a:extLst>
+          </p:cNvPr>
+          <p:cNvSpPr>
+            <a:spLocks noGrp="1"/>
+          </p:cNvSpPr>
+          <p:nvPr>
+            <p:ph type="sldNum" sz="quarter" idx="12"/>
+          </p:nvPr>
+        </p:nvSpPr>
+        <p:spPr/>
+        <p:txBody>
+          <a:bodyPr/>
+          <a:lstStyle/>
+          <a:p>
+            <a:fld id="{3BDBD433-A3C6-4DFF-8587-7568F60AEA6A}" type="slidenum">
+              <a:rPr lang="th-TH" smtClean="0"/>
+              <a:t>9</a:t>
+            </a:fld>
+            <a:endParaRPr lang="th-TH"/>
+          </a:p>
+        </p:txBody>
+      </p:sp>
+      <p:sp>
+        <p:nvSpPr>
+          <p:cNvPr id="3" name="Text Placeholder 2">
+            <a:extLst>
+              <a:ext uri="{FF2B5EF4-FFF2-40B4-BE49-F238E27FC236}">
+                <a16:creationId xmlns:a16="http://schemas.microsoft.com/office/drawing/2014/main" id="{196B0332-258A-4679-A40D-48260D325D0B}"/>
+              </a:ext>
+            </a:extLst>
+          </p:cNvPr>
+          <p:cNvSpPr>
+            <a:spLocks noGrp="1"/>
+          </p:cNvSpPr>
+          <p:nvPr>
+            <p:ph type="body" sz="quarter" idx="28"/>
+          </p:nvPr>
+        </p:nvSpPr>
+        <p:spPr>
+          <a:xfrm>
+            <a:off x="6096000" y="136525"/>
+            <a:ext cx="5969149" cy="628631"/>
+          </a:xfrm>
+        </p:spPr>
+        <p:txBody>
+          <a:bodyPr/>
+          <a:lstStyle/>
+          <a:p>
+            <a:pPr algn="r"/>
+            <a:r>
+              <a:rPr lang="en-US" dirty="0"/>
+              <a:t>Null </a:t>
+            </a:r>
+            <a:r>
+              <a:rPr lang="en-US" dirty="0" err="1"/>
+              <a:t>Eigenmarking</a:t>
+            </a:r>
+            <a:endParaRPr lang="th-TH" dirty="0"/>
+          </a:p>
+        </p:txBody>
+      </p:sp>
+      <p:pic>
+        <p:nvPicPr>
+          <p:cNvPr id="5" name="Picture 4">
+            <a:extLst>
+              <a:ext uri="{FF2B5EF4-FFF2-40B4-BE49-F238E27FC236}">
+                <a16:creationId xmlns:a16="http://schemas.microsoft.com/office/drawing/2014/main" id="{EF55F6F4-3A46-4AEB-95E8-56A3128B06BD}"/>
+              </a:ext>
+            </a:extLst>
+          </p:cNvPr>
+          <p:cNvPicPr>
+            <a:picLocks noChangeAspect="1"/>
+          </p:cNvPicPr>
+          <p:nvPr/>
+        </p:nvPicPr>
+        <p:blipFill>
+          <a:blip r:embed="rId2">
+            <a:extLst>
+              <a:ext uri="{28A0092B-C50C-407E-A947-70E740481C1C}">
+                <a14:useLocalDpi xmlns:a14="http://schemas.microsoft.com/office/drawing/2010/main" val="0"/>
+              </a:ext>
+            </a:extLst>
+          </a:blip>
+          <a:stretch>
+            <a:fillRect/>
+          </a:stretch>
+        </p:blipFill>
+        <p:spPr>
+          <a:xfrm>
+            <a:off x="220878" y="2387452"/>
+            <a:ext cx="6748314" cy="2067729"/>
+          </a:xfrm>
+          <a:prstGeom prst="rect">
+            <a:avLst/>
+          </a:prstGeom>
+        </p:spPr>
+      </p:pic>
+      <p:pic>
+        <p:nvPicPr>
+          <p:cNvPr id="9" name="Picture 8">
+            <a:extLst>
+              <a:ext uri="{FF2B5EF4-FFF2-40B4-BE49-F238E27FC236}">
+                <a16:creationId xmlns:a16="http://schemas.microsoft.com/office/drawing/2014/main" id="{3CC19E9F-DB9B-48A0-A637-4A16C320CE37}"/>
+              </a:ext>
+            </a:extLst>
+          </p:cNvPr>
+          <p:cNvPicPr>
+            <a:picLocks noChangeAspect="1"/>
+          </p:cNvPicPr>
+          <p:nvPr/>
+        </p:nvPicPr>
+        <p:blipFill rotWithShape="1">
+          <a:blip r:embed="rId3">
+            <a:extLst>
+              <a:ext uri="{28A0092B-C50C-407E-A947-70E740481C1C}">
+                <a14:useLocalDpi xmlns:a14="http://schemas.microsoft.com/office/drawing/2010/main" val="0"/>
+              </a:ext>
+            </a:extLst>
+          </a:blip>
+          <a:srcRect r="49678"/>
+          <a:stretch/>
+        </p:blipFill>
+        <p:spPr>
+          <a:xfrm>
+            <a:off x="220879" y="4575753"/>
+            <a:ext cx="3413444" cy="2067730"/>
+          </a:xfrm>
+          <a:prstGeom prst="rect">
+            <a:avLst/>
+          </a:prstGeom>
+        </p:spPr>
+      </p:pic>
+      <p:pic>
+        <p:nvPicPr>
+          <p:cNvPr id="13" name="Picture 12">
+            <a:extLst>
+              <a:ext uri="{FF2B5EF4-FFF2-40B4-BE49-F238E27FC236}">
+                <a16:creationId xmlns:a16="http://schemas.microsoft.com/office/drawing/2014/main" id="{13D8B19A-3643-4629-AC19-6449D154F5A2}"/>
+              </a:ext>
+            </a:extLst>
+          </p:cNvPr>
+          <p:cNvPicPr>
+            <a:picLocks noChangeAspect="1"/>
+          </p:cNvPicPr>
+          <p:nvPr/>
+        </p:nvPicPr>
+        <p:blipFill rotWithShape="1">
+          <a:blip r:embed="rId4">
+            <a:extLst>
+              <a:ext uri="{28A0092B-C50C-407E-A947-70E740481C1C}">
+                <a14:useLocalDpi xmlns:a14="http://schemas.microsoft.com/office/drawing/2010/main" val="0"/>
+              </a:ext>
+            </a:extLst>
+          </a:blip>
+          <a:srcRect l="-420" r="-1"/>
+          <a:stretch/>
+        </p:blipFill>
+        <p:spPr>
+          <a:xfrm>
+            <a:off x="3595035" y="4575754"/>
+            <a:ext cx="6832619" cy="2067729"/>
+          </a:xfrm>
+          <a:prstGeom prst="rect">
+            <a:avLst/>
+          </a:prstGeom>
+        </p:spPr>
+      </p:pic>
+      <p:pic>
+        <p:nvPicPr>
+          <p:cNvPr id="15" name="Picture 14">
+            <a:extLst>
+              <a:ext uri="{FF2B5EF4-FFF2-40B4-BE49-F238E27FC236}">
+                <a16:creationId xmlns:a16="http://schemas.microsoft.com/office/drawing/2014/main" id="{A116AB4F-1693-47E3-9181-125D0BB5DD72}"/>
+              </a:ext>
+            </a:extLst>
+          </p:cNvPr>
+          <p:cNvPicPr>
+            <a:picLocks noChangeAspect="1"/>
+          </p:cNvPicPr>
+          <p:nvPr/>
+        </p:nvPicPr>
+        <p:blipFill rotWithShape="1">
+          <a:blip r:embed="rId5">
+            <a:extLst>
+              <a:ext uri="{28A0092B-C50C-407E-A947-70E740481C1C}">
+                <a14:useLocalDpi xmlns:a14="http://schemas.microsoft.com/office/drawing/2010/main" val="0"/>
+              </a:ext>
+            </a:extLst>
+          </a:blip>
+          <a:srcRect l="50560" t="-304" b="304"/>
+          <a:stretch/>
+        </p:blipFill>
+        <p:spPr>
+          <a:xfrm>
+            <a:off x="6963955" y="2384753"/>
+            <a:ext cx="3336384" cy="2061463"/>
+          </a:xfrm>
+          <a:prstGeom prst="rect">
+            <a:avLst/>
+          </a:prstGeom>
+        </p:spPr>
+      </p:pic>
+      <p:sp>
+        <p:nvSpPr>
+          <p:cNvPr id="16" name="Left Brace 15">
+            <a:extLst>
+              <a:ext uri="{FF2B5EF4-FFF2-40B4-BE49-F238E27FC236}">
+                <a16:creationId xmlns:a16="http://schemas.microsoft.com/office/drawing/2014/main" id="{C2BA904F-4002-467C-8462-AF1730D5F04A}"/>
+              </a:ext>
+            </a:extLst>
+          </p:cNvPr>
+          <p:cNvSpPr/>
+          <p:nvPr/>
+        </p:nvSpPr>
+        <p:spPr>
+          <a:xfrm rot="5400000">
+            <a:off x="1815744" y="2870487"/>
+            <a:ext cx="87129" cy="573742"/>
+          </a:xfrm>
+          <a:prstGeom prst="leftBrace">
+            <a:avLst/>
+          </a:prstGeom>
+          <a:ln w="19050">
+            <a:solidFill>
+              <a:srgbClr val="FF0000"/>
+            </a:solidFill>
+          </a:ln>
+        </p:spPr>
+        <p:style>
+          <a:lnRef idx="1">
+            <a:schemeClr val="accent1"/>
+          </a:lnRef>
+          <a:fillRef idx="0">
+            <a:schemeClr val="accent1"/>
+          </a:fillRef>
+          <a:effectRef idx="0">
+            <a:schemeClr val="accent1"/>
+          </a:effectRef>
+          <a:fontRef idx="minor">
+            <a:schemeClr val="tx1"/>
+          </a:fontRef>
+        </p:style>
+        <p:txBody>
+          <a:bodyPr rtlCol="0" anchor="ctr"/>
+          <a:lstStyle/>
+          <a:p>
+            <a:pPr algn="ctr"/>
+            <a:endParaRPr lang="th-TH"/>
+          </a:p>
+        </p:txBody>
+      </p:sp>
+      <p:sp>
+        <p:nvSpPr>
+          <p:cNvPr id="17" name="TextBox 16">
+            <a:extLst>
+              <a:ext uri="{FF2B5EF4-FFF2-40B4-BE49-F238E27FC236}">
+                <a16:creationId xmlns:a16="http://schemas.microsoft.com/office/drawing/2014/main" id="{32D06E06-1E7E-444C-B019-15D14B5033D8}"/>
+              </a:ext>
+            </a:extLst>
+          </p:cNvPr>
+          <p:cNvSpPr txBox="1"/>
+          <p:nvPr/>
+        </p:nvSpPr>
+        <p:spPr>
+          <a:xfrm rot="18937247">
+            <a:off x="1202366" y="1609552"/>
+            <a:ext cx="1654877" cy="338554"/>
+          </a:xfrm>
+          <a:prstGeom prst="rect">
+            <a:avLst/>
+          </a:prstGeom>
+          <a:noFill/>
+        </p:spPr>
+        <p:txBody>
+          <a:bodyPr wrap="none" rtlCol="0">
+            <a:spAutoFit/>
+          </a:bodyPr>
+          <a:lstStyle/>
+          <a:p>
+            <a:r>
+              <a:rPr lang="en-US" sz="1600" dirty="0">
+                <a:solidFill>
+                  <a:srgbClr val="FF0000"/>
+                </a:solidFill>
+              </a:rPr>
+              <a:t>Answer group: 01</a:t>
+            </a:r>
+            <a:endParaRPr lang="th-TH" sz="1600" dirty="0">
+              <a:solidFill>
+                <a:srgbClr val="FF0000"/>
+              </a:solidFill>
+            </a:endParaRPr>
+          </a:p>
+        </p:txBody>
+      </p:sp>
+      <p:cxnSp>
+        <p:nvCxnSpPr>
+          <p:cNvPr id="19" name="Straight Arrow Connector 18">
+            <a:extLst>
+              <a:ext uri="{FF2B5EF4-FFF2-40B4-BE49-F238E27FC236}">
+                <a16:creationId xmlns:a16="http://schemas.microsoft.com/office/drawing/2014/main" id="{622AD5A3-C07F-4712-9C06-5BA76EDB8C03}"/>
+              </a:ext>
+            </a:extLst>
+          </p:cNvPr>
+          <p:cNvCxnSpPr>
+            <a:cxnSpLocks/>
+          </p:cNvCxnSpPr>
+          <p:nvPr/>
+        </p:nvCxnSpPr>
+        <p:spPr>
+          <a:xfrm>
+            <a:off x="1859309" y="2100292"/>
+            <a:ext cx="0" cy="822976"/>
+          </a:xfrm>
+          <a:prstGeom prst="straightConnector1">
+            <a:avLst/>
+          </a:prstGeom>
+          <a:ln>
+            <a:solidFill>
+              <a:srgbClr val="FF0000"/>
+            </a:solidFill>
+            <a:tailEnd type="triangle"/>
+          </a:ln>
+        </p:spPr>
+        <p:style>
+          <a:lnRef idx="1">
+            <a:schemeClr val="accent1"/>
+          </a:lnRef>
+          <a:fillRef idx="0">
+            <a:schemeClr val="accent1"/>
+          </a:fillRef>
+          <a:effectRef idx="0">
+            <a:schemeClr val="accent1"/>
+          </a:effectRef>
+          <a:fontRef idx="minor">
+            <a:schemeClr val="tx1"/>
+          </a:fontRef>
+        </p:style>
+      </p:cxnSp>
+      <p:cxnSp>
+        <p:nvCxnSpPr>
+          <p:cNvPr id="22" name="Straight Arrow Connector 21">
+            <a:extLst>
+              <a:ext uri="{FF2B5EF4-FFF2-40B4-BE49-F238E27FC236}">
+                <a16:creationId xmlns:a16="http://schemas.microsoft.com/office/drawing/2014/main" id="{DF1D6E70-2B46-493F-8EC1-A4EA8341A528}"/>
+              </a:ext>
+            </a:extLst>
+          </p:cNvPr>
+          <p:cNvCxnSpPr>
+            <a:cxnSpLocks/>
+          </p:cNvCxnSpPr>
+          <p:nvPr/>
+        </p:nvCxnSpPr>
+        <p:spPr>
+          <a:xfrm>
+            <a:off x="2739590" y="2037539"/>
+            <a:ext cx="0" cy="347214"/>
+          </a:xfrm>
+          <a:prstGeom prst="straightConnector1">
+            <a:avLst/>
+          </a:prstGeom>
+          <a:ln w="28575">
+            <a:tailEnd type="triangle"/>
+          </a:ln>
+        </p:spPr>
+        <p:style>
+          <a:lnRef idx="1">
+            <a:schemeClr val="accent1"/>
+          </a:lnRef>
+          <a:fillRef idx="0">
+            <a:schemeClr val="accent1"/>
+          </a:fillRef>
+          <a:effectRef idx="0">
+            <a:schemeClr val="accent1"/>
+          </a:effectRef>
+          <a:fontRef idx="minor">
+            <a:schemeClr val="tx1"/>
+          </a:fontRef>
+        </p:style>
+      </p:cxnSp>
+      <p:sp>
+        <p:nvSpPr>
+          <p:cNvPr id="23" name="TextBox 22">
+            <a:extLst>
+              <a:ext uri="{FF2B5EF4-FFF2-40B4-BE49-F238E27FC236}">
+                <a16:creationId xmlns:a16="http://schemas.microsoft.com/office/drawing/2014/main" id="{8D912A88-B79F-48AE-93A0-D32A3E5FC969}"/>
+              </a:ext>
+            </a:extLst>
+          </p:cNvPr>
+          <p:cNvSpPr txBox="1"/>
+          <p:nvPr/>
+        </p:nvSpPr>
+        <p:spPr>
+          <a:xfrm rot="19153175">
+            <a:off x="1981691" y="1409968"/>
+            <a:ext cx="2265861" cy="338554"/>
+          </a:xfrm>
+          <a:prstGeom prst="rect">
+            <a:avLst/>
+          </a:prstGeom>
+          <a:noFill/>
+        </p:spPr>
+        <p:txBody>
+          <a:bodyPr wrap="square" rtlCol="0">
+            <a:spAutoFit/>
+          </a:bodyPr>
+          <a:lstStyle/>
+          <a:p>
+            <a:r>
+              <a:rPr lang="en-US" sz="1600" dirty="0">
+                <a:solidFill>
+                  <a:srgbClr val="0070C0"/>
+                </a:solidFill>
+              </a:rPr>
+              <a:t>Null marking state 10 11</a:t>
+            </a:r>
+            <a:endParaRPr lang="th-TH" dirty="0">
+              <a:solidFill>
+                <a:srgbClr val="0070C0"/>
+              </a:solidFill>
+            </a:endParaRPr>
+          </a:p>
+        </p:txBody>
+      </p:sp>
+      <p:pic>
+        <p:nvPicPr>
+          <p:cNvPr id="14" name="Picture 13">
+            <a:extLst>
+              <a:ext uri="{FF2B5EF4-FFF2-40B4-BE49-F238E27FC236}">
+                <a16:creationId xmlns:a16="http://schemas.microsoft.com/office/drawing/2014/main" id="{61CC2C25-A722-41EE-87D0-DB031653A7D3}"/>
+              </a:ext>
+            </a:extLst>
+          </p:cNvPr>
+          <p:cNvPicPr>
+            <a:picLocks noChangeAspect="1"/>
+          </p:cNvPicPr>
+          <p:nvPr/>
+        </p:nvPicPr>
+        <p:blipFill>
+          <a:blip r:embed="rId6">
+            <a:extLst>
+              <a:ext uri="{28A0092B-C50C-407E-A947-70E740481C1C}">
+                <a14:useLocalDpi xmlns:a14="http://schemas.microsoft.com/office/drawing/2010/main" val="0"/>
+              </a:ext>
+            </a:extLst>
+          </a:blip>
+          <a:stretch>
+            <a:fillRect/>
+          </a:stretch>
+        </p:blipFill>
+        <p:spPr>
+          <a:xfrm>
+            <a:off x="3925232" y="411847"/>
+            <a:ext cx="4685368" cy="1829326"/>
+          </a:xfrm>
+          <a:prstGeom prst="rect">
+            <a:avLst/>
+          </a:prstGeom>
+        </p:spPr>
+      </p:pic>
+    </p:spTree>
+    <p:extLst>
+      <p:ext uri="{BB962C8B-B14F-4D97-AF65-F5344CB8AC3E}">
+        <p14:creationId xmlns:p14="http://schemas.microsoft.com/office/powerpoint/2010/main" val="908264813"/>
       </p:ext>
     </p:extLst>
   </p:cSld>
